--- a/FinalProject.pptx
+++ b/FinalProject.pptx
@@ -5,7 +5,7 @@
     <p:sldMasterId id="2147483697" r:id="rId1"/>
   </p:sldMasterIdLst>
   <p:notesMasterIdLst>
-    <p:notesMasterId r:id="rId24"/>
+    <p:notesMasterId r:id="rId26"/>
   </p:notesMasterIdLst>
   <p:sldIdLst>
     <p:sldId id="256" r:id="rId2"/>
@@ -30,6 +30,8 @@
     <p:sldId id="268" r:id="rId21"/>
     <p:sldId id="284" r:id="rId22"/>
     <p:sldId id="267" r:id="rId23"/>
+    <p:sldId id="285" r:id="rId24"/>
+    <p:sldId id="286" r:id="rId25"/>
   </p:sldIdLst>
   <p:sldSz cx="12192000" cy="6858000"/>
   <p:notesSz cx="6858000" cy="9144000"/>
@@ -1302,6 +1304,98 @@
       </pc:sldMasterChg>
     </pc:docChg>
   </pc:docChgLst>
+  <pc:docChgLst>
+    <pc:chgData name="Eduard Smet" userId="581b2c1f-6fdd-4ef8-98bb-64928c83cb18" providerId="ADAL" clId="{460CD279-D642-4B48-93B1-D1AA306AE577}"/>
+    <pc:docChg chg="undo custSel addSld delSld modSld">
+      <pc:chgData name="Eduard Smet" userId="581b2c1f-6fdd-4ef8-98bb-64928c83cb18" providerId="ADAL" clId="{460CD279-D642-4B48-93B1-D1AA306AE577}" dt="2023-01-27T07:36:19.319" v="106" actId="20577"/>
+      <pc:docMkLst>
+        <pc:docMk/>
+      </pc:docMkLst>
+      <pc:sldChg chg="modSp mod">
+        <pc:chgData name="Eduard Smet" userId="581b2c1f-6fdd-4ef8-98bb-64928c83cb18" providerId="ADAL" clId="{460CD279-D642-4B48-93B1-D1AA306AE577}" dt="2023-01-27T07:26:52.579" v="32" actId="27636"/>
+        <pc:sldMkLst>
+          <pc:docMk/>
+          <pc:sldMk cId="2308610929" sldId="257"/>
+        </pc:sldMkLst>
+        <pc:spChg chg="mod">
+          <ac:chgData name="Eduard Smet" userId="581b2c1f-6fdd-4ef8-98bb-64928c83cb18" providerId="ADAL" clId="{460CD279-D642-4B48-93B1-D1AA306AE577}" dt="2023-01-27T07:26:52.579" v="32" actId="27636"/>
+          <ac:spMkLst>
+            <pc:docMk/>
+            <pc:sldMk cId="2308610929" sldId="257"/>
+            <ac:spMk id="3" creationId="{6E25F141-97FE-D4F8-A34E-A4989E36CF8A}"/>
+          </ac:spMkLst>
+        </pc:spChg>
+      </pc:sldChg>
+      <pc:sldChg chg="modSp mod">
+        <pc:chgData name="Eduard Smet" userId="581b2c1f-6fdd-4ef8-98bb-64928c83cb18" providerId="ADAL" clId="{460CD279-D642-4B48-93B1-D1AA306AE577}" dt="2023-01-27T07:27:45.719" v="33" actId="400"/>
+        <pc:sldMkLst>
+          <pc:docMk/>
+          <pc:sldMk cId="2085698948" sldId="265"/>
+        </pc:sldMkLst>
+        <pc:spChg chg="mod">
+          <ac:chgData name="Eduard Smet" userId="581b2c1f-6fdd-4ef8-98bb-64928c83cb18" providerId="ADAL" clId="{460CD279-D642-4B48-93B1-D1AA306AE577}" dt="2023-01-27T07:27:45.719" v="33" actId="400"/>
+          <ac:spMkLst>
+            <pc:docMk/>
+            <pc:sldMk cId="2085698948" sldId="265"/>
+            <ac:spMk id="3" creationId="{6E25F141-97FE-D4F8-A34E-A4989E36CF8A}"/>
+          </ac:spMkLst>
+        </pc:spChg>
+      </pc:sldChg>
+      <pc:sldChg chg="modSp new mod">
+        <pc:chgData name="Eduard Smet" userId="581b2c1f-6fdd-4ef8-98bb-64928c83cb18" providerId="ADAL" clId="{460CD279-D642-4B48-93B1-D1AA306AE577}" dt="2023-01-27T07:34:43.575" v="55" actId="20577"/>
+        <pc:sldMkLst>
+          <pc:docMk/>
+          <pc:sldMk cId="4257914043" sldId="285"/>
+        </pc:sldMkLst>
+        <pc:spChg chg="mod">
+          <ac:chgData name="Eduard Smet" userId="581b2c1f-6fdd-4ef8-98bb-64928c83cb18" providerId="ADAL" clId="{460CD279-D642-4B48-93B1-D1AA306AE577}" dt="2023-01-27T07:29:33.801" v="46" actId="20577"/>
+          <ac:spMkLst>
+            <pc:docMk/>
+            <pc:sldMk cId="4257914043" sldId="285"/>
+            <ac:spMk id="2" creationId="{2F63BE71-0F89-FF8C-0298-8B9089039CCC}"/>
+          </ac:spMkLst>
+        </pc:spChg>
+        <pc:spChg chg="mod">
+          <ac:chgData name="Eduard Smet" userId="581b2c1f-6fdd-4ef8-98bb-64928c83cb18" providerId="ADAL" clId="{460CD279-D642-4B48-93B1-D1AA306AE577}" dt="2023-01-27T07:34:43.575" v="55" actId="20577"/>
+          <ac:spMkLst>
+            <pc:docMk/>
+            <pc:sldMk cId="4257914043" sldId="285"/>
+            <ac:spMk id="3" creationId="{C2078E56-070F-E9D5-4028-CBAA548C1E09}"/>
+          </ac:spMkLst>
+        </pc:spChg>
+      </pc:sldChg>
+      <pc:sldChg chg="new del">
+        <pc:chgData name="Eduard Smet" userId="581b2c1f-6fdd-4ef8-98bb-64928c83cb18" providerId="ADAL" clId="{460CD279-D642-4B48-93B1-D1AA306AE577}" dt="2023-01-27T07:34:52.735" v="57" actId="680"/>
+        <pc:sldMkLst>
+          <pc:docMk/>
+          <pc:sldMk cId="520441328" sldId="286"/>
+        </pc:sldMkLst>
+      </pc:sldChg>
+      <pc:sldChg chg="addSp delSp modSp new mod">
+        <pc:chgData name="Eduard Smet" userId="581b2c1f-6fdd-4ef8-98bb-64928c83cb18" providerId="ADAL" clId="{460CD279-D642-4B48-93B1-D1AA306AE577}" dt="2023-01-27T07:36:19.319" v="106" actId="20577"/>
+        <pc:sldMkLst>
+          <pc:docMk/>
+          <pc:sldMk cId="3957673451" sldId="286"/>
+        </pc:sldMkLst>
+        <pc:spChg chg="mod">
+          <ac:chgData name="Eduard Smet" userId="581b2c1f-6fdd-4ef8-98bb-64928c83cb18" providerId="ADAL" clId="{460CD279-D642-4B48-93B1-D1AA306AE577}" dt="2023-01-27T07:35:53.263" v="101" actId="1076"/>
+          <ac:spMkLst>
+            <pc:docMk/>
+            <pc:sldMk cId="3957673451" sldId="286"/>
+            <ac:spMk id="2" creationId="{8781BF17-D86E-5939-9D36-2374C185476C}"/>
+          </ac:spMkLst>
+        </pc:spChg>
+        <pc:spChg chg="add del mod">
+          <ac:chgData name="Eduard Smet" userId="581b2c1f-6fdd-4ef8-98bb-64928c83cb18" providerId="ADAL" clId="{460CD279-D642-4B48-93B1-D1AA306AE577}" dt="2023-01-27T07:36:19.319" v="106" actId="20577"/>
+          <ac:spMkLst>
+            <pc:docMk/>
+            <pc:sldMk cId="3957673451" sldId="286"/>
+            <ac:spMk id="3" creationId="{66057CA6-4361-F212-916C-6162506E42C8}"/>
+          </ac:spMkLst>
+        </pc:spChg>
+      </pc:sldChg>
+    </pc:docChg>
+  </pc:docChgLst>
 </pc:chgInfo>
 </file>
 
@@ -1387,7 +1481,7 @@
           <a:p>
             <a:fld id="{B6C65716-52C3-48B9-BFE2-3CAB747895F7}" type="datetimeFigureOut">
               <a:rPr lang="nl-BE" smtClean="0"/>
-              <a:t>23/01/2023</a:t>
+              <a:t>27/01/2023</a:t>
             </a:fld>
             <a:endParaRPr lang="nl-BE" dirty="0"/>
           </a:p>
@@ -8429,7 +8523,7 @@
         </p:spPr>
         <p:txBody>
           <a:bodyPr>
-            <a:normAutofit fontScale="85000" lnSpcReduction="10000"/>
+            <a:normAutofit fontScale="77500" lnSpcReduction="20000"/>
           </a:bodyPr>
           <a:lstStyle/>
           <a:p>
@@ -8439,6 +8533,13 @@
             <a:r>
               <a:rPr lang="nl-BE" dirty="0"/>
               <a:t>Het onderwerp</a:t>
+            </a:r>
+          </a:p>
+          <a:p>
+            <a:pPr lvl="1"/>
+            <a:r>
+              <a:rPr lang="nl-BE" dirty="0"/>
+              <a:t>Het probleem</a:t>
             </a:r>
           </a:p>
           <a:p>
@@ -9345,6 +9446,380 @@
 </p:sld>
 </file>
 
+<file path=ppt/slides/slide23.xml><?xml version="1.0" encoding="utf-8"?>
+<p:sld xmlns:a="http://schemas.openxmlformats.org/drawingml/2006/main" xmlns:r="http://schemas.openxmlformats.org/officeDocument/2006/relationships" xmlns:p="http://schemas.openxmlformats.org/presentationml/2006/main">
+  <p:cSld>
+    <p:spTree>
+      <p:nvGrpSpPr>
+        <p:cNvPr id="1" name=""/>
+        <p:cNvGrpSpPr/>
+        <p:nvPr/>
+      </p:nvGrpSpPr>
+      <p:grpSpPr>
+        <a:xfrm>
+          <a:off x="0" y="0"/>
+          <a:ext cx="0" cy="0"/>
+          <a:chOff x="0" y="0"/>
+          <a:chExt cx="0" cy="0"/>
+        </a:xfrm>
+      </p:grpSpPr>
+      <p:sp>
+        <p:nvSpPr>
+          <p:cNvPr id="2" name="Title 1">
+            <a:extLst>
+              <a:ext uri="{FF2B5EF4-FFF2-40B4-BE49-F238E27FC236}">
+                <a16:creationId xmlns:a16="http://schemas.microsoft.com/office/drawing/2014/main" id="{2F63BE71-0F89-FF8C-0298-8B9089039CCC}"/>
+              </a:ext>
+            </a:extLst>
+          </p:cNvPr>
+          <p:cNvSpPr>
+            <a:spLocks noGrp="1"/>
+          </p:cNvSpPr>
+          <p:nvPr>
+            <p:ph type="title"/>
+          </p:nvPr>
+        </p:nvSpPr>
+        <p:spPr/>
+        <p:txBody>
+          <a:bodyPr/>
+          <a:lstStyle/>
+          <a:p>
+            <a:r>
+              <a:rPr lang="nl-BE" dirty="0"/>
+              <a:t>Bibliografie</a:t>
+            </a:r>
+          </a:p>
+        </p:txBody>
+      </p:sp>
+      <p:sp>
+        <p:nvSpPr>
+          <p:cNvPr id="3" name="Content Placeholder 2">
+            <a:extLst>
+              <a:ext uri="{FF2B5EF4-FFF2-40B4-BE49-F238E27FC236}">
+                <a16:creationId xmlns:a16="http://schemas.microsoft.com/office/drawing/2014/main" id="{C2078E56-070F-E9D5-4028-CBAA548C1E09}"/>
+              </a:ext>
+            </a:extLst>
+          </p:cNvPr>
+          <p:cNvSpPr>
+            <a:spLocks noGrp="1"/>
+          </p:cNvSpPr>
+          <p:nvPr>
+            <p:ph idx="1"/>
+          </p:nvPr>
+        </p:nvSpPr>
+        <p:spPr/>
+        <p:txBody>
+          <a:bodyPr/>
+          <a:lstStyle/>
+          <a:p>
+            <a:r>
+              <a:rPr lang="nl-BE" dirty="0"/>
+              <a:t>Smet, E. (2023, 23 januari). </a:t>
+            </a:r>
+            <a:r>
+              <a:rPr lang="nl-BE" i="1" dirty="0" err="1"/>
+              <a:t>Final</a:t>
+            </a:r>
+            <a:r>
+              <a:rPr lang="nl-BE" i="1" dirty="0"/>
+              <a:t> Project. </a:t>
+            </a:r>
+            <a:r>
+              <a:rPr lang="nl-BE" dirty="0"/>
+              <a:t>GitHub. Geraadpleegd op 23 januari 2023, van https://github.com/Celarye/SYFinalProject/blob/master/FinalProject.docx</a:t>
+            </a:r>
+          </a:p>
+        </p:txBody>
+      </p:sp>
+      <p:sp>
+        <p:nvSpPr>
+          <p:cNvPr id="4" name="Date Placeholder 3">
+            <a:extLst>
+              <a:ext uri="{FF2B5EF4-FFF2-40B4-BE49-F238E27FC236}">
+                <a16:creationId xmlns:a16="http://schemas.microsoft.com/office/drawing/2014/main" id="{BB0919E2-0DC7-9585-3A2C-3A29777847DA}"/>
+              </a:ext>
+            </a:extLst>
+          </p:cNvPr>
+          <p:cNvSpPr>
+            <a:spLocks noGrp="1"/>
+          </p:cNvSpPr>
+          <p:nvPr>
+            <p:ph type="dt" sz="half" idx="10"/>
+          </p:nvPr>
+        </p:nvSpPr>
+        <p:spPr/>
+        <p:txBody>
+          <a:bodyPr/>
+          <a:lstStyle/>
+          <a:p>
+            <a:r>
+              <a:rPr lang="en-US"/>
+              <a:t>31/1/2023</a:t>
+            </a:r>
+            <a:endParaRPr lang="en-US" dirty="0"/>
+          </a:p>
+        </p:txBody>
+      </p:sp>
+      <p:sp>
+        <p:nvSpPr>
+          <p:cNvPr id="5" name="Footer Placeholder 4">
+            <a:extLst>
+              <a:ext uri="{FF2B5EF4-FFF2-40B4-BE49-F238E27FC236}">
+                <a16:creationId xmlns:a16="http://schemas.microsoft.com/office/drawing/2014/main" id="{D7AD082A-42F9-050C-2780-C5BF3CC178E3}"/>
+              </a:ext>
+            </a:extLst>
+          </p:cNvPr>
+          <p:cNvSpPr>
+            <a:spLocks noGrp="1"/>
+          </p:cNvSpPr>
+          <p:nvPr>
+            <p:ph type="ftr" sz="quarter" idx="11"/>
+          </p:nvPr>
+        </p:nvSpPr>
+        <p:spPr/>
+        <p:txBody>
+          <a:bodyPr/>
+          <a:lstStyle/>
+          <a:p>
+            <a:r>
+              <a:rPr lang="nl-BE"/>
+              <a:t>Het onderhouden van kamerplanten automatiseren - Eduard Smet</a:t>
+            </a:r>
+            <a:endParaRPr lang="en-US" dirty="0"/>
+          </a:p>
+        </p:txBody>
+      </p:sp>
+      <p:sp>
+        <p:nvSpPr>
+          <p:cNvPr id="6" name="Slide Number Placeholder 5">
+            <a:extLst>
+              <a:ext uri="{FF2B5EF4-FFF2-40B4-BE49-F238E27FC236}">
+                <a16:creationId xmlns:a16="http://schemas.microsoft.com/office/drawing/2014/main" id="{F41DD533-91C1-0E44-C2FA-043E54D388C1}"/>
+              </a:ext>
+            </a:extLst>
+          </p:cNvPr>
+          <p:cNvSpPr>
+            <a:spLocks noGrp="1"/>
+          </p:cNvSpPr>
+          <p:nvPr>
+            <p:ph type="sldNum" sz="quarter" idx="12"/>
+          </p:nvPr>
+        </p:nvSpPr>
+        <p:spPr/>
+        <p:txBody>
+          <a:bodyPr/>
+          <a:lstStyle/>
+          <a:p>
+            <a:fld id="{719D7796-F675-488F-AC46-C88938C80352}" type="slidenum">
+              <a:rPr lang="en-US" smtClean="0"/>
+              <a:t>23</a:t>
+            </a:fld>
+            <a:endParaRPr lang="en-US" dirty="0"/>
+          </a:p>
+        </p:txBody>
+      </p:sp>
+    </p:spTree>
+    <p:extLst>
+      <p:ext uri="{BB962C8B-B14F-4D97-AF65-F5344CB8AC3E}">
+        <p14:creationId xmlns:p14="http://schemas.microsoft.com/office/powerpoint/2010/main" val="4257914043"/>
+      </p:ext>
+    </p:extLst>
+  </p:cSld>
+  <p:clrMapOvr>
+    <a:masterClrMapping/>
+  </p:clrMapOvr>
+</p:sld>
+</file>
+
+<file path=ppt/slides/slide24.xml><?xml version="1.0" encoding="utf-8"?>
+<p:sld xmlns:a="http://schemas.openxmlformats.org/drawingml/2006/main" xmlns:r="http://schemas.openxmlformats.org/officeDocument/2006/relationships" xmlns:p="http://schemas.openxmlformats.org/presentationml/2006/main">
+  <p:cSld>
+    <p:spTree>
+      <p:nvGrpSpPr>
+        <p:cNvPr id="1" name=""/>
+        <p:cNvGrpSpPr/>
+        <p:nvPr/>
+      </p:nvGrpSpPr>
+      <p:grpSpPr>
+        <a:xfrm>
+          <a:off x="0" y="0"/>
+          <a:ext cx="0" cy="0"/>
+          <a:chOff x="0" y="0"/>
+          <a:chExt cx="0" cy="0"/>
+        </a:xfrm>
+      </p:grpSpPr>
+      <p:sp>
+        <p:nvSpPr>
+          <p:cNvPr id="2" name="Title 1">
+            <a:extLst>
+              <a:ext uri="{FF2B5EF4-FFF2-40B4-BE49-F238E27FC236}">
+                <a16:creationId xmlns:a16="http://schemas.microsoft.com/office/drawing/2014/main" id="{8781BF17-D86E-5939-9D36-2374C185476C}"/>
+              </a:ext>
+            </a:extLst>
+          </p:cNvPr>
+          <p:cNvSpPr>
+            <a:spLocks noGrp="1"/>
+          </p:cNvSpPr>
+          <p:nvPr>
+            <p:ph type="ctrTitle"/>
+          </p:nvPr>
+        </p:nvSpPr>
+        <p:spPr>
+          <a:xfrm>
+            <a:off x="1451952" y="2659942"/>
+            <a:ext cx="9288096" cy="769058"/>
+          </a:xfrm>
+        </p:spPr>
+        <p:txBody>
+          <a:bodyPr/>
+          <a:lstStyle/>
+          <a:p>
+            <a:pPr algn="ctr"/>
+            <a:r>
+              <a:rPr lang="nl-BE" dirty="0"/>
+              <a:t>Einde</a:t>
+            </a:r>
+          </a:p>
+        </p:txBody>
+      </p:sp>
+      <p:sp>
+        <p:nvSpPr>
+          <p:cNvPr id="3" name="Subtitle 2">
+            <a:extLst>
+              <a:ext uri="{FF2B5EF4-FFF2-40B4-BE49-F238E27FC236}">
+                <a16:creationId xmlns:a16="http://schemas.microsoft.com/office/drawing/2014/main" id="{66057CA6-4361-F212-916C-6162506E42C8}"/>
+              </a:ext>
+            </a:extLst>
+          </p:cNvPr>
+          <p:cNvSpPr>
+            <a:spLocks noGrp="1"/>
+          </p:cNvSpPr>
+          <p:nvPr>
+            <p:ph type="subTitle" idx="1"/>
+          </p:nvPr>
+        </p:nvSpPr>
+        <p:spPr>
+          <a:xfrm>
+            <a:off x="1451952" y="3852117"/>
+            <a:ext cx="9288096" cy="1435331"/>
+          </a:xfrm>
+        </p:spPr>
+        <p:txBody>
+          <a:bodyPr/>
+          <a:lstStyle/>
+          <a:p>
+            <a:pPr algn="ctr"/>
+            <a:r>
+              <a:rPr lang="nl-BE"/>
+              <a:t>Dank u </a:t>
+            </a:r>
+            <a:r>
+              <a:rPr lang="nl-BE" dirty="0"/>
+              <a:t>voor uw aandacht!</a:t>
+            </a:r>
+          </a:p>
+        </p:txBody>
+      </p:sp>
+      <p:sp>
+        <p:nvSpPr>
+          <p:cNvPr id="4" name="Date Placeholder 3">
+            <a:extLst>
+              <a:ext uri="{FF2B5EF4-FFF2-40B4-BE49-F238E27FC236}">
+                <a16:creationId xmlns:a16="http://schemas.microsoft.com/office/drawing/2014/main" id="{43CD1E27-E238-2AC8-E7AB-BDD75216EA64}"/>
+              </a:ext>
+            </a:extLst>
+          </p:cNvPr>
+          <p:cNvSpPr>
+            <a:spLocks noGrp="1"/>
+          </p:cNvSpPr>
+          <p:nvPr>
+            <p:ph type="dt" sz="half" idx="10"/>
+          </p:nvPr>
+        </p:nvSpPr>
+        <p:spPr/>
+        <p:txBody>
+          <a:bodyPr/>
+          <a:lstStyle/>
+          <a:p>
+            <a:r>
+              <a:rPr lang="en-US"/>
+              <a:t>31/1/2023</a:t>
+            </a:r>
+            <a:endParaRPr lang="en-US" dirty="0"/>
+          </a:p>
+        </p:txBody>
+      </p:sp>
+      <p:sp>
+        <p:nvSpPr>
+          <p:cNvPr id="5" name="Footer Placeholder 4">
+            <a:extLst>
+              <a:ext uri="{FF2B5EF4-FFF2-40B4-BE49-F238E27FC236}">
+                <a16:creationId xmlns:a16="http://schemas.microsoft.com/office/drawing/2014/main" id="{FAB2D28C-C005-428D-1A40-795DC3CBB459}"/>
+              </a:ext>
+            </a:extLst>
+          </p:cNvPr>
+          <p:cNvSpPr>
+            <a:spLocks noGrp="1"/>
+          </p:cNvSpPr>
+          <p:nvPr>
+            <p:ph type="ftr" sz="quarter" idx="11"/>
+          </p:nvPr>
+        </p:nvSpPr>
+        <p:spPr/>
+        <p:txBody>
+          <a:bodyPr/>
+          <a:lstStyle/>
+          <a:p>
+            <a:r>
+              <a:rPr lang="nl-BE"/>
+              <a:t>Het onderhouden van kamerplanten automatiseren - Eduard Smet</a:t>
+            </a:r>
+            <a:endParaRPr lang="en-US" dirty="0"/>
+          </a:p>
+        </p:txBody>
+      </p:sp>
+      <p:sp>
+        <p:nvSpPr>
+          <p:cNvPr id="6" name="Slide Number Placeholder 5">
+            <a:extLst>
+              <a:ext uri="{FF2B5EF4-FFF2-40B4-BE49-F238E27FC236}">
+                <a16:creationId xmlns:a16="http://schemas.microsoft.com/office/drawing/2014/main" id="{6F009B0F-EB2C-FA50-A529-4D8D72293199}"/>
+              </a:ext>
+            </a:extLst>
+          </p:cNvPr>
+          <p:cNvSpPr>
+            <a:spLocks noGrp="1"/>
+          </p:cNvSpPr>
+          <p:nvPr>
+            <p:ph type="sldNum" sz="quarter" idx="12"/>
+          </p:nvPr>
+        </p:nvSpPr>
+        <p:spPr/>
+        <p:txBody>
+          <a:bodyPr/>
+          <a:lstStyle/>
+          <a:p>
+            <a:fld id="{719D7796-F675-488F-AC46-C88938C80352}" type="slidenum">
+              <a:rPr lang="en-US" smtClean="0"/>
+              <a:t>24</a:t>
+            </a:fld>
+            <a:endParaRPr lang="en-US" dirty="0"/>
+          </a:p>
+        </p:txBody>
+      </p:sp>
+    </p:spTree>
+    <p:extLst>
+      <p:ext uri="{BB962C8B-B14F-4D97-AF65-F5344CB8AC3E}">
+        <p14:creationId xmlns:p14="http://schemas.microsoft.com/office/powerpoint/2010/main" val="3957673451"/>
+      </p:ext>
+    </p:extLst>
+  </p:cSld>
+  <p:clrMapOvr>
+    <a:masterClrMapping/>
+  </p:clrMapOvr>
+</p:sld>
+</file>
+
 <file path=ppt/slides/slide3.xml><?xml version="1.0" encoding="utf-8"?>
 <p:sld xmlns:a="http://schemas.openxmlformats.org/drawingml/2006/main" xmlns:r="http://schemas.openxmlformats.org/officeDocument/2006/relationships" xmlns:p="http://schemas.openxmlformats.org/presentationml/2006/main">
   <p:cSld>
@@ -9697,7 +10172,11 @@
             </a:r>
             <a:r>
               <a:rPr lang="nl-BE" dirty="0"/>
-              <a:t> Het besparen van tijd voor mensen met veel planten.</a:t>
+              <a:t> </a:t>
+            </a:r>
+            <a:r>
+              <a:rPr lang="nl-BE" strike="sngStrike" dirty="0"/>
+              <a:t>Het besparen van tijd voor mensen met veel planten.</a:t>
             </a:r>
           </a:p>
           <a:p>

--- a/FinalProject.pptx
+++ b/FinalProject.pptx
@@ -5,7 +5,7 @@
     <p:sldMasterId id="2147483697" r:id="rId1"/>
   </p:sldMasterIdLst>
   <p:notesMasterIdLst>
-    <p:notesMasterId r:id="rId30"/>
+    <p:notesMasterId r:id="rId37"/>
   </p:notesMasterIdLst>
   <p:sldIdLst>
     <p:sldId id="256" r:id="rId2"/>
@@ -18,24 +18,31 @@
     <p:sldId id="275" r:id="rId9"/>
     <p:sldId id="276" r:id="rId10"/>
     <p:sldId id="277" r:id="rId11"/>
-    <p:sldId id="292" r:id="rId12"/>
-    <p:sldId id="273" r:id="rId13"/>
-    <p:sldId id="288" r:id="rId14"/>
-    <p:sldId id="289" r:id="rId15"/>
-    <p:sldId id="287" r:id="rId16"/>
-    <p:sldId id="280" r:id="rId17"/>
-    <p:sldId id="281" r:id="rId18"/>
-    <p:sldId id="283" r:id="rId19"/>
-    <p:sldId id="291" r:id="rId20"/>
-    <p:sldId id="290" r:id="rId21"/>
-    <p:sldId id="282" r:id="rId22"/>
-    <p:sldId id="272" r:id="rId23"/>
-    <p:sldId id="293" r:id="rId24"/>
-    <p:sldId id="270" r:id="rId25"/>
-    <p:sldId id="294" r:id="rId26"/>
-    <p:sldId id="284" r:id="rId27"/>
-    <p:sldId id="267" r:id="rId28"/>
-    <p:sldId id="286" r:id="rId29"/>
+    <p:sldId id="273" r:id="rId12"/>
+    <p:sldId id="288" r:id="rId13"/>
+    <p:sldId id="289" r:id="rId14"/>
+    <p:sldId id="287" r:id="rId15"/>
+    <p:sldId id="297" r:id="rId16"/>
+    <p:sldId id="303" r:id="rId17"/>
+    <p:sldId id="292" r:id="rId18"/>
+    <p:sldId id="280" r:id="rId19"/>
+    <p:sldId id="281" r:id="rId20"/>
+    <p:sldId id="283" r:id="rId21"/>
+    <p:sldId id="291" r:id="rId22"/>
+    <p:sldId id="290" r:id="rId23"/>
+    <p:sldId id="282" r:id="rId24"/>
+    <p:sldId id="272" r:id="rId25"/>
+    <p:sldId id="293" r:id="rId26"/>
+    <p:sldId id="270" r:id="rId27"/>
+    <p:sldId id="294" r:id="rId28"/>
+    <p:sldId id="298" r:id="rId29"/>
+    <p:sldId id="299" r:id="rId30"/>
+    <p:sldId id="300" r:id="rId31"/>
+    <p:sldId id="301" r:id="rId32"/>
+    <p:sldId id="302" r:id="rId33"/>
+    <p:sldId id="284" r:id="rId34"/>
+    <p:sldId id="267" r:id="rId35"/>
+    <p:sldId id="286" r:id="rId36"/>
   </p:sldIdLst>
   <p:sldSz cx="12192000" cy="6858000"/>
   <p:notesSz cx="6858000" cy="9144000"/>
@@ -142,6 +149,14 @@
 </p:presentation>
 </file>
 
+<file path=ppt/revisionInfo.xml><?xml version="1.0" encoding="utf-8"?>
+<p1510:revInfo xmlns:a="http://schemas.openxmlformats.org/drawingml/2006/main" xmlns:r="http://schemas.openxmlformats.org/officeDocument/2006/relationships" xmlns:p1510="http://schemas.microsoft.com/office/powerpoint/2015/10/main">
+  <p1510:revLst>
+    <p1510:client id="{460CD279-D642-4B48-93B1-D1AA306AE577}" v="36" dt="2023-01-31T12:38:46.385"/>
+  </p1510:revLst>
+</p1510:revInfo>
+</file>
+
 <file path=ppt/changesInfos/changesInfo1.xml><?xml version="1.0" encoding="utf-8"?>
 <pc:chgInfo xmlns:a="http://schemas.openxmlformats.org/drawingml/2006/main" xmlns:r="http://schemas.openxmlformats.org/officeDocument/2006/relationships" xmlns:ac="http://schemas.microsoft.com/office/drawing/2013/main/command" xmlns:pc="http://schemas.microsoft.com/office/powerpoint/2013/main/command">
   <pc:docChgLst>
@@ -1716,13 +1731,20 @@
   </pc:docChgLst>
   <pc:docChgLst>
     <pc:chgData name="Eduard Smet" userId="581b2c1f-6fdd-4ef8-98bb-64928c83cb18" providerId="ADAL" clId="{460CD279-D642-4B48-93B1-D1AA306AE577}"/>
-    <pc:docChg chg="undo custSel addSld delSld modSld">
-      <pc:chgData name="Eduard Smet" userId="581b2c1f-6fdd-4ef8-98bb-64928c83cb18" providerId="ADAL" clId="{460CD279-D642-4B48-93B1-D1AA306AE577}" dt="2023-01-27T07:36:19.319" v="106" actId="20577"/>
+    <pc:docChg chg="undo redo custSel addSld delSld modSld sldOrd">
+      <pc:chgData name="Eduard Smet" userId="581b2c1f-6fdd-4ef8-98bb-64928c83cb18" providerId="ADAL" clId="{460CD279-D642-4B48-93B1-D1AA306AE577}" dt="2023-01-31T12:38:46.385" v="2199" actId="931"/>
       <pc:docMkLst>
         <pc:docMk/>
       </pc:docMkLst>
-      <pc:sldChg chg="modSp mod">
-        <pc:chgData name="Eduard Smet" userId="581b2c1f-6fdd-4ef8-98bb-64928c83cb18" providerId="ADAL" clId="{460CD279-D642-4B48-93B1-D1AA306AE577}" dt="2023-01-27T07:26:52.579" v="32" actId="27636"/>
+      <pc:sldChg chg="modTransition">
+        <pc:chgData name="Eduard Smet" userId="581b2c1f-6fdd-4ef8-98bb-64928c83cb18" providerId="ADAL" clId="{460CD279-D642-4B48-93B1-D1AA306AE577}" dt="2023-01-31T12:08:29.540" v="1806"/>
+        <pc:sldMkLst>
+          <pc:docMk/>
+          <pc:sldMk cId="3373251647" sldId="256"/>
+        </pc:sldMkLst>
+      </pc:sldChg>
+      <pc:sldChg chg="modSp mod modTransition">
+        <pc:chgData name="Eduard Smet" userId="581b2c1f-6fdd-4ef8-98bb-64928c83cb18" providerId="ADAL" clId="{460CD279-D642-4B48-93B1-D1AA306AE577}" dt="2023-01-31T12:08:37.635" v="1808"/>
         <pc:sldMkLst>
           <pc:docMk/>
           <pc:sldMk cId="2308610929" sldId="257"/>
@@ -1737,19 +1759,110 @@
         </pc:spChg>
       </pc:sldChg>
       <pc:sldChg chg="modSp mod">
-        <pc:chgData name="Eduard Smet" userId="581b2c1f-6fdd-4ef8-98bb-64928c83cb18" providerId="ADAL" clId="{460CD279-D642-4B48-93B1-D1AA306AE577}" dt="2023-01-27T07:27:45.719" v="33" actId="400"/>
+        <pc:chgData name="Eduard Smet" userId="581b2c1f-6fdd-4ef8-98bb-64928c83cb18" providerId="ADAL" clId="{460CD279-D642-4B48-93B1-D1AA306AE577}" dt="2023-01-31T10:28:50.286" v="999" actId="20577"/>
         <pc:sldMkLst>
           <pc:docMk/>
           <pc:sldMk cId="2085698948" sldId="265"/>
         </pc:sldMkLst>
         <pc:spChg chg="mod">
-          <ac:chgData name="Eduard Smet" userId="581b2c1f-6fdd-4ef8-98bb-64928c83cb18" providerId="ADAL" clId="{460CD279-D642-4B48-93B1-D1AA306AE577}" dt="2023-01-27T07:27:45.719" v="33" actId="400"/>
+          <ac:chgData name="Eduard Smet" userId="581b2c1f-6fdd-4ef8-98bb-64928c83cb18" providerId="ADAL" clId="{460CD279-D642-4B48-93B1-D1AA306AE577}" dt="2023-01-31T10:28:50.286" v="999" actId="20577"/>
           <ac:spMkLst>
             <pc:docMk/>
             <pc:sldMk cId="2085698948" sldId="265"/>
             <ac:spMk id="3" creationId="{6E25F141-97FE-D4F8-A34E-A4989E36CF8A}"/>
           </ac:spMkLst>
         </pc:spChg>
+      </pc:sldChg>
+      <pc:sldChg chg="modSp mod">
+        <pc:chgData name="Eduard Smet" userId="581b2c1f-6fdd-4ef8-98bb-64928c83cb18" providerId="ADAL" clId="{460CD279-D642-4B48-93B1-D1AA306AE577}" dt="2023-01-31T10:29:46.852" v="1045" actId="20577"/>
+        <pc:sldMkLst>
+          <pc:docMk/>
+          <pc:sldMk cId="660447279" sldId="276"/>
+        </pc:sldMkLst>
+        <pc:spChg chg="mod">
+          <ac:chgData name="Eduard Smet" userId="581b2c1f-6fdd-4ef8-98bb-64928c83cb18" providerId="ADAL" clId="{460CD279-D642-4B48-93B1-D1AA306AE577}" dt="2023-01-31T10:28:20.358" v="986" actId="20577"/>
+          <ac:spMkLst>
+            <pc:docMk/>
+            <pc:sldMk cId="660447279" sldId="276"/>
+            <ac:spMk id="3" creationId="{6E25F141-97FE-D4F8-A34E-A4989E36CF8A}"/>
+          </ac:spMkLst>
+        </pc:spChg>
+        <pc:spChg chg="mod">
+          <ac:chgData name="Eduard Smet" userId="581b2c1f-6fdd-4ef8-98bb-64928c83cb18" providerId="ADAL" clId="{460CD279-D642-4B48-93B1-D1AA306AE577}" dt="2023-01-31T10:29:46.852" v="1045" actId="20577"/>
+          <ac:spMkLst>
+            <pc:docMk/>
+            <pc:sldMk cId="660447279" sldId="276"/>
+            <ac:spMk id="11" creationId="{F33648CB-D1C2-4935-735B-98CEBC038014}"/>
+          </ac:spMkLst>
+        </pc:spChg>
+        <pc:cxnChg chg="mod">
+          <ac:chgData name="Eduard Smet" userId="581b2c1f-6fdd-4ef8-98bb-64928c83cb18" providerId="ADAL" clId="{460CD279-D642-4B48-93B1-D1AA306AE577}" dt="2023-01-31T10:26:59.882" v="949" actId="208"/>
+          <ac:cxnSpMkLst>
+            <pc:docMk/>
+            <pc:sldMk cId="660447279" sldId="276"/>
+            <ac:cxnSpMk id="9" creationId="{57333BC3-40F0-37CF-5870-EC703A8A677F}"/>
+          </ac:cxnSpMkLst>
+        </pc:cxnChg>
+      </pc:sldChg>
+      <pc:sldChg chg="add del">
+        <pc:chgData name="Eduard Smet" userId="581b2c1f-6fdd-4ef8-98bb-64928c83cb18" providerId="ADAL" clId="{460CD279-D642-4B48-93B1-D1AA306AE577}" dt="2023-01-31T07:47:56.910" v="108" actId="2696"/>
+        <pc:sldMkLst>
+          <pc:docMk/>
+          <pc:sldMk cId="1338051705" sldId="277"/>
+        </pc:sldMkLst>
+      </pc:sldChg>
+      <pc:sldChg chg="modSp mod">
+        <pc:chgData name="Eduard Smet" userId="581b2c1f-6fdd-4ef8-98bb-64928c83cb18" providerId="ADAL" clId="{460CD279-D642-4B48-93B1-D1AA306AE577}" dt="2023-01-31T10:32:25.911" v="1114" actId="15"/>
+        <pc:sldMkLst>
+          <pc:docMk/>
+          <pc:sldMk cId="190577845" sldId="280"/>
+        </pc:sldMkLst>
+        <pc:spChg chg="mod">
+          <ac:chgData name="Eduard Smet" userId="581b2c1f-6fdd-4ef8-98bb-64928c83cb18" providerId="ADAL" clId="{460CD279-D642-4B48-93B1-D1AA306AE577}" dt="2023-01-31T10:32:25.911" v="1114" actId="15"/>
+          <ac:spMkLst>
+            <pc:docMk/>
+            <pc:sldMk cId="190577845" sldId="280"/>
+            <ac:spMk id="3" creationId="{6E25F141-97FE-D4F8-A34E-A4989E36CF8A}"/>
+          </ac:spMkLst>
+        </pc:spChg>
+      </pc:sldChg>
+      <pc:sldChg chg="modSp mod">
+        <pc:chgData name="Eduard Smet" userId="581b2c1f-6fdd-4ef8-98bb-64928c83cb18" providerId="ADAL" clId="{460CD279-D642-4B48-93B1-D1AA306AE577}" dt="2023-01-31T10:32:15.582" v="1113" actId="20577"/>
+        <pc:sldMkLst>
+          <pc:docMk/>
+          <pc:sldMk cId="3500048364" sldId="281"/>
+        </pc:sldMkLst>
+        <pc:spChg chg="mod">
+          <ac:chgData name="Eduard Smet" userId="581b2c1f-6fdd-4ef8-98bb-64928c83cb18" providerId="ADAL" clId="{460CD279-D642-4B48-93B1-D1AA306AE577}" dt="2023-01-31T10:32:15.582" v="1113" actId="20577"/>
+          <ac:spMkLst>
+            <pc:docMk/>
+            <pc:sldMk cId="3500048364" sldId="281"/>
+            <ac:spMk id="3" creationId="{6E25F141-97FE-D4F8-A34E-A4989E36CF8A}"/>
+          </ac:spMkLst>
+        </pc:spChg>
+      </pc:sldChg>
+      <pc:sldChg chg="addSp delSp modSp mod">
+        <pc:chgData name="Eduard Smet" userId="581b2c1f-6fdd-4ef8-98bb-64928c83cb18" providerId="ADAL" clId="{460CD279-D642-4B48-93B1-D1AA306AE577}" dt="2023-01-31T12:38:46.385" v="2199" actId="931"/>
+        <pc:sldMkLst>
+          <pc:docMk/>
+          <pc:sldMk cId="1261481180" sldId="283"/>
+        </pc:sldMkLst>
+        <pc:picChg chg="add del mod">
+          <ac:chgData name="Eduard Smet" userId="581b2c1f-6fdd-4ef8-98bb-64928c83cb18" providerId="ADAL" clId="{460CD279-D642-4B48-93B1-D1AA306AE577}" dt="2023-01-31T12:38:46.385" v="2199" actId="931"/>
+          <ac:picMkLst>
+            <pc:docMk/>
+            <pc:sldMk cId="1261481180" sldId="283"/>
+            <ac:picMk id="7" creationId="{14479200-28DC-F5F9-B92F-DB254DA0C396}"/>
+          </ac:picMkLst>
+        </pc:picChg>
+        <pc:picChg chg="del">
+          <ac:chgData name="Eduard Smet" userId="581b2c1f-6fdd-4ef8-98bb-64928c83cb18" providerId="ADAL" clId="{460CD279-D642-4B48-93B1-D1AA306AE577}" dt="2023-01-31T12:38:21.656" v="2197" actId="478"/>
+          <ac:picMkLst>
+            <pc:docMk/>
+            <pc:sldMk cId="1261481180" sldId="283"/>
+            <ac:picMk id="13" creationId="{20CB76E7-0913-EC04-A2A8-93CB4FEC2965}"/>
+          </ac:picMkLst>
+        </pc:picChg>
       </pc:sldChg>
       <pc:sldChg chg="modSp new mod">
         <pc:chgData name="Eduard Smet" userId="581b2c1f-6fdd-4ef8-98bb-64928c83cb18" providerId="ADAL" clId="{460CD279-D642-4B48-93B1-D1AA306AE577}" dt="2023-01-27T07:34:43.575" v="55" actId="20577"/>
@@ -1781,8 +1894,8 @@
           <pc:sldMk cId="520441328" sldId="286"/>
         </pc:sldMkLst>
       </pc:sldChg>
-      <pc:sldChg chg="addSp delSp modSp new mod">
-        <pc:chgData name="Eduard Smet" userId="581b2c1f-6fdd-4ef8-98bb-64928c83cb18" providerId="ADAL" clId="{460CD279-D642-4B48-93B1-D1AA306AE577}" dt="2023-01-27T07:36:19.319" v="106" actId="20577"/>
+      <pc:sldChg chg="addSp delSp modSp new mod modTransition">
+        <pc:chgData name="Eduard Smet" userId="581b2c1f-6fdd-4ef8-98bb-64928c83cb18" providerId="ADAL" clId="{460CD279-D642-4B48-93B1-D1AA306AE577}" dt="2023-01-31T12:08:09.418" v="1804"/>
         <pc:sldMkLst>
           <pc:docMk/>
           <pc:sldMk cId="3957673451" sldId="286"/>
@@ -1803,6 +1916,311 @@
             <ac:spMk id="3" creationId="{66057CA6-4361-F212-916C-6162506E42C8}"/>
           </ac:spMkLst>
         </pc:spChg>
+      </pc:sldChg>
+      <pc:sldChg chg="modSp mod ord">
+        <pc:chgData name="Eduard Smet" userId="581b2c1f-6fdd-4ef8-98bb-64928c83cb18" providerId="ADAL" clId="{460CD279-D642-4B48-93B1-D1AA306AE577}" dt="2023-01-31T10:31:07.790" v="1104" actId="20577"/>
+        <pc:sldMkLst>
+          <pc:docMk/>
+          <pc:sldMk cId="2981886889" sldId="292"/>
+        </pc:sldMkLst>
+        <pc:spChg chg="mod">
+          <ac:chgData name="Eduard Smet" userId="581b2c1f-6fdd-4ef8-98bb-64928c83cb18" providerId="ADAL" clId="{460CD279-D642-4B48-93B1-D1AA306AE577}" dt="2023-01-31T10:31:07.790" v="1104" actId="20577"/>
+          <ac:spMkLst>
+            <pc:docMk/>
+            <pc:sldMk cId="2981886889" sldId="292"/>
+            <ac:spMk id="3" creationId="{6E25F141-97FE-D4F8-A34E-A4989E36CF8A}"/>
+          </ac:spMkLst>
+        </pc:spChg>
+      </pc:sldChg>
+      <pc:sldChg chg="modSp mod">
+        <pc:chgData name="Eduard Smet" userId="581b2c1f-6fdd-4ef8-98bb-64928c83cb18" providerId="ADAL" clId="{460CD279-D642-4B48-93B1-D1AA306AE577}" dt="2023-01-31T10:43:03.416" v="1245" actId="20577"/>
+        <pc:sldMkLst>
+          <pc:docMk/>
+          <pc:sldMk cId="2836532437" sldId="293"/>
+        </pc:sldMkLst>
+        <pc:spChg chg="mod">
+          <ac:chgData name="Eduard Smet" userId="581b2c1f-6fdd-4ef8-98bb-64928c83cb18" providerId="ADAL" clId="{460CD279-D642-4B48-93B1-D1AA306AE577}" dt="2023-01-31T10:43:03.416" v="1245" actId="20577"/>
+          <ac:spMkLst>
+            <pc:docMk/>
+            <pc:sldMk cId="2836532437" sldId="293"/>
+            <ac:spMk id="3" creationId="{6E25F141-97FE-D4F8-A34E-A4989E36CF8A}"/>
+          </ac:spMkLst>
+        </pc:spChg>
+      </pc:sldChg>
+      <pc:sldChg chg="modSp mod">
+        <pc:chgData name="Eduard Smet" userId="581b2c1f-6fdd-4ef8-98bb-64928c83cb18" providerId="ADAL" clId="{460CD279-D642-4B48-93B1-D1AA306AE577}" dt="2023-01-31T10:44:01.247" v="1351" actId="20577"/>
+        <pc:sldMkLst>
+          <pc:docMk/>
+          <pc:sldMk cId="258226983" sldId="294"/>
+        </pc:sldMkLst>
+        <pc:spChg chg="mod">
+          <ac:chgData name="Eduard Smet" userId="581b2c1f-6fdd-4ef8-98bb-64928c83cb18" providerId="ADAL" clId="{460CD279-D642-4B48-93B1-D1AA306AE577}" dt="2023-01-31T10:44:01.247" v="1351" actId="20577"/>
+          <ac:spMkLst>
+            <pc:docMk/>
+            <pc:sldMk cId="258226983" sldId="294"/>
+            <ac:spMk id="3" creationId="{6E25F141-97FE-D4F8-A34E-A4989E36CF8A}"/>
+          </ac:spMkLst>
+        </pc:spChg>
+      </pc:sldChg>
+      <pc:sldChg chg="addSp delSp modSp add del mod ord">
+        <pc:chgData name="Eduard Smet" userId="581b2c1f-6fdd-4ef8-98bb-64928c83cb18" providerId="ADAL" clId="{460CD279-D642-4B48-93B1-D1AA306AE577}" dt="2023-01-31T12:06:10.581" v="1803" actId="2696"/>
+        <pc:sldMkLst>
+          <pc:docMk/>
+          <pc:sldMk cId="811398948" sldId="295"/>
+        </pc:sldMkLst>
+        <pc:spChg chg="mod">
+          <ac:chgData name="Eduard Smet" userId="581b2c1f-6fdd-4ef8-98bb-64928c83cb18" providerId="ADAL" clId="{460CD279-D642-4B48-93B1-D1AA306AE577}" dt="2023-01-31T10:19:09.932" v="878" actId="115"/>
+          <ac:spMkLst>
+            <pc:docMk/>
+            <pc:sldMk cId="811398948" sldId="295"/>
+            <ac:spMk id="3" creationId="{6E25F141-97FE-D4F8-A34E-A4989E36CF8A}"/>
+          </ac:spMkLst>
+        </pc:spChg>
+        <pc:spChg chg="add del mod">
+          <ac:chgData name="Eduard Smet" userId="581b2c1f-6fdd-4ef8-98bb-64928c83cb18" providerId="ADAL" clId="{460CD279-D642-4B48-93B1-D1AA306AE577}" dt="2023-01-31T10:14:08.527" v="794" actId="478"/>
+          <ac:spMkLst>
+            <pc:docMk/>
+            <pc:sldMk cId="811398948" sldId="295"/>
+            <ac:spMk id="8" creationId="{EED6414A-ABE3-89F2-AE53-B2660C49DE46}"/>
+          </ac:spMkLst>
+        </pc:spChg>
+        <pc:spChg chg="add del mod">
+          <ac:chgData name="Eduard Smet" userId="581b2c1f-6fdd-4ef8-98bb-64928c83cb18" providerId="ADAL" clId="{460CD279-D642-4B48-93B1-D1AA306AE577}" dt="2023-01-31T10:15:23.050" v="877" actId="478"/>
+          <ac:spMkLst>
+            <pc:docMk/>
+            <pc:sldMk cId="811398948" sldId="295"/>
+            <ac:spMk id="12" creationId="{E1638D00-77F3-776A-E4B3-0CB132512508}"/>
+          </ac:spMkLst>
+        </pc:spChg>
+        <pc:picChg chg="add del mod">
+          <ac:chgData name="Eduard Smet" userId="581b2c1f-6fdd-4ef8-98bb-64928c83cb18" providerId="ADAL" clId="{460CD279-D642-4B48-93B1-D1AA306AE577}" dt="2023-01-31T12:05:46.084" v="1798" actId="21"/>
+          <ac:picMkLst>
+            <pc:docMk/>
+            <pc:sldMk cId="811398948" sldId="295"/>
+            <ac:picMk id="7" creationId="{F0F7C62C-4226-C94E-45B6-DB97BA7F53CB}"/>
+          </ac:picMkLst>
+        </pc:picChg>
+        <pc:picChg chg="del">
+          <ac:chgData name="Eduard Smet" userId="581b2c1f-6fdd-4ef8-98bb-64928c83cb18" providerId="ADAL" clId="{460CD279-D642-4B48-93B1-D1AA306AE577}" dt="2023-01-31T07:49:07.704" v="124" actId="478"/>
+          <ac:picMkLst>
+            <pc:docMk/>
+            <pc:sldMk cId="811398948" sldId="295"/>
+            <ac:picMk id="8" creationId="{60DE4F24-771D-7CE1-A8A0-245E07F1E247}"/>
+          </ac:picMkLst>
+        </pc:picChg>
+        <pc:picChg chg="add mod">
+          <ac:chgData name="Eduard Smet" userId="581b2c1f-6fdd-4ef8-98bb-64928c83cb18" providerId="ADAL" clId="{460CD279-D642-4B48-93B1-D1AA306AE577}" dt="2023-01-31T10:02:32.540" v="368" actId="1076"/>
+          <ac:picMkLst>
+            <pc:docMk/>
+            <pc:sldMk cId="811398948" sldId="295"/>
+            <ac:picMk id="10" creationId="{FCEF0C31-329E-1535-C398-91B0C4694B49}"/>
+          </ac:picMkLst>
+        </pc:picChg>
+      </pc:sldChg>
+      <pc:sldChg chg="addSp delSp modSp add del mod">
+        <pc:chgData name="Eduard Smet" userId="581b2c1f-6fdd-4ef8-98bb-64928c83cb18" providerId="ADAL" clId="{460CD279-D642-4B48-93B1-D1AA306AE577}" dt="2023-01-31T10:31:45.655" v="1111" actId="2696"/>
+        <pc:sldMkLst>
+          <pc:docMk/>
+          <pc:sldMk cId="1940105794" sldId="296"/>
+        </pc:sldMkLst>
+        <pc:spChg chg="mod">
+          <ac:chgData name="Eduard Smet" userId="581b2c1f-6fdd-4ef8-98bb-64928c83cb18" providerId="ADAL" clId="{460CD279-D642-4B48-93B1-D1AA306AE577}" dt="2023-01-31T10:31:26.095" v="1105" actId="21"/>
+          <ac:spMkLst>
+            <pc:docMk/>
+            <pc:sldMk cId="1940105794" sldId="296"/>
+            <ac:spMk id="3" creationId="{6E25F141-97FE-D4F8-A34E-A4989E36CF8A}"/>
+          </ac:spMkLst>
+        </pc:spChg>
+        <pc:picChg chg="add del mod">
+          <ac:chgData name="Eduard Smet" userId="581b2c1f-6fdd-4ef8-98bb-64928c83cb18" providerId="ADAL" clId="{460CD279-D642-4B48-93B1-D1AA306AE577}" dt="2023-01-31T08:10:00.973" v="170" actId="21"/>
+          <ac:picMkLst>
+            <pc:docMk/>
+            <pc:sldMk cId="1940105794" sldId="296"/>
+            <ac:picMk id="1026" creationId="{CDC1ACDE-D898-BF12-F5DF-0DEC8C7C0526}"/>
+          </ac:picMkLst>
+        </pc:picChg>
+      </pc:sldChg>
+      <pc:sldChg chg="addSp delSp modSp add mod ord">
+        <pc:chgData name="Eduard Smet" userId="581b2c1f-6fdd-4ef8-98bb-64928c83cb18" providerId="ADAL" clId="{460CD279-D642-4B48-93B1-D1AA306AE577}" dt="2023-01-31T12:35:23.115" v="2196" actId="1076"/>
+        <pc:sldMkLst>
+          <pc:docMk/>
+          <pc:sldMk cId="2366738540" sldId="297"/>
+        </pc:sldMkLst>
+        <pc:spChg chg="mod">
+          <ac:chgData name="Eduard Smet" userId="581b2c1f-6fdd-4ef8-98bb-64928c83cb18" providerId="ADAL" clId="{460CD279-D642-4B48-93B1-D1AA306AE577}" dt="2023-01-31T12:18:39.235" v="2036" actId="20577"/>
+          <ac:spMkLst>
+            <pc:docMk/>
+            <pc:sldMk cId="2366738540" sldId="297"/>
+            <ac:spMk id="3" creationId="{6E25F141-97FE-D4F8-A34E-A4989E36CF8A}"/>
+          </ac:spMkLst>
+        </pc:spChg>
+        <pc:spChg chg="add mod">
+          <ac:chgData name="Eduard Smet" userId="581b2c1f-6fdd-4ef8-98bb-64928c83cb18" providerId="ADAL" clId="{460CD279-D642-4B48-93B1-D1AA306AE577}" dt="2023-01-31T12:35:23.115" v="2196" actId="1076"/>
+          <ac:spMkLst>
+            <pc:docMk/>
+            <pc:sldMk cId="2366738540" sldId="297"/>
+            <ac:spMk id="9" creationId="{C6B6C5E9-FCFA-2718-4205-C67F2C0E1BC5}"/>
+          </ac:spMkLst>
+        </pc:spChg>
+        <pc:spChg chg="add mod">
+          <ac:chgData name="Eduard Smet" userId="581b2c1f-6fdd-4ef8-98bb-64928c83cb18" providerId="ADAL" clId="{460CD279-D642-4B48-93B1-D1AA306AE577}" dt="2023-01-31T12:35:23.115" v="2196" actId="1076"/>
+          <ac:spMkLst>
+            <pc:docMk/>
+            <pc:sldMk cId="2366738540" sldId="297"/>
+            <ac:spMk id="10" creationId="{354E6036-8F5E-EC6C-A819-5C4C6B6FFCFE}"/>
+          </ac:spMkLst>
+        </pc:spChg>
+        <pc:spChg chg="add mod">
+          <ac:chgData name="Eduard Smet" userId="581b2c1f-6fdd-4ef8-98bb-64928c83cb18" providerId="ADAL" clId="{460CD279-D642-4B48-93B1-D1AA306AE577}" dt="2023-01-31T12:35:23.115" v="2196" actId="1076"/>
+          <ac:spMkLst>
+            <pc:docMk/>
+            <pc:sldMk cId="2366738540" sldId="297"/>
+            <ac:spMk id="11" creationId="{E7C66684-D95D-9165-F6B8-235E92BF2BB5}"/>
+          </ac:spMkLst>
+        </pc:spChg>
+        <pc:picChg chg="add del mod">
+          <ac:chgData name="Eduard Smet" userId="581b2c1f-6fdd-4ef8-98bb-64928c83cb18" providerId="ADAL" clId="{460CD279-D642-4B48-93B1-D1AA306AE577}" dt="2023-01-31T12:18:52.796" v="2037" actId="478"/>
+          <ac:picMkLst>
+            <pc:docMk/>
+            <pc:sldMk cId="2366738540" sldId="297"/>
+            <ac:picMk id="8" creationId="{2CE8E59D-D6FC-64DF-D3C3-A5A6E78A3A81}"/>
+          </ac:picMkLst>
+        </pc:picChg>
+        <pc:picChg chg="del">
+          <ac:chgData name="Eduard Smet" userId="581b2c1f-6fdd-4ef8-98bb-64928c83cb18" providerId="ADAL" clId="{460CD279-D642-4B48-93B1-D1AA306AE577}" dt="2023-01-31T10:05:43.544" v="426" actId="478"/>
+          <ac:picMkLst>
+            <pc:docMk/>
+            <pc:sldMk cId="2366738540" sldId="297"/>
+            <ac:picMk id="19" creationId="{ACCB1BE5-7DBF-216E-D1D6-3C9064DBB459}"/>
+          </ac:picMkLst>
+        </pc:picChg>
+      </pc:sldChg>
+      <pc:sldChg chg="addSp delSp modSp add mod ord">
+        <pc:chgData name="Eduard Smet" userId="581b2c1f-6fdd-4ef8-98bb-64928c83cb18" providerId="ADAL" clId="{460CD279-D642-4B48-93B1-D1AA306AE577}" dt="2023-01-31T10:39:03.121" v="1124" actId="1076"/>
+        <pc:sldMkLst>
+          <pc:docMk/>
+          <pc:sldMk cId="1504613972" sldId="298"/>
+        </pc:sldMkLst>
+        <pc:picChg chg="add mod modCrop">
+          <ac:chgData name="Eduard Smet" userId="581b2c1f-6fdd-4ef8-98bb-64928c83cb18" providerId="ADAL" clId="{460CD279-D642-4B48-93B1-D1AA306AE577}" dt="2023-01-31T10:39:03.121" v="1124" actId="1076"/>
+          <ac:picMkLst>
+            <pc:docMk/>
+            <pc:sldMk cId="1504613972" sldId="298"/>
+            <ac:picMk id="3" creationId="{1AB5A180-28B6-CAA4-B0EE-6F643D58F1CB}"/>
+          </ac:picMkLst>
+        </pc:picChg>
+        <pc:picChg chg="del">
+          <ac:chgData name="Eduard Smet" userId="581b2c1f-6fdd-4ef8-98bb-64928c83cb18" providerId="ADAL" clId="{460CD279-D642-4B48-93B1-D1AA306AE577}" dt="2023-01-31T10:38:17.672" v="1118" actId="478"/>
+          <ac:picMkLst>
+            <pc:docMk/>
+            <pc:sldMk cId="1504613972" sldId="298"/>
+            <ac:picMk id="10" creationId="{B6162AF1-5409-A231-8E78-954627F0B34C}"/>
+          </ac:picMkLst>
+        </pc:picChg>
+      </pc:sldChg>
+      <pc:sldChg chg="modSp add mod ord">
+        <pc:chgData name="Eduard Smet" userId="581b2c1f-6fdd-4ef8-98bb-64928c83cb18" providerId="ADAL" clId="{460CD279-D642-4B48-93B1-D1AA306AE577}" dt="2023-01-31T10:40:18.034" v="1176" actId="20577"/>
+        <pc:sldMkLst>
+          <pc:docMk/>
+          <pc:sldMk cId="235842315" sldId="299"/>
+        </pc:sldMkLst>
+        <pc:spChg chg="mod">
+          <ac:chgData name="Eduard Smet" userId="581b2c1f-6fdd-4ef8-98bb-64928c83cb18" providerId="ADAL" clId="{460CD279-D642-4B48-93B1-D1AA306AE577}" dt="2023-01-31T10:40:18.034" v="1176" actId="20577"/>
+          <ac:spMkLst>
+            <pc:docMk/>
+            <pc:sldMk cId="235842315" sldId="299"/>
+            <ac:spMk id="3" creationId="{6E25F141-97FE-D4F8-A34E-A4989E36CF8A}"/>
+          </ac:spMkLst>
+        </pc:spChg>
+      </pc:sldChg>
+      <pc:sldChg chg="modSp add mod">
+        <pc:chgData name="Eduard Smet" userId="581b2c1f-6fdd-4ef8-98bb-64928c83cb18" providerId="ADAL" clId="{460CD279-D642-4B48-93B1-D1AA306AE577}" dt="2023-01-31T10:40:57.941" v="1230" actId="947"/>
+        <pc:sldMkLst>
+          <pc:docMk/>
+          <pc:sldMk cId="1188369149" sldId="300"/>
+        </pc:sldMkLst>
+        <pc:spChg chg="mod">
+          <ac:chgData name="Eduard Smet" userId="581b2c1f-6fdd-4ef8-98bb-64928c83cb18" providerId="ADAL" clId="{460CD279-D642-4B48-93B1-D1AA306AE577}" dt="2023-01-31T10:40:57.941" v="1230" actId="947"/>
+          <ac:spMkLst>
+            <pc:docMk/>
+            <pc:sldMk cId="1188369149" sldId="300"/>
+            <ac:spMk id="3" creationId="{6E25F141-97FE-D4F8-A34E-A4989E36CF8A}"/>
+          </ac:spMkLst>
+        </pc:spChg>
+      </pc:sldChg>
+      <pc:sldChg chg="modSp add mod">
+        <pc:chgData name="Eduard Smet" userId="581b2c1f-6fdd-4ef8-98bb-64928c83cb18" providerId="ADAL" clId="{460CD279-D642-4B48-93B1-D1AA306AE577}" dt="2023-01-31T10:48:06.325" v="1469" actId="20577"/>
+        <pc:sldMkLst>
+          <pc:docMk/>
+          <pc:sldMk cId="1511420662" sldId="301"/>
+        </pc:sldMkLst>
+        <pc:spChg chg="mod">
+          <ac:chgData name="Eduard Smet" userId="581b2c1f-6fdd-4ef8-98bb-64928c83cb18" providerId="ADAL" clId="{460CD279-D642-4B48-93B1-D1AA306AE577}" dt="2023-01-31T10:48:06.325" v="1469" actId="20577"/>
+          <ac:spMkLst>
+            <pc:docMk/>
+            <pc:sldMk cId="1511420662" sldId="301"/>
+            <ac:spMk id="3" creationId="{6E25F141-97FE-D4F8-A34E-A4989E36CF8A}"/>
+          </ac:spMkLst>
+        </pc:spChg>
+      </pc:sldChg>
+      <pc:sldChg chg="new del">
+        <pc:chgData name="Eduard Smet" userId="581b2c1f-6fdd-4ef8-98bb-64928c83cb18" providerId="ADAL" clId="{460CD279-D642-4B48-93B1-D1AA306AE577}" dt="2023-01-31T10:44:33.691" v="1353" actId="47"/>
+        <pc:sldMkLst>
+          <pc:docMk/>
+          <pc:sldMk cId="2269034741" sldId="301"/>
+        </pc:sldMkLst>
+      </pc:sldChg>
+      <pc:sldChg chg="modSp add mod">
+        <pc:chgData name="Eduard Smet" userId="581b2c1f-6fdd-4ef8-98bb-64928c83cb18" providerId="ADAL" clId="{460CD279-D642-4B48-93B1-D1AA306AE577}" dt="2023-01-31T10:52:19.949" v="1722" actId="20577"/>
+        <pc:sldMkLst>
+          <pc:docMk/>
+          <pc:sldMk cId="834815396" sldId="302"/>
+        </pc:sldMkLst>
+        <pc:spChg chg="mod">
+          <ac:chgData name="Eduard Smet" userId="581b2c1f-6fdd-4ef8-98bb-64928c83cb18" providerId="ADAL" clId="{460CD279-D642-4B48-93B1-D1AA306AE577}" dt="2023-01-31T10:52:19.949" v="1722" actId="20577"/>
+          <ac:spMkLst>
+            <pc:docMk/>
+            <pc:sldMk cId="834815396" sldId="302"/>
+            <ac:spMk id="3" creationId="{6E25F141-97FE-D4F8-A34E-A4989E36CF8A}"/>
+          </ac:spMkLst>
+        </pc:spChg>
+      </pc:sldChg>
+      <pc:sldChg chg="new del">
+        <pc:chgData name="Eduard Smet" userId="581b2c1f-6fdd-4ef8-98bb-64928c83cb18" providerId="ADAL" clId="{460CD279-D642-4B48-93B1-D1AA306AE577}" dt="2023-01-31T10:49:06.419" v="1473" actId="2696"/>
+        <pc:sldMkLst>
+          <pc:docMk/>
+          <pc:sldMk cId="1778245687" sldId="302"/>
+        </pc:sldMkLst>
+      </pc:sldChg>
+      <pc:sldChg chg="new del">
+        <pc:chgData name="Eduard Smet" userId="581b2c1f-6fdd-4ef8-98bb-64928c83cb18" providerId="ADAL" clId="{460CD279-D642-4B48-93B1-D1AA306AE577}" dt="2023-01-31T10:48:18.934" v="1471" actId="2696"/>
+        <pc:sldMkLst>
+          <pc:docMk/>
+          <pc:sldMk cId="3757214269" sldId="302"/>
+        </pc:sldMkLst>
+      </pc:sldChg>
+      <pc:sldChg chg="addSp modSp add mod">
+        <pc:chgData name="Eduard Smet" userId="581b2c1f-6fdd-4ef8-98bb-64928c83cb18" providerId="ADAL" clId="{460CD279-D642-4B48-93B1-D1AA306AE577}" dt="2023-01-31T12:27:04.683" v="2174" actId="20577"/>
+        <pc:sldMkLst>
+          <pc:docMk/>
+          <pc:sldMk cId="1562211127" sldId="303"/>
+        </pc:sldMkLst>
+        <pc:spChg chg="mod">
+          <ac:chgData name="Eduard Smet" userId="581b2c1f-6fdd-4ef8-98bb-64928c83cb18" providerId="ADAL" clId="{460CD279-D642-4B48-93B1-D1AA306AE577}" dt="2023-01-31T12:27:04.683" v="2174" actId="20577"/>
+          <ac:spMkLst>
+            <pc:docMk/>
+            <pc:sldMk cId="1562211127" sldId="303"/>
+            <ac:spMk id="3" creationId="{6E25F141-97FE-D4F8-A34E-A4989E36CF8A}"/>
+          </ac:spMkLst>
+        </pc:spChg>
+        <pc:picChg chg="add mod">
+          <ac:chgData name="Eduard Smet" userId="581b2c1f-6fdd-4ef8-98bb-64928c83cb18" providerId="ADAL" clId="{460CD279-D642-4B48-93B1-D1AA306AE577}" dt="2023-01-31T12:05:58.891" v="1802" actId="1076"/>
+          <ac:picMkLst>
+            <pc:docMk/>
+            <pc:sldMk cId="1562211127" sldId="303"/>
+            <ac:picMk id="7" creationId="{7C24218D-E059-48EB-6DAE-E744AF268B01}"/>
+          </ac:picMkLst>
+        </pc:picChg>
       </pc:sldChg>
     </pc:docChg>
   </pc:docChgLst>
@@ -1891,7 +2309,7 @@
           <a:p>
             <a:fld id="{B6C65716-52C3-48B9-BFE2-3CAB747895F7}" type="datetimeFigureOut">
               <a:rPr lang="nl-BE" smtClean="0"/>
-              <a:t>30/01/2023</a:t>
+              <a:t>31/01/2023</a:t>
             </a:fld>
             <a:endParaRPr lang="nl-BE" dirty="0"/>
           </a:p>
@@ -6016,13 +6434,13 @@
   <p:clrMapOvr>
     <a:masterClrMapping/>
   </p:clrMapOvr>
-  <mc:AlternateContent xmlns:mc="http://schemas.openxmlformats.org/markup-compatibility/2006" xmlns:p14="http://schemas.microsoft.com/office/powerpoint/2010/main">
-    <mc:Choice Requires="p14">
+  <mc:AlternateContent xmlns:mc="http://schemas.openxmlformats.org/markup-compatibility/2006">
+    <mc:Choice xmlns:p14="http://schemas.microsoft.com/office/powerpoint/2010/main" Requires="p14">
       <p:transition spd="med" p14:dur="700">
         <p:fade/>
       </p:transition>
     </mc:Choice>
-    <mc:Fallback xmlns="">
+    <mc:Fallback>
       <p:transition spd="med">
         <p:fade/>
       </p:transition>
@@ -6587,264 +7005,6 @@
               <a:rPr lang="nl-BE" u="sng" dirty="0"/>
               <a:t>De opbouw en de werking:</a:t>
             </a:r>
-            <a:endParaRPr lang="nl-BE" sz="1800" dirty="0"/>
-          </a:p>
-          <a:p>
-            <a:pPr lvl="2"/>
-            <a:r>
-              <a:rPr lang="nl-BE" u="sng" dirty="0"/>
-              <a:t>Met het blote oog:</a:t>
-            </a:r>
-          </a:p>
-          <a:p>
-            <a:pPr lvl="3"/>
-            <a:r>
-              <a:rPr lang="nl-BE" dirty="0"/>
-              <a:t>Het verwelken van een plant.	</a:t>
-            </a:r>
-          </a:p>
-        </p:txBody>
-      </p:sp>
-      <p:sp>
-        <p:nvSpPr>
-          <p:cNvPr id="4" name="Slide Number Placeholder 3">
-            <a:extLst>
-              <a:ext uri="{FF2B5EF4-FFF2-40B4-BE49-F238E27FC236}">
-                <a16:creationId xmlns:a16="http://schemas.microsoft.com/office/drawing/2014/main" id="{BE21E36D-9ADE-B65E-255D-F7D686638201}"/>
-              </a:ext>
-            </a:extLst>
-          </p:cNvPr>
-          <p:cNvSpPr>
-            <a:spLocks noGrp="1"/>
-          </p:cNvSpPr>
-          <p:nvPr>
-            <p:ph type="sldNum" sz="quarter" idx="12"/>
-          </p:nvPr>
-        </p:nvSpPr>
-        <p:spPr/>
-        <p:txBody>
-          <a:bodyPr/>
-          <a:lstStyle/>
-          <a:p>
-            <a:fld id="{719D7796-F675-488F-AC46-C88938C80352}" type="slidenum">
-              <a:rPr lang="en-US" smtClean="0"/>
-              <a:t>11</a:t>
-            </a:fld>
-            <a:endParaRPr lang="en-US" dirty="0"/>
-          </a:p>
-        </p:txBody>
-      </p:sp>
-      <p:sp>
-        <p:nvSpPr>
-          <p:cNvPr id="5" name="Footer Placeholder 4">
-            <a:extLst>
-              <a:ext uri="{FF2B5EF4-FFF2-40B4-BE49-F238E27FC236}">
-                <a16:creationId xmlns:a16="http://schemas.microsoft.com/office/drawing/2014/main" id="{32D3AD75-5125-42F4-8C56-256B3E44A858}"/>
-              </a:ext>
-            </a:extLst>
-          </p:cNvPr>
-          <p:cNvSpPr>
-            <a:spLocks noGrp="1"/>
-          </p:cNvSpPr>
-          <p:nvPr>
-            <p:ph type="ftr" sz="quarter" idx="11"/>
-          </p:nvPr>
-        </p:nvSpPr>
-        <p:spPr/>
-        <p:txBody>
-          <a:bodyPr/>
-          <a:lstStyle/>
-          <a:p>
-            <a:r>
-              <a:rPr lang="nl-BE" dirty="0"/>
-              <a:t>Het onderhouden van kamerplanten automatiseren - Eduard Smet</a:t>
-            </a:r>
-            <a:endParaRPr lang="en-US" dirty="0"/>
-          </a:p>
-        </p:txBody>
-      </p:sp>
-      <p:sp>
-        <p:nvSpPr>
-          <p:cNvPr id="6" name="Date Placeholder 5">
-            <a:extLst>
-              <a:ext uri="{FF2B5EF4-FFF2-40B4-BE49-F238E27FC236}">
-                <a16:creationId xmlns:a16="http://schemas.microsoft.com/office/drawing/2014/main" id="{92A0768E-42FB-CF56-882C-72EF5CAB8F44}"/>
-              </a:ext>
-            </a:extLst>
-          </p:cNvPr>
-          <p:cNvSpPr>
-            <a:spLocks noGrp="1"/>
-          </p:cNvSpPr>
-          <p:nvPr>
-            <p:ph type="dt" sz="half" idx="10"/>
-          </p:nvPr>
-        </p:nvSpPr>
-        <p:spPr/>
-        <p:txBody>
-          <a:bodyPr/>
-          <a:lstStyle/>
-          <a:p>
-            <a:r>
-              <a:rPr lang="en-US" dirty="0"/>
-              <a:t>31/1/2023</a:t>
-            </a:r>
-          </a:p>
-        </p:txBody>
-      </p:sp>
-      <p:pic>
-        <p:nvPicPr>
-          <p:cNvPr id="3074" name="Picture 2" descr="Help! Mijn plant is ziek! | De Standaard Mobile">
-            <a:extLst>
-              <a:ext uri="{FF2B5EF4-FFF2-40B4-BE49-F238E27FC236}">
-                <a16:creationId xmlns:a16="http://schemas.microsoft.com/office/drawing/2014/main" id="{35055CD2-D3E4-44EB-7979-62DAB3A72E6D}"/>
-              </a:ext>
-            </a:extLst>
-          </p:cNvPr>
-          <p:cNvPicPr>
-            <a:picLocks noChangeAspect="1" noChangeArrowheads="1"/>
-          </p:cNvPicPr>
-          <p:nvPr/>
-        </p:nvPicPr>
-        <p:blipFill>
-          <a:blip r:embed="rId2">
-            <a:extLst>
-              <a:ext uri="{28A0092B-C50C-407E-A947-70E740481C1C}">
-                <a14:useLocalDpi xmlns:a14="http://schemas.microsoft.com/office/drawing/2010/main" val="0"/>
-              </a:ext>
-            </a:extLst>
-          </a:blip>
-          <a:srcRect/>
-          <a:stretch>
-            <a:fillRect/>
-          </a:stretch>
-        </p:blipFill>
-        <p:spPr bwMode="auto">
-          <a:xfrm>
-            <a:off x="6464329" y="1922713"/>
-            <a:ext cx="4518861" cy="3012574"/>
-          </a:xfrm>
-          <a:prstGeom prst="rect">
-            <a:avLst/>
-          </a:prstGeom>
-          <a:noFill/>
-          <a:extLst>
-            <a:ext uri="{909E8E84-426E-40DD-AFC4-6F175D3DCCD1}">
-              <a14:hiddenFill xmlns:a14="http://schemas.microsoft.com/office/drawing/2010/main">
-                <a:solidFill>
-                  <a:srgbClr val="FFFFFF"/>
-                </a:solidFill>
-              </a14:hiddenFill>
-            </a:ext>
-          </a:extLst>
-        </p:spPr>
-      </p:pic>
-    </p:spTree>
-    <p:extLst>
-      <p:ext uri="{BB962C8B-B14F-4D97-AF65-F5344CB8AC3E}">
-        <p14:creationId xmlns:p14="http://schemas.microsoft.com/office/powerpoint/2010/main" val="2981886889"/>
-      </p:ext>
-    </p:extLst>
-  </p:cSld>
-  <p:clrMapOvr>
-    <a:masterClrMapping/>
-  </p:clrMapOvr>
-  <mc:AlternateContent xmlns:mc="http://schemas.openxmlformats.org/markup-compatibility/2006">
-    <mc:Choice xmlns:p14="http://schemas.microsoft.com/office/powerpoint/2010/main" Requires="p14">
-      <p:transition spd="med" p14:dur="700">
-        <p:fade/>
-      </p:transition>
-    </mc:Choice>
-    <mc:Fallback>
-      <p:transition spd="med">
-        <p:fade/>
-      </p:transition>
-    </mc:Fallback>
-  </mc:AlternateContent>
-</p:sld>
-</file>
-
-<file path=ppt/slides/slide12.xml><?xml version="1.0" encoding="utf-8"?>
-<p:sld xmlns:a="http://schemas.openxmlformats.org/drawingml/2006/main" xmlns:r="http://schemas.openxmlformats.org/officeDocument/2006/relationships" xmlns:p="http://schemas.openxmlformats.org/presentationml/2006/main">
-  <p:cSld>
-    <p:spTree>
-      <p:nvGrpSpPr>
-        <p:cNvPr id="1" name=""/>
-        <p:cNvGrpSpPr/>
-        <p:nvPr/>
-      </p:nvGrpSpPr>
-      <p:grpSpPr>
-        <a:xfrm>
-          <a:off x="0" y="0"/>
-          <a:ext cx="0" cy="0"/>
-          <a:chOff x="0" y="0"/>
-          <a:chExt cx="0" cy="0"/>
-        </a:xfrm>
-      </p:grpSpPr>
-      <p:sp>
-        <p:nvSpPr>
-          <p:cNvPr id="2" name="Title 1">
-            <a:extLst>
-              <a:ext uri="{FF2B5EF4-FFF2-40B4-BE49-F238E27FC236}">
-                <a16:creationId xmlns:a16="http://schemas.microsoft.com/office/drawing/2014/main" id="{5A7265BD-9D76-B2B4-E1E4-0AA01C3A3E1F}"/>
-              </a:ext>
-            </a:extLst>
-          </p:cNvPr>
-          <p:cNvSpPr>
-            <a:spLocks noGrp="1"/>
-          </p:cNvSpPr>
-          <p:nvPr>
-            <p:ph type="title"/>
-          </p:nvPr>
-        </p:nvSpPr>
-        <p:spPr/>
-        <p:txBody>
-          <a:bodyPr/>
-          <a:lstStyle/>
-          <a:p>
-            <a:r>
-              <a:rPr lang="en-US" dirty="0"/>
-              <a:t>2. De </a:t>
-            </a:r>
-            <a:r>
-              <a:rPr lang="nl-BE" dirty="0"/>
-              <a:t>theorie</a:t>
-            </a:r>
-          </a:p>
-        </p:txBody>
-      </p:sp>
-      <p:sp>
-        <p:nvSpPr>
-          <p:cNvPr id="3" name="Content Placeholder 2">
-            <a:extLst>
-              <a:ext uri="{FF2B5EF4-FFF2-40B4-BE49-F238E27FC236}">
-                <a16:creationId xmlns:a16="http://schemas.microsoft.com/office/drawing/2014/main" id="{6E25F141-97FE-D4F8-A34E-A4989E36CF8A}"/>
-              </a:ext>
-            </a:extLst>
-          </p:cNvPr>
-          <p:cNvSpPr>
-            <a:spLocks noGrp="1"/>
-          </p:cNvSpPr>
-          <p:nvPr>
-            <p:ph idx="1"/>
-          </p:nvPr>
-        </p:nvSpPr>
-        <p:spPr>
-          <a:xfrm>
-            <a:off x="1088136" y="2062768"/>
-            <a:ext cx="9922764" cy="3838722"/>
-          </a:xfrm>
-        </p:spPr>
-        <p:txBody>
-          <a:bodyPr>
-            <a:normAutofit/>
-          </a:bodyPr>
-          <a:lstStyle/>
-          <a:p>
-            <a:pPr lvl="1"/>
-            <a:r>
-              <a:rPr lang="nl-BE" u="sng" dirty="0"/>
-              <a:t>De opbouw en de werking:</a:t>
-            </a:r>
           </a:p>
           <a:p>
             <a:pPr lvl="2"/>
@@ -6913,7 +7073,7 @@
           <a:p>
             <a:fld id="{719D7796-F675-488F-AC46-C88938C80352}" type="slidenum">
               <a:rPr lang="en-US" smtClean="0"/>
-              <a:t>12</a:t>
+              <a:t>11</a:t>
             </a:fld>
             <a:endParaRPr lang="en-US" dirty="0"/>
           </a:p>
@@ -7030,7 +7190,7 @@
 </p:sld>
 </file>
 
-<file path=ppt/slides/slide13.xml><?xml version="1.0" encoding="utf-8"?>
+<file path=ppt/slides/slide12.xml><?xml version="1.0" encoding="utf-8"?>
 <p:sld xmlns:a="http://schemas.openxmlformats.org/drawingml/2006/main" xmlns:r="http://schemas.openxmlformats.org/officeDocument/2006/relationships" xmlns:p="http://schemas.openxmlformats.org/presentationml/2006/main">
   <p:cSld>
     <p:spTree>
@@ -7164,7 +7324,7 @@
           <a:p>
             <a:fld id="{719D7796-F675-488F-AC46-C88938C80352}" type="slidenum">
               <a:rPr lang="en-US" smtClean="0"/>
-              <a:t>13</a:t>
+              <a:t>12</a:t>
             </a:fld>
             <a:endParaRPr lang="en-US" dirty="0"/>
           </a:p>
@@ -7370,13 +7530,13 @@
   <p:clrMapOvr>
     <a:masterClrMapping/>
   </p:clrMapOvr>
-  <mc:AlternateContent xmlns:mc="http://schemas.openxmlformats.org/markup-compatibility/2006">
-    <mc:Choice xmlns:p14="http://schemas.microsoft.com/office/powerpoint/2010/main" Requires="p14">
+  <mc:AlternateContent xmlns:mc="http://schemas.openxmlformats.org/markup-compatibility/2006" xmlns:p14="http://schemas.microsoft.com/office/powerpoint/2010/main">
+    <mc:Choice Requires="p14">
       <p:transition spd="med" p14:dur="700">
         <p:fade/>
       </p:transition>
     </mc:Choice>
-    <mc:Fallback>
+    <mc:Fallback xmlns="">
       <p:transition spd="med">
         <p:fade/>
       </p:transition>
@@ -7385,7 +7545,7 @@
 </p:sld>
 </file>
 
-<file path=ppt/slides/slide14.xml><?xml version="1.0" encoding="utf-8"?>
+<file path=ppt/slides/slide13.xml><?xml version="1.0" encoding="utf-8"?>
 <p:sld xmlns:a="http://schemas.openxmlformats.org/drawingml/2006/main" xmlns:r="http://schemas.openxmlformats.org/officeDocument/2006/relationships" xmlns:p="http://schemas.openxmlformats.org/presentationml/2006/main">
   <p:cSld>
     <p:spTree>
@@ -7515,7 +7675,7 @@
           <a:p>
             <a:fld id="{719D7796-F675-488F-AC46-C88938C80352}" type="slidenum">
               <a:rPr lang="en-US" smtClean="0"/>
-              <a:t>14</a:t>
+              <a:t>13</a:t>
             </a:fld>
             <a:endParaRPr lang="en-US" dirty="0"/>
           </a:p>
@@ -7734,13 +7894,13 @@
   <p:clrMapOvr>
     <a:masterClrMapping/>
   </p:clrMapOvr>
-  <mc:AlternateContent xmlns:mc="http://schemas.openxmlformats.org/markup-compatibility/2006">
-    <mc:Choice xmlns:p14="http://schemas.microsoft.com/office/powerpoint/2010/main" Requires="p14">
+  <mc:AlternateContent xmlns:mc="http://schemas.openxmlformats.org/markup-compatibility/2006" xmlns:p14="http://schemas.microsoft.com/office/powerpoint/2010/main">
+    <mc:Choice Requires="p14">
       <p:transition spd="med" p14:dur="700">
         <p:fade/>
       </p:transition>
     </mc:Choice>
-    <mc:Fallback>
+    <mc:Fallback xmlns="">
       <p:transition spd="med">
         <p:fade/>
       </p:transition>
@@ -7749,7 +7909,7 @@
 </p:sld>
 </file>
 
-<file path=ppt/slides/slide15.xml><?xml version="1.0" encoding="utf-8"?>
+<file path=ppt/slides/slide14.xml><?xml version="1.0" encoding="utf-8"?>
 <p:sld xmlns:a="http://schemas.openxmlformats.org/drawingml/2006/main" xmlns:r="http://schemas.openxmlformats.org/officeDocument/2006/relationships" xmlns:p="http://schemas.openxmlformats.org/presentationml/2006/main">
   <p:cSld>
     <p:spTree>
@@ -7889,7 +8049,7 @@
           <a:p>
             <a:fld id="{719D7796-F675-488F-AC46-C88938C80352}" type="slidenum">
               <a:rPr lang="en-US" smtClean="0"/>
-              <a:t>15</a:t>
+              <a:t>14</a:t>
             </a:fld>
             <a:endParaRPr lang="en-US" dirty="0"/>
           </a:p>
@@ -8095,13 +8255,508 @@
   <p:clrMapOvr>
     <a:masterClrMapping/>
   </p:clrMapOvr>
-  <mc:AlternateContent xmlns:mc="http://schemas.openxmlformats.org/markup-compatibility/2006">
-    <mc:Choice xmlns:p14="http://schemas.microsoft.com/office/powerpoint/2010/main" Requires="p14">
+  <mc:AlternateContent xmlns:mc="http://schemas.openxmlformats.org/markup-compatibility/2006" xmlns:p14="http://schemas.microsoft.com/office/powerpoint/2010/main">
+    <mc:Choice Requires="p14">
       <p:transition spd="med" p14:dur="700">
         <p:fade/>
       </p:transition>
     </mc:Choice>
-    <mc:Fallback>
+    <mc:Fallback xmlns="">
+      <p:transition spd="med">
+        <p:fade/>
+      </p:transition>
+    </mc:Fallback>
+  </mc:AlternateContent>
+</p:sld>
+</file>
+
+<file path=ppt/slides/slide15.xml><?xml version="1.0" encoding="utf-8"?>
+<p:sld xmlns:a="http://schemas.openxmlformats.org/drawingml/2006/main" xmlns:r="http://schemas.openxmlformats.org/officeDocument/2006/relationships" xmlns:p="http://schemas.openxmlformats.org/presentationml/2006/main">
+  <p:cSld>
+    <p:spTree>
+      <p:nvGrpSpPr>
+        <p:cNvPr id="1" name=""/>
+        <p:cNvGrpSpPr/>
+        <p:nvPr/>
+      </p:nvGrpSpPr>
+      <p:grpSpPr>
+        <a:xfrm>
+          <a:off x="0" y="0"/>
+          <a:ext cx="0" cy="0"/>
+          <a:chOff x="0" y="0"/>
+          <a:chExt cx="0" cy="0"/>
+        </a:xfrm>
+      </p:grpSpPr>
+      <p:sp>
+        <p:nvSpPr>
+          <p:cNvPr id="2" name="Title 1">
+            <a:extLst>
+              <a:ext uri="{FF2B5EF4-FFF2-40B4-BE49-F238E27FC236}">
+                <a16:creationId xmlns:a16="http://schemas.microsoft.com/office/drawing/2014/main" id="{5A7265BD-9D76-B2B4-E1E4-0AA01C3A3E1F}"/>
+              </a:ext>
+            </a:extLst>
+          </p:cNvPr>
+          <p:cNvSpPr>
+            <a:spLocks noGrp="1"/>
+          </p:cNvSpPr>
+          <p:nvPr>
+            <p:ph type="title"/>
+          </p:nvPr>
+        </p:nvSpPr>
+        <p:spPr/>
+        <p:txBody>
+          <a:bodyPr/>
+          <a:lstStyle/>
+          <a:p>
+            <a:r>
+              <a:rPr lang="en-US" dirty="0"/>
+              <a:t>2. De </a:t>
+            </a:r>
+            <a:r>
+              <a:rPr lang="nl-BE" dirty="0"/>
+              <a:t>theorie</a:t>
+            </a:r>
+          </a:p>
+        </p:txBody>
+      </p:sp>
+      <p:sp>
+        <p:nvSpPr>
+          <p:cNvPr id="3" name="Content Placeholder 2">
+            <a:extLst>
+              <a:ext uri="{FF2B5EF4-FFF2-40B4-BE49-F238E27FC236}">
+                <a16:creationId xmlns:a16="http://schemas.microsoft.com/office/drawing/2014/main" id="{6E25F141-97FE-D4F8-A34E-A4989E36CF8A}"/>
+              </a:ext>
+            </a:extLst>
+          </p:cNvPr>
+          <p:cNvSpPr>
+            <a:spLocks noGrp="1"/>
+          </p:cNvSpPr>
+          <p:nvPr>
+            <p:ph idx="1"/>
+          </p:nvPr>
+        </p:nvSpPr>
+        <p:spPr>
+          <a:xfrm>
+            <a:off x="1088136" y="2062768"/>
+            <a:ext cx="9922764" cy="3838722"/>
+          </a:xfrm>
+        </p:spPr>
+        <p:txBody>
+          <a:bodyPr>
+            <a:normAutofit/>
+          </a:bodyPr>
+          <a:lstStyle/>
+          <a:p>
+            <a:r>
+              <a:rPr lang="nl-BE" u="sng" dirty="0"/>
+              <a:t>De omgeving:</a:t>
+            </a:r>
+          </a:p>
+          <a:p>
+            <a:pPr lvl="1"/>
+            <a:r>
+              <a:rPr lang="nl-BE" u="sng" dirty="0"/>
+              <a:t>De lucht:</a:t>
+            </a:r>
+          </a:p>
+          <a:p>
+            <a:pPr lvl="2"/>
+            <a:r>
+              <a:rPr lang="nl-BE" u="sng" dirty="0"/>
+              <a:t>CO</a:t>
+            </a:r>
+            <a:r>
+              <a:rPr lang="nl-BE" u="sng" baseline="-25000" dirty="0"/>
+              <a:t>2</a:t>
+            </a:r>
+            <a:r>
+              <a:rPr lang="nl-BE" u="sng" dirty="0"/>
+              <a:t>:</a:t>
+            </a:r>
+            <a:r>
+              <a:rPr lang="nl-BE" dirty="0"/>
+              <a:t> Nodig voor fotosynthese.</a:t>
+            </a:r>
+            <a:endParaRPr lang="nl-BE" u="sng" baseline="-25000" dirty="0"/>
+          </a:p>
+          <a:p>
+            <a:pPr lvl="2"/>
+            <a:r>
+              <a:rPr lang="nl-BE" u="sng" dirty="0"/>
+              <a:t>TVOC:</a:t>
+            </a:r>
+            <a:r>
+              <a:rPr lang="nl-BE" dirty="0"/>
+              <a:t> Komt vrij uit planten.</a:t>
+            </a:r>
+          </a:p>
+          <a:p>
+            <a:pPr lvl="2"/>
+            <a:r>
+              <a:rPr lang="nl-BE" i="1" u="sng" dirty="0"/>
+              <a:t>O</a:t>
+            </a:r>
+            <a:r>
+              <a:rPr lang="nl-BE" i="1" u="sng" baseline="-25000" dirty="0"/>
+              <a:t>2</a:t>
+            </a:r>
+            <a:r>
+              <a:rPr lang="nl-BE" i="1" u="sng" dirty="0"/>
+              <a:t>:</a:t>
+            </a:r>
+            <a:r>
+              <a:rPr lang="nl-BE" i="1" dirty="0"/>
+              <a:t> Nodig voor celademhaling.</a:t>
+            </a:r>
+            <a:endParaRPr lang="nl-BE" i="1" u="sng" dirty="0"/>
+          </a:p>
+          <a:p>
+            <a:pPr lvl="2"/>
+            <a:r>
+              <a:rPr lang="nl-BE" u="sng" dirty="0"/>
+              <a:t>De temperatuur:</a:t>
+            </a:r>
+            <a:r>
+              <a:rPr lang="nl-BE" dirty="0"/>
+              <a:t> Effect op het wateropslag van de plant.</a:t>
+            </a:r>
+            <a:endParaRPr lang="nl-BE" u="sng" dirty="0"/>
+          </a:p>
+          <a:p>
+            <a:pPr lvl="2"/>
+            <a:r>
+              <a:rPr lang="nl-BE" u="sng" dirty="0"/>
+              <a:t>De luchtvochtigheid:</a:t>
+            </a:r>
+            <a:r>
+              <a:rPr lang="nl-BE" dirty="0"/>
+              <a:t> Effect op het wateropslag van de plant.</a:t>
+            </a:r>
+            <a:endParaRPr lang="nl-BE" u="sng" dirty="0"/>
+          </a:p>
+          <a:p>
+            <a:pPr lvl="2"/>
+            <a:r>
+              <a:rPr lang="nl-BE" i="1" u="sng" dirty="0"/>
+              <a:t>De lichtsterkte:</a:t>
+            </a:r>
+            <a:r>
+              <a:rPr lang="nl-BE" i="1" dirty="0"/>
+              <a:t> Belangrijk voor celademhaling.</a:t>
+            </a:r>
+            <a:endParaRPr lang="nl-BE" i="1" u="sng" dirty="0"/>
+          </a:p>
+        </p:txBody>
+      </p:sp>
+      <p:sp>
+        <p:nvSpPr>
+          <p:cNvPr id="4" name="Slide Number Placeholder 3">
+            <a:extLst>
+              <a:ext uri="{FF2B5EF4-FFF2-40B4-BE49-F238E27FC236}">
+                <a16:creationId xmlns:a16="http://schemas.microsoft.com/office/drawing/2014/main" id="{BE21E36D-9ADE-B65E-255D-F7D686638201}"/>
+              </a:ext>
+            </a:extLst>
+          </p:cNvPr>
+          <p:cNvSpPr>
+            <a:spLocks noGrp="1"/>
+          </p:cNvSpPr>
+          <p:nvPr>
+            <p:ph type="sldNum" sz="quarter" idx="12"/>
+          </p:nvPr>
+        </p:nvSpPr>
+        <p:spPr/>
+        <p:txBody>
+          <a:bodyPr/>
+          <a:lstStyle/>
+          <a:p>
+            <a:fld id="{719D7796-F675-488F-AC46-C88938C80352}" type="slidenum">
+              <a:rPr lang="en-US" smtClean="0"/>
+              <a:t>15</a:t>
+            </a:fld>
+            <a:endParaRPr lang="en-US" dirty="0"/>
+          </a:p>
+        </p:txBody>
+      </p:sp>
+      <p:sp>
+        <p:nvSpPr>
+          <p:cNvPr id="5" name="Footer Placeholder 4">
+            <a:extLst>
+              <a:ext uri="{FF2B5EF4-FFF2-40B4-BE49-F238E27FC236}">
+                <a16:creationId xmlns:a16="http://schemas.microsoft.com/office/drawing/2014/main" id="{32D3AD75-5125-42F4-8C56-256B3E44A858}"/>
+              </a:ext>
+            </a:extLst>
+          </p:cNvPr>
+          <p:cNvSpPr>
+            <a:spLocks noGrp="1"/>
+          </p:cNvSpPr>
+          <p:nvPr>
+            <p:ph type="ftr" sz="quarter" idx="11"/>
+          </p:nvPr>
+        </p:nvSpPr>
+        <p:spPr/>
+        <p:txBody>
+          <a:bodyPr/>
+          <a:lstStyle/>
+          <a:p>
+            <a:r>
+              <a:rPr lang="nl-BE" dirty="0"/>
+              <a:t>Het onderhouden van kamerplanten automatiseren - Eduard Smet</a:t>
+            </a:r>
+            <a:endParaRPr lang="en-US" dirty="0"/>
+          </a:p>
+        </p:txBody>
+      </p:sp>
+      <p:sp>
+        <p:nvSpPr>
+          <p:cNvPr id="6" name="Date Placeholder 5">
+            <a:extLst>
+              <a:ext uri="{FF2B5EF4-FFF2-40B4-BE49-F238E27FC236}">
+                <a16:creationId xmlns:a16="http://schemas.microsoft.com/office/drawing/2014/main" id="{92A0768E-42FB-CF56-882C-72EF5CAB8F44}"/>
+              </a:ext>
+            </a:extLst>
+          </p:cNvPr>
+          <p:cNvSpPr>
+            <a:spLocks noGrp="1"/>
+          </p:cNvSpPr>
+          <p:nvPr>
+            <p:ph type="dt" sz="half" idx="10"/>
+          </p:nvPr>
+        </p:nvSpPr>
+        <p:spPr/>
+        <p:txBody>
+          <a:bodyPr/>
+          <a:lstStyle/>
+          <a:p>
+            <a:r>
+              <a:rPr lang="en-US" dirty="0"/>
+              <a:t>31/1/2023</a:t>
+            </a:r>
+          </a:p>
+        </p:txBody>
+      </p:sp>
+      <p:sp>
+        <p:nvSpPr>
+          <p:cNvPr id="9" name="TextBox 8">
+            <a:extLst>
+              <a:ext uri="{FF2B5EF4-FFF2-40B4-BE49-F238E27FC236}">
+                <a16:creationId xmlns:a16="http://schemas.microsoft.com/office/drawing/2014/main" id="{C6B6C5E9-FCFA-2718-4205-C67F2C0E1BC5}"/>
+              </a:ext>
+            </a:extLst>
+          </p:cNvPr>
+          <p:cNvSpPr txBox="1"/>
+          <p:nvPr/>
+        </p:nvSpPr>
+        <p:spPr>
+          <a:xfrm>
+            <a:off x="7227094" y="1574570"/>
+            <a:ext cx="3783408" cy="369332"/>
+          </a:xfrm>
+          <a:prstGeom prst="rect">
+            <a:avLst/>
+          </a:prstGeom>
+          <a:noFill/>
+        </p:spPr>
+        <p:txBody>
+          <a:bodyPr wrap="none" rtlCol="0">
+            <a:spAutoFit/>
+          </a:bodyPr>
+          <a:lstStyle/>
+          <a:p>
+            <a:pPr algn="ctr"/>
+            <a:r>
+              <a:rPr lang="pt-BR" dirty="0"/>
+              <a:t>6 H</a:t>
+            </a:r>
+            <a:r>
+              <a:rPr lang="pt-BR" baseline="-25000" dirty="0"/>
+              <a:t>2</a:t>
+            </a:r>
+            <a:r>
+              <a:rPr lang="pt-BR" dirty="0"/>
+              <a:t>O + 6 CO</a:t>
+            </a:r>
+            <a:r>
+              <a:rPr lang="pt-BR" baseline="-25000" dirty="0"/>
+              <a:t>2</a:t>
+            </a:r>
+            <a:r>
+              <a:rPr lang="pt-BR" dirty="0"/>
+              <a:t> → C</a:t>
+            </a:r>
+            <a:r>
+              <a:rPr lang="pt-BR" baseline="-25000" dirty="0"/>
+              <a:t>6</a:t>
+            </a:r>
+            <a:r>
+              <a:rPr lang="pt-BR" dirty="0"/>
+              <a:t>H</a:t>
+            </a:r>
+            <a:r>
+              <a:rPr lang="pt-BR" baseline="-25000" dirty="0"/>
+              <a:t>12</a:t>
+            </a:r>
+            <a:r>
+              <a:rPr lang="pt-BR" dirty="0"/>
+              <a:t>O</a:t>
+            </a:r>
+            <a:r>
+              <a:rPr lang="pt-BR" baseline="-25000" dirty="0"/>
+              <a:t>6</a:t>
+            </a:r>
+            <a:r>
+              <a:rPr lang="pt-BR" dirty="0"/>
+              <a:t> + 6 O</a:t>
+            </a:r>
+            <a:r>
+              <a:rPr lang="pt-BR" baseline="-25000" dirty="0"/>
+              <a:t>2</a:t>
+            </a:r>
+            <a:endParaRPr lang="nl-BE" baseline="-25000" dirty="0"/>
+          </a:p>
+        </p:txBody>
+      </p:sp>
+      <p:sp>
+        <p:nvSpPr>
+          <p:cNvPr id="10" name="TextBox 9">
+            <a:extLst>
+              <a:ext uri="{FF2B5EF4-FFF2-40B4-BE49-F238E27FC236}">
+                <a16:creationId xmlns:a16="http://schemas.microsoft.com/office/drawing/2014/main" id="{354E6036-8F5E-EC6C-A819-5C4C6B6FFCFE}"/>
+              </a:ext>
+            </a:extLst>
+          </p:cNvPr>
+          <p:cNvSpPr txBox="1"/>
+          <p:nvPr/>
+        </p:nvSpPr>
+        <p:spPr>
+          <a:xfrm>
+            <a:off x="6709324" y="2731759"/>
+            <a:ext cx="4818948" cy="369332"/>
+          </a:xfrm>
+          <a:prstGeom prst="rect">
+            <a:avLst/>
+          </a:prstGeom>
+          <a:noFill/>
+        </p:spPr>
+        <p:txBody>
+          <a:bodyPr wrap="none" rtlCol="0">
+            <a:spAutoFit/>
+          </a:bodyPr>
+          <a:lstStyle/>
+          <a:p>
+            <a:pPr algn="ctr"/>
+            <a:r>
+              <a:rPr lang="pt-BR" dirty="0"/>
+              <a:t>C</a:t>
+            </a:r>
+            <a:r>
+              <a:rPr lang="pt-BR" baseline="-25000" dirty="0"/>
+              <a:t>6</a:t>
+            </a:r>
+            <a:r>
+              <a:rPr lang="pt-BR" dirty="0"/>
+              <a:t>H</a:t>
+            </a:r>
+            <a:r>
+              <a:rPr lang="pt-BR" baseline="-25000" dirty="0"/>
+              <a:t>12</a:t>
+            </a:r>
+            <a:r>
+              <a:rPr lang="pt-BR" dirty="0"/>
+              <a:t>O</a:t>
+            </a:r>
+            <a:r>
+              <a:rPr lang="pt-BR" baseline="-25000" dirty="0"/>
+              <a:t>6</a:t>
+            </a:r>
+            <a:r>
+              <a:rPr lang="pt-BR" dirty="0"/>
+              <a:t> + 6 O</a:t>
+            </a:r>
+            <a:r>
+              <a:rPr lang="pt-BR" baseline="-25000" dirty="0"/>
+              <a:t>2</a:t>
+            </a:r>
+            <a:r>
+              <a:rPr lang="pt-BR" dirty="0"/>
+              <a:t> + 6 H</a:t>
+            </a:r>
+            <a:r>
+              <a:rPr lang="pt-BR" baseline="-25000" dirty="0"/>
+              <a:t>2</a:t>
+            </a:r>
+            <a:r>
+              <a:rPr lang="pt-BR" dirty="0"/>
+              <a:t>O → 6 CO</a:t>
+            </a:r>
+            <a:r>
+              <a:rPr lang="pt-BR" baseline="-25000" dirty="0"/>
+              <a:t>2</a:t>
+            </a:r>
+            <a:r>
+              <a:rPr lang="pt-BR" dirty="0"/>
+              <a:t> + 38 ATP</a:t>
+            </a:r>
+            <a:endParaRPr lang="nl-BE" baseline="-25000" dirty="0"/>
+          </a:p>
+        </p:txBody>
+      </p:sp>
+      <p:sp>
+        <p:nvSpPr>
+          <p:cNvPr id="11" name="TextBox 10">
+            <a:extLst>
+              <a:ext uri="{FF2B5EF4-FFF2-40B4-BE49-F238E27FC236}">
+                <a16:creationId xmlns:a16="http://schemas.microsoft.com/office/drawing/2014/main" id="{E7C66684-D95D-9165-F6B8-235E92BF2BB5}"/>
+              </a:ext>
+            </a:extLst>
+          </p:cNvPr>
+          <p:cNvSpPr txBox="1"/>
+          <p:nvPr/>
+        </p:nvSpPr>
+        <p:spPr>
+          <a:xfrm rot="5400000">
+            <a:off x="8878187" y="2153164"/>
+            <a:ext cx="481222" cy="369332"/>
+          </a:xfrm>
+          <a:prstGeom prst="rect">
+            <a:avLst/>
+          </a:prstGeom>
+          <a:noFill/>
+        </p:spPr>
+        <p:txBody>
+          <a:bodyPr wrap="none" rtlCol="0">
+            <a:spAutoFit/>
+          </a:bodyPr>
+          <a:lstStyle/>
+          <a:p>
+            <a:r>
+              <a:rPr lang="nl-BE" dirty="0">
+                <a:latin typeface="Calibri" panose="020F0502020204030204" pitchFamily="34" charset="0"/>
+                <a:cs typeface="Calibri" panose="020F0502020204030204" pitchFamily="34" charset="0"/>
+                <a:sym typeface="Wingdings" panose="05000000000000000000" pitchFamily="2" charset="2"/>
+              </a:rPr>
+              <a:t>↔</a:t>
+            </a:r>
+            <a:endParaRPr lang="nl-BE" dirty="0"/>
+          </a:p>
+        </p:txBody>
+      </p:sp>
+    </p:spTree>
+    <p:extLst>
+      <p:ext uri="{BB962C8B-B14F-4D97-AF65-F5344CB8AC3E}">
+        <p14:creationId xmlns:p14="http://schemas.microsoft.com/office/powerpoint/2010/main" val="2366738540"/>
+      </p:ext>
+    </p:extLst>
+  </p:cSld>
+  <p:clrMapOvr>
+    <a:masterClrMapping/>
+  </p:clrMapOvr>
+  <mc:AlternateContent xmlns:mc="http://schemas.openxmlformats.org/markup-compatibility/2006" xmlns:p14="http://schemas.microsoft.com/office/powerpoint/2010/main">
+    <mc:Choice Requires="p14">
+      <p:transition spd="med" p14:dur="700">
+        <p:fade/>
+      </p:transition>
+    </mc:Choice>
+    <mc:Fallback xmlns="">
       <p:transition spd="med">
         <p:fade/>
       </p:transition>
@@ -8189,53 +8844,39 @@
           <a:p>
             <a:r>
               <a:rPr lang="nl-BE" u="sng" dirty="0"/>
-              <a:t>De meetbare factoren:</a:t>
-            </a:r>
-          </a:p>
-          <a:p>
-            <a:r>
-              <a:rPr lang="nl-BE" dirty="0"/>
-              <a:t>Temperatuur van de omgeving.</a:t>
-            </a:r>
-          </a:p>
-          <a:p>
-            <a:r>
-              <a:rPr lang="nl-BE" dirty="0"/>
-              <a:t>Luchtvochtigheid van de omgeving.</a:t>
-            </a:r>
-          </a:p>
-          <a:p>
-            <a:r>
-              <a:rPr lang="nl-BE" dirty="0"/>
-              <a:t>CO</a:t>
-            </a:r>
-            <a:r>
-              <a:rPr lang="nl-BE" baseline="-25000" dirty="0"/>
-              <a:t>2</a:t>
-            </a:r>
-            <a:r>
-              <a:rPr lang="nl-BE" dirty="0"/>
-              <a:t> gehalte van de omgeving.</a:t>
-            </a:r>
-          </a:p>
-          <a:p>
-            <a:r>
-              <a:rPr lang="nl-BE" dirty="0"/>
-              <a:t>TVOC van de omgeving.</a:t>
+              <a:t>De omgeving:</a:t>
             </a:r>
           </a:p>
           <a:p>
             <a:pPr lvl="1"/>
             <a:r>
-              <a:rPr lang="nl-BE" dirty="0"/>
-              <a:t>Het gehalte aan vluchtige organische stoffen in de lucht.</a:t>
-            </a:r>
-          </a:p>
-          <a:p>
-            <a:r>
-              <a:rPr lang="nl-BE" dirty="0"/>
-              <a:t>De bodemvochtigheid van de grond waar de plant in zit.</a:t>
-            </a:r>
+              <a:rPr lang="nl-BE" u="sng" dirty="0"/>
+              <a:t>De bodem:</a:t>
+            </a:r>
+          </a:p>
+          <a:p>
+            <a:pPr lvl="2"/>
+            <a:r>
+              <a:rPr lang="nl-BE" i="1" u="sng" dirty="0"/>
+              <a:t>De mineralen:</a:t>
+            </a:r>
+            <a:r>
+              <a:rPr lang="nl-BE" i="1" dirty="0"/>
+              <a:t> Voeding voor de plant.</a:t>
+            </a:r>
+            <a:endParaRPr lang="nl-BE" i="1" u="sng" dirty="0"/>
+          </a:p>
+          <a:p>
+            <a:pPr lvl="2"/>
+            <a:r>
+              <a:rPr lang="nl-BE" i="1" u="sng" dirty="0"/>
+              <a:t>De grootte:</a:t>
+            </a:r>
+            <a:r>
+              <a:rPr lang="nl-BE" i="1" dirty="0"/>
+              <a:t> Plaats voor de wortels.</a:t>
+            </a:r>
+            <a:endParaRPr lang="nl-BE" i="1" u="sng" dirty="0"/>
           </a:p>
         </p:txBody>
       </p:sp>
@@ -8325,23 +8966,70 @@
           </a:p>
         </p:txBody>
       </p:sp>
+      <p:pic>
+        <p:nvPicPr>
+          <p:cNvPr id="7" name="Picture 2" descr="Beschimmelde potgrond">
+            <a:extLst>
+              <a:ext uri="{FF2B5EF4-FFF2-40B4-BE49-F238E27FC236}">
+                <a16:creationId xmlns:a16="http://schemas.microsoft.com/office/drawing/2014/main" id="{7C24218D-E059-48EB-6DAE-E744AF268B01}"/>
+              </a:ext>
+            </a:extLst>
+          </p:cNvPr>
+          <p:cNvPicPr>
+            <a:picLocks noChangeAspect="1" noChangeArrowheads="1"/>
+          </p:cNvPicPr>
+          <p:nvPr/>
+        </p:nvPicPr>
+        <p:blipFill>
+          <a:blip r:embed="rId2">
+            <a:extLst>
+              <a:ext uri="{28A0092B-C50C-407E-A947-70E740481C1C}">
+                <a14:useLocalDpi xmlns:a14="http://schemas.microsoft.com/office/drawing/2010/main" val="0"/>
+              </a:ext>
+            </a:extLst>
+          </a:blip>
+          <a:srcRect/>
+          <a:stretch>
+            <a:fillRect/>
+          </a:stretch>
+        </p:blipFill>
+        <p:spPr bwMode="auto">
+          <a:xfrm>
+            <a:off x="7605748" y="2261173"/>
+            <a:ext cx="3114206" cy="2335654"/>
+          </a:xfrm>
+          <a:prstGeom prst="rect">
+            <a:avLst/>
+          </a:prstGeom>
+          <a:noFill/>
+          <a:extLst>
+            <a:ext uri="{909E8E84-426E-40DD-AFC4-6F175D3DCCD1}">
+              <a14:hiddenFill xmlns:a14="http://schemas.microsoft.com/office/drawing/2010/main">
+                <a:solidFill>
+                  <a:srgbClr val="FFFFFF"/>
+                </a:solidFill>
+              </a14:hiddenFill>
+            </a:ext>
+          </a:extLst>
+        </p:spPr>
+      </p:pic>
     </p:spTree>
     <p:extLst>
       <p:ext uri="{BB962C8B-B14F-4D97-AF65-F5344CB8AC3E}">
-        <p14:creationId xmlns:p14="http://schemas.microsoft.com/office/powerpoint/2010/main" val="190577845"/>
+        <p14:creationId xmlns:p14="http://schemas.microsoft.com/office/powerpoint/2010/main" val="1562211127"/>
       </p:ext>
     </p:extLst>
   </p:cSld>
   <p:clrMapOvr>
     <a:masterClrMapping/>
   </p:clrMapOvr>
-  <mc:AlternateContent xmlns:mc="http://schemas.openxmlformats.org/markup-compatibility/2006" xmlns:p14="http://schemas.microsoft.com/office/powerpoint/2010/main">
-    <mc:Choice Requires="p14">
+  <mc:AlternateContent xmlns:mc="http://schemas.openxmlformats.org/markup-compatibility/2006">
+    <mc:Choice xmlns:p14="http://schemas.microsoft.com/office/powerpoint/2010/main" Requires="p14">
       <p:transition spd="med" p14:dur="700">
         <p:fade/>
       </p:transition>
     </mc:Choice>
-    <mc:Fallback xmlns="">
+    <mc:Fallback>
       <p:transition spd="med">
         <p:fade/>
       </p:transition>
@@ -8427,72 +9115,31 @@
           </a:bodyPr>
           <a:lstStyle/>
           <a:p>
+            <a:pPr lvl="1"/>
             <a:r>
               <a:rPr lang="nl-BE" u="sng" dirty="0"/>
-              <a:t>De reageerbare factoren:</a:t>
-            </a:r>
-          </a:p>
-          <a:p>
-            <a:pPr lvl="1"/>
-            <a:r>
-              <a:rPr lang="nl-BE" u="sng" dirty="0"/>
-              <a:t>De bodemvochtigheid:</a:t>
-            </a:r>
+              <a:t>Visuele conclusies:</a:t>
+            </a:r>
+          </a:p>
+          <a:p>
+            <a:pPr lvl="2"/>
             <a:r>
               <a:rPr lang="nl-BE" dirty="0"/>
-              <a:t> aan de hand van een waterpompje.</a:t>
-            </a:r>
-          </a:p>
-          <a:p>
-            <a:pPr lvl="1"/>
-            <a:r>
-              <a:rPr lang="nl-BE" u="sng" dirty="0"/>
-              <a:t>De temperatuur:</a:t>
-            </a:r>
+              <a:t>Het verwelken van een plant.	</a:t>
+            </a:r>
+          </a:p>
+          <a:p>
+            <a:pPr lvl="3"/>
             <a:r>
               <a:rPr lang="nl-BE" dirty="0"/>
-              <a:t> Door het raam open te zetten.</a:t>
-            </a:r>
-          </a:p>
-          <a:p>
-            <a:pPr lvl="1"/>
-            <a:r>
-              <a:rPr lang="nl-BE" u="sng" dirty="0"/>
-              <a:t>De luchtvochtigheid:</a:t>
-            </a:r>
+              <a:t>Hangende bladeren en stengels.</a:t>
+            </a:r>
+          </a:p>
+          <a:p>
+            <a:pPr lvl="3"/>
             <a:r>
               <a:rPr lang="nl-BE" dirty="0"/>
-              <a:t> Aan de hand van een spuitbusje.</a:t>
-            </a:r>
-          </a:p>
-          <a:p>
-            <a:pPr lvl="1"/>
-            <a:r>
-              <a:rPr lang="nl-BE" u="sng" dirty="0"/>
-              <a:t>De luchtkwaliteit (CO</a:t>
-            </a:r>
-            <a:r>
-              <a:rPr lang="nl-BE" baseline="-25000" dirty="0"/>
-              <a:t>2</a:t>
-            </a:r>
-            <a:r>
-              <a:rPr lang="nl-BE" u="sng" dirty="0"/>
-              <a:t> en TVOC):</a:t>
-            </a:r>
-            <a:r>
-              <a:rPr lang="nl-BE" dirty="0"/>
-              <a:t> Door het raam open te zetten.</a:t>
-            </a:r>
-          </a:p>
-          <a:p>
-            <a:pPr lvl="1"/>
-            <a:r>
-              <a:rPr lang="nl-BE" u="sng" dirty="0"/>
-              <a:t>De mineralen:</a:t>
-            </a:r>
-            <a:r>
-              <a:rPr lang="nl-BE" dirty="0"/>
-              <a:t> Door de plant te voeden.</a:t>
+              <a:t>Verkleurde bladeren.</a:t>
             </a:r>
           </a:p>
         </p:txBody>
@@ -8583,10 +9230,57 @@
           </a:p>
         </p:txBody>
       </p:sp>
+      <p:pic>
+        <p:nvPicPr>
+          <p:cNvPr id="3074" name="Picture 2" descr="Help! Mijn plant is ziek! | De Standaard Mobile">
+            <a:extLst>
+              <a:ext uri="{FF2B5EF4-FFF2-40B4-BE49-F238E27FC236}">
+                <a16:creationId xmlns:a16="http://schemas.microsoft.com/office/drawing/2014/main" id="{35055CD2-D3E4-44EB-7979-62DAB3A72E6D}"/>
+              </a:ext>
+            </a:extLst>
+          </p:cNvPr>
+          <p:cNvPicPr>
+            <a:picLocks noChangeAspect="1" noChangeArrowheads="1"/>
+          </p:cNvPicPr>
+          <p:nvPr/>
+        </p:nvPicPr>
+        <p:blipFill>
+          <a:blip r:embed="rId2">
+            <a:extLst>
+              <a:ext uri="{28A0092B-C50C-407E-A947-70E740481C1C}">
+                <a14:useLocalDpi xmlns:a14="http://schemas.microsoft.com/office/drawing/2010/main" val="0"/>
+              </a:ext>
+            </a:extLst>
+          </a:blip>
+          <a:srcRect/>
+          <a:stretch>
+            <a:fillRect/>
+          </a:stretch>
+        </p:blipFill>
+        <p:spPr bwMode="auto">
+          <a:xfrm>
+            <a:off x="6464329" y="1922713"/>
+            <a:ext cx="4518861" cy="3012574"/>
+          </a:xfrm>
+          <a:prstGeom prst="rect">
+            <a:avLst/>
+          </a:prstGeom>
+          <a:noFill/>
+          <a:extLst>
+            <a:ext uri="{909E8E84-426E-40DD-AFC4-6F175D3DCCD1}">
+              <a14:hiddenFill xmlns:a14="http://schemas.microsoft.com/office/drawing/2010/main">
+                <a:solidFill>
+                  <a:srgbClr val="FFFFFF"/>
+                </a:solidFill>
+              </a14:hiddenFill>
+            </a:ext>
+          </a:extLst>
+        </p:spPr>
+      </p:pic>
     </p:spTree>
     <p:extLst>
       <p:ext uri="{BB962C8B-B14F-4D97-AF65-F5344CB8AC3E}">
-        <p14:creationId xmlns:p14="http://schemas.microsoft.com/office/powerpoint/2010/main" val="3500048364"/>
+        <p14:creationId xmlns:p14="http://schemas.microsoft.com/office/powerpoint/2010/main" val="2981886889"/>
       </p:ext>
     </p:extLst>
   </p:cSld>
@@ -8647,8 +9341,104 @@
           <a:lstStyle/>
           <a:p>
             <a:r>
+              <a:rPr lang="en-US" dirty="0"/>
+              <a:t>2. De </a:t>
+            </a:r>
+            <a:r>
               <a:rPr lang="nl-BE" dirty="0"/>
-              <a:t>3. De praktische proef</a:t>
+              <a:t>theorie</a:t>
+            </a:r>
+          </a:p>
+        </p:txBody>
+      </p:sp>
+      <p:sp>
+        <p:nvSpPr>
+          <p:cNvPr id="3" name="Content Placeholder 2">
+            <a:extLst>
+              <a:ext uri="{FF2B5EF4-FFF2-40B4-BE49-F238E27FC236}">
+                <a16:creationId xmlns:a16="http://schemas.microsoft.com/office/drawing/2014/main" id="{6E25F141-97FE-D4F8-A34E-A4989E36CF8A}"/>
+              </a:ext>
+            </a:extLst>
+          </p:cNvPr>
+          <p:cNvSpPr>
+            <a:spLocks noGrp="1"/>
+          </p:cNvSpPr>
+          <p:nvPr>
+            <p:ph idx="1"/>
+          </p:nvPr>
+        </p:nvSpPr>
+        <p:spPr>
+          <a:xfrm>
+            <a:off x="1088136" y="2062768"/>
+            <a:ext cx="9922764" cy="3838722"/>
+          </a:xfrm>
+        </p:spPr>
+        <p:txBody>
+          <a:bodyPr>
+            <a:normAutofit/>
+          </a:bodyPr>
+          <a:lstStyle/>
+          <a:p>
+            <a:r>
+              <a:rPr lang="nl-BE" u="sng" dirty="0"/>
+              <a:t>De meetbare factoren:</a:t>
+            </a:r>
+          </a:p>
+          <a:p>
+            <a:pPr lvl="1"/>
+            <a:r>
+              <a:rPr lang="nl-BE" dirty="0"/>
+              <a:t>Temperatuur van de omgeving.</a:t>
+            </a:r>
+          </a:p>
+          <a:p>
+            <a:pPr lvl="1"/>
+            <a:r>
+              <a:rPr lang="nl-BE" dirty="0"/>
+              <a:t>Luchtvochtigheid van de omgeving.</a:t>
+            </a:r>
+          </a:p>
+          <a:p>
+            <a:pPr lvl="1"/>
+            <a:r>
+              <a:rPr lang="nl-BE" dirty="0"/>
+              <a:t>CO</a:t>
+            </a:r>
+            <a:r>
+              <a:rPr lang="nl-BE" baseline="-25000" dirty="0"/>
+              <a:t>2</a:t>
+            </a:r>
+            <a:r>
+              <a:rPr lang="nl-BE" dirty="0"/>
+              <a:t> gehalte van de omgeving.</a:t>
+            </a:r>
+          </a:p>
+          <a:p>
+            <a:pPr lvl="1"/>
+            <a:r>
+              <a:rPr lang="nl-BE" dirty="0"/>
+              <a:t>TVOC van de omgeving.</a:t>
+            </a:r>
+          </a:p>
+          <a:p>
+            <a:pPr lvl="1"/>
+            <a:r>
+              <a:rPr lang="nl-BE" dirty="0"/>
+              <a:t>De bodemvochtigheid van de grond waar de plant in zit.</a:t>
+            </a:r>
+          </a:p>
+          <a:p>
+            <a:pPr lvl="1"/>
+            <a:r>
+              <a:rPr lang="nl-BE" i="1" dirty="0"/>
+              <a:t>De mineralen in de bodem.</a:t>
+            </a:r>
+          </a:p>
+          <a:p>
+            <a:pPr lvl="1"/>
+            <a:r>
+              <a:rPr lang="nl-BE" i="1" dirty="0"/>
+              <a:t>De lichtsterkte.</a:t>
             </a:r>
           </a:p>
         </p:txBody>
@@ -8739,40 +9529,10 @@
           </a:p>
         </p:txBody>
       </p:sp>
-      <p:pic>
-        <p:nvPicPr>
-          <p:cNvPr id="13" name="Picture 12">
-            <a:extLst>
-              <a:ext uri="{FF2B5EF4-FFF2-40B4-BE49-F238E27FC236}">
-                <a16:creationId xmlns:a16="http://schemas.microsoft.com/office/drawing/2014/main" id="{20CB76E7-0913-EC04-A2A8-93CB4FEC2965}"/>
-              </a:ext>
-            </a:extLst>
-          </p:cNvPr>
-          <p:cNvPicPr>
-            <a:picLocks noChangeAspect="1"/>
-          </p:cNvPicPr>
-          <p:nvPr/>
-        </p:nvPicPr>
-        <p:blipFill>
-          <a:blip r:embed="rId2"/>
-          <a:stretch>
-            <a:fillRect/>
-          </a:stretch>
-        </p:blipFill>
-        <p:spPr>
-          <a:xfrm>
-            <a:off x="4292054" y="1737359"/>
-            <a:ext cx="3607892" cy="4759186"/>
-          </a:xfrm>
-          <a:prstGeom prst="rect">
-            <a:avLst/>
-          </a:prstGeom>
-        </p:spPr>
-      </p:pic>
     </p:spTree>
     <p:extLst>
       <p:ext uri="{BB962C8B-B14F-4D97-AF65-F5344CB8AC3E}">
-        <p14:creationId xmlns:p14="http://schemas.microsoft.com/office/powerpoint/2010/main" val="1261481180"/>
+        <p14:creationId xmlns:p14="http://schemas.microsoft.com/office/powerpoint/2010/main" val="190577845"/>
       </p:ext>
     </p:extLst>
   </p:cSld>
@@ -8833,8 +9593,126 @@
           <a:lstStyle/>
           <a:p>
             <a:r>
+              <a:rPr lang="en-US" dirty="0"/>
+              <a:t>2. De </a:t>
+            </a:r>
+            <a:r>
               <a:rPr lang="nl-BE" dirty="0"/>
-              <a:t>3. De praktische proef</a:t>
+              <a:t>theorie</a:t>
+            </a:r>
+          </a:p>
+        </p:txBody>
+      </p:sp>
+      <p:sp>
+        <p:nvSpPr>
+          <p:cNvPr id="3" name="Content Placeholder 2">
+            <a:extLst>
+              <a:ext uri="{FF2B5EF4-FFF2-40B4-BE49-F238E27FC236}">
+                <a16:creationId xmlns:a16="http://schemas.microsoft.com/office/drawing/2014/main" id="{6E25F141-97FE-D4F8-A34E-A4989E36CF8A}"/>
+              </a:ext>
+            </a:extLst>
+          </p:cNvPr>
+          <p:cNvSpPr>
+            <a:spLocks noGrp="1"/>
+          </p:cNvSpPr>
+          <p:nvPr>
+            <p:ph idx="1"/>
+          </p:nvPr>
+        </p:nvSpPr>
+        <p:spPr>
+          <a:xfrm>
+            <a:off x="1088136" y="2062768"/>
+            <a:ext cx="9922764" cy="3838722"/>
+          </a:xfrm>
+        </p:spPr>
+        <p:txBody>
+          <a:bodyPr>
+            <a:normAutofit/>
+          </a:bodyPr>
+          <a:lstStyle/>
+          <a:p>
+            <a:r>
+              <a:rPr lang="nl-BE" u="sng" dirty="0"/>
+              <a:t>De reageerbare factoren:</a:t>
+            </a:r>
+          </a:p>
+          <a:p>
+            <a:pPr lvl="1"/>
+            <a:r>
+              <a:rPr lang="nl-BE" u="sng" dirty="0"/>
+              <a:t>De bodemvochtigheid:</a:t>
+            </a:r>
+            <a:r>
+              <a:rPr lang="nl-BE" dirty="0"/>
+              <a:t> Aan de hand van een waterpompje.</a:t>
+            </a:r>
+          </a:p>
+          <a:p>
+            <a:pPr lvl="1"/>
+            <a:r>
+              <a:rPr lang="nl-BE" u="sng" dirty="0"/>
+              <a:t>De temperatuur:</a:t>
+            </a:r>
+            <a:r>
+              <a:rPr lang="nl-BE" dirty="0"/>
+              <a:t> </a:t>
+            </a:r>
+            <a:r>
+              <a:rPr lang="nl-BE" i="1" dirty="0"/>
+              <a:t>Door het raam open te zetten.</a:t>
+            </a:r>
+          </a:p>
+          <a:p>
+            <a:pPr lvl="1"/>
+            <a:r>
+              <a:rPr lang="nl-BE" u="sng" dirty="0"/>
+              <a:t>De luchtvochtigheid:</a:t>
+            </a:r>
+            <a:r>
+              <a:rPr lang="nl-BE" dirty="0"/>
+              <a:t> </a:t>
+            </a:r>
+            <a:r>
+              <a:rPr lang="nl-BE" i="1" dirty="0"/>
+              <a:t>Aan de hand van een spuitbusje.</a:t>
+            </a:r>
+          </a:p>
+          <a:p>
+            <a:pPr lvl="1"/>
+            <a:r>
+              <a:rPr lang="nl-BE" u="sng" dirty="0"/>
+              <a:t>De luchtkwaliteit (CO</a:t>
+            </a:r>
+            <a:r>
+              <a:rPr lang="nl-BE" baseline="-25000" dirty="0"/>
+              <a:t>2</a:t>
+            </a:r>
+            <a:r>
+              <a:rPr lang="nl-BE" u="sng" dirty="0"/>
+              <a:t> en TVOC):</a:t>
+            </a:r>
+            <a:r>
+              <a:rPr lang="nl-BE" dirty="0"/>
+              <a:t> </a:t>
+            </a:r>
+            <a:r>
+              <a:rPr lang="nl-BE" i="1" dirty="0"/>
+              <a:t>Door het raam open te zetten.</a:t>
+            </a:r>
+          </a:p>
+          <a:p>
+            <a:pPr lvl="1"/>
+            <a:r>
+              <a:rPr lang="nl-BE" u="sng" dirty="0"/>
+              <a:t>De mineralen:</a:t>
+            </a:r>
+            <a:r>
+              <a:rPr lang="nl-BE" dirty="0"/>
+              <a:t> </a:t>
+            </a:r>
+            <a:r>
+              <a:rPr lang="nl-BE" i="1" dirty="0"/>
+              <a:t>Door de plant te voeden.</a:t>
             </a:r>
           </a:p>
         </p:txBody>
@@ -8863,6 +9741,533 @@
             <a:fld id="{719D7796-F675-488F-AC46-C88938C80352}" type="slidenum">
               <a:rPr lang="en-US" smtClean="0"/>
               <a:t>19</a:t>
+            </a:fld>
+            <a:endParaRPr lang="en-US" dirty="0"/>
+          </a:p>
+        </p:txBody>
+      </p:sp>
+      <p:sp>
+        <p:nvSpPr>
+          <p:cNvPr id="5" name="Footer Placeholder 4">
+            <a:extLst>
+              <a:ext uri="{FF2B5EF4-FFF2-40B4-BE49-F238E27FC236}">
+                <a16:creationId xmlns:a16="http://schemas.microsoft.com/office/drawing/2014/main" id="{32D3AD75-5125-42F4-8C56-256B3E44A858}"/>
+              </a:ext>
+            </a:extLst>
+          </p:cNvPr>
+          <p:cNvSpPr>
+            <a:spLocks noGrp="1"/>
+          </p:cNvSpPr>
+          <p:nvPr>
+            <p:ph type="ftr" sz="quarter" idx="11"/>
+          </p:nvPr>
+        </p:nvSpPr>
+        <p:spPr/>
+        <p:txBody>
+          <a:bodyPr/>
+          <a:lstStyle/>
+          <a:p>
+            <a:r>
+              <a:rPr lang="nl-BE" dirty="0"/>
+              <a:t>Het onderhouden van kamerplanten automatiseren - Eduard Smet</a:t>
+            </a:r>
+            <a:endParaRPr lang="en-US" dirty="0"/>
+          </a:p>
+        </p:txBody>
+      </p:sp>
+      <p:sp>
+        <p:nvSpPr>
+          <p:cNvPr id="6" name="Date Placeholder 5">
+            <a:extLst>
+              <a:ext uri="{FF2B5EF4-FFF2-40B4-BE49-F238E27FC236}">
+                <a16:creationId xmlns:a16="http://schemas.microsoft.com/office/drawing/2014/main" id="{92A0768E-42FB-CF56-882C-72EF5CAB8F44}"/>
+              </a:ext>
+            </a:extLst>
+          </p:cNvPr>
+          <p:cNvSpPr>
+            <a:spLocks noGrp="1"/>
+          </p:cNvSpPr>
+          <p:nvPr>
+            <p:ph type="dt" sz="half" idx="10"/>
+          </p:nvPr>
+        </p:nvSpPr>
+        <p:spPr/>
+        <p:txBody>
+          <a:bodyPr/>
+          <a:lstStyle/>
+          <a:p>
+            <a:r>
+              <a:rPr lang="en-US" dirty="0"/>
+              <a:t>31/1/2023</a:t>
+            </a:r>
+          </a:p>
+        </p:txBody>
+      </p:sp>
+    </p:spTree>
+    <p:extLst>
+      <p:ext uri="{BB962C8B-B14F-4D97-AF65-F5344CB8AC3E}">
+        <p14:creationId xmlns:p14="http://schemas.microsoft.com/office/powerpoint/2010/main" val="3500048364"/>
+      </p:ext>
+    </p:extLst>
+  </p:cSld>
+  <p:clrMapOvr>
+    <a:masterClrMapping/>
+  </p:clrMapOvr>
+  <mc:AlternateContent xmlns:mc="http://schemas.openxmlformats.org/markup-compatibility/2006" xmlns:p14="http://schemas.microsoft.com/office/powerpoint/2010/main">
+    <mc:Choice Requires="p14">
+      <p:transition spd="med" p14:dur="700">
+        <p:fade/>
+      </p:transition>
+    </mc:Choice>
+    <mc:Fallback xmlns="">
+      <p:transition spd="med">
+        <p:fade/>
+      </p:transition>
+    </mc:Fallback>
+  </mc:AlternateContent>
+</p:sld>
+</file>
+
+<file path=ppt/slides/slide2.xml><?xml version="1.0" encoding="utf-8"?>
+<p:sld xmlns:a="http://schemas.openxmlformats.org/drawingml/2006/main" xmlns:r="http://schemas.openxmlformats.org/officeDocument/2006/relationships" xmlns:p="http://schemas.openxmlformats.org/presentationml/2006/main">
+  <p:cSld>
+    <p:spTree>
+      <p:nvGrpSpPr>
+        <p:cNvPr id="1" name=""/>
+        <p:cNvGrpSpPr/>
+        <p:nvPr/>
+      </p:nvGrpSpPr>
+      <p:grpSpPr>
+        <a:xfrm>
+          <a:off x="0" y="0"/>
+          <a:ext cx="0" cy="0"/>
+          <a:chOff x="0" y="0"/>
+          <a:chExt cx="0" cy="0"/>
+        </a:xfrm>
+      </p:grpSpPr>
+      <p:sp>
+        <p:nvSpPr>
+          <p:cNvPr id="2" name="Title 1">
+            <a:extLst>
+              <a:ext uri="{FF2B5EF4-FFF2-40B4-BE49-F238E27FC236}">
+                <a16:creationId xmlns:a16="http://schemas.microsoft.com/office/drawing/2014/main" id="{5A7265BD-9D76-B2B4-E1E4-0AA01C3A3E1F}"/>
+              </a:ext>
+            </a:extLst>
+          </p:cNvPr>
+          <p:cNvSpPr>
+            <a:spLocks noGrp="1"/>
+          </p:cNvSpPr>
+          <p:nvPr>
+            <p:ph type="title"/>
+          </p:nvPr>
+        </p:nvSpPr>
+        <p:spPr/>
+        <p:txBody>
+          <a:bodyPr/>
+          <a:lstStyle/>
+          <a:p>
+            <a:r>
+              <a:rPr lang="nl-BE" dirty="0"/>
+              <a:t>Inhoud</a:t>
+            </a:r>
+          </a:p>
+        </p:txBody>
+      </p:sp>
+      <p:sp>
+        <p:nvSpPr>
+          <p:cNvPr id="3" name="Content Placeholder 2">
+            <a:extLst>
+              <a:ext uri="{FF2B5EF4-FFF2-40B4-BE49-F238E27FC236}">
+                <a16:creationId xmlns:a16="http://schemas.microsoft.com/office/drawing/2014/main" id="{6E25F141-97FE-D4F8-A34E-A4989E36CF8A}"/>
+              </a:ext>
+            </a:extLst>
+          </p:cNvPr>
+          <p:cNvSpPr>
+            <a:spLocks noGrp="1"/>
+          </p:cNvSpPr>
+          <p:nvPr>
+            <p:ph idx="1"/>
+          </p:nvPr>
+        </p:nvSpPr>
+        <p:spPr>
+          <a:xfrm>
+            <a:off x="1088136" y="2062768"/>
+            <a:ext cx="9922764" cy="3838722"/>
+          </a:xfrm>
+        </p:spPr>
+        <p:txBody>
+          <a:bodyPr>
+            <a:normAutofit/>
+          </a:bodyPr>
+          <a:lstStyle/>
+          <a:p>
+            <a:pPr marL="342900" indent="-342900">
+              <a:buAutoNum type="arabicPeriod"/>
+            </a:pPr>
+            <a:r>
+              <a:rPr lang="nl-BE" dirty="0"/>
+              <a:t>Het onderwerp</a:t>
+            </a:r>
+          </a:p>
+          <a:p>
+            <a:pPr marL="342900" indent="-342900">
+              <a:buFont typeface="+mj-lt"/>
+              <a:buAutoNum type="arabicPeriod"/>
+            </a:pPr>
+            <a:r>
+              <a:rPr lang="nl-BE" dirty="0"/>
+              <a:t>De theorie</a:t>
+            </a:r>
+          </a:p>
+          <a:p>
+            <a:pPr marL="342900" indent="-342900">
+              <a:buFont typeface="+mj-lt"/>
+              <a:buAutoNum type="arabicPeriod" startAt="3"/>
+            </a:pPr>
+            <a:r>
+              <a:rPr lang="nl-BE" dirty="0"/>
+              <a:t>De praktische proef</a:t>
+            </a:r>
+          </a:p>
+          <a:p>
+            <a:pPr marL="342900" indent="-342900">
+              <a:buFont typeface="+mj-lt"/>
+              <a:buAutoNum type="arabicPeriod" startAt="3"/>
+            </a:pPr>
+            <a:r>
+              <a:rPr lang="nl-BE" dirty="0"/>
+              <a:t>Voorlopige conclusies</a:t>
+            </a:r>
+          </a:p>
+        </p:txBody>
+      </p:sp>
+      <p:sp>
+        <p:nvSpPr>
+          <p:cNvPr id="4" name="Slide Number Placeholder 3">
+            <a:extLst>
+              <a:ext uri="{FF2B5EF4-FFF2-40B4-BE49-F238E27FC236}">
+                <a16:creationId xmlns:a16="http://schemas.microsoft.com/office/drawing/2014/main" id="{BE21E36D-9ADE-B65E-255D-F7D686638201}"/>
+              </a:ext>
+            </a:extLst>
+          </p:cNvPr>
+          <p:cNvSpPr>
+            <a:spLocks noGrp="1"/>
+          </p:cNvSpPr>
+          <p:nvPr>
+            <p:ph type="sldNum" sz="quarter" idx="12"/>
+          </p:nvPr>
+        </p:nvSpPr>
+        <p:spPr/>
+        <p:txBody>
+          <a:bodyPr/>
+          <a:lstStyle/>
+          <a:p>
+            <a:fld id="{719D7796-F675-488F-AC46-C88938C80352}" type="slidenum">
+              <a:rPr lang="en-US" smtClean="0"/>
+              <a:t>2</a:t>
+            </a:fld>
+            <a:endParaRPr lang="en-US" dirty="0"/>
+          </a:p>
+        </p:txBody>
+      </p:sp>
+      <p:sp>
+        <p:nvSpPr>
+          <p:cNvPr id="5" name="Footer Placeholder 4">
+            <a:extLst>
+              <a:ext uri="{FF2B5EF4-FFF2-40B4-BE49-F238E27FC236}">
+                <a16:creationId xmlns:a16="http://schemas.microsoft.com/office/drawing/2014/main" id="{32D3AD75-5125-42F4-8C56-256B3E44A858}"/>
+              </a:ext>
+            </a:extLst>
+          </p:cNvPr>
+          <p:cNvSpPr>
+            <a:spLocks noGrp="1"/>
+          </p:cNvSpPr>
+          <p:nvPr>
+            <p:ph type="ftr" sz="quarter" idx="11"/>
+          </p:nvPr>
+        </p:nvSpPr>
+        <p:spPr/>
+        <p:txBody>
+          <a:bodyPr/>
+          <a:lstStyle/>
+          <a:p>
+            <a:r>
+              <a:rPr lang="nl-BE" dirty="0"/>
+              <a:t>Het onderhouden van kamerplanten automatiseren - Eduard Smet</a:t>
+            </a:r>
+            <a:endParaRPr lang="en-US" dirty="0"/>
+          </a:p>
+        </p:txBody>
+      </p:sp>
+      <p:sp>
+        <p:nvSpPr>
+          <p:cNvPr id="6" name="Date Placeholder 5">
+            <a:extLst>
+              <a:ext uri="{FF2B5EF4-FFF2-40B4-BE49-F238E27FC236}">
+                <a16:creationId xmlns:a16="http://schemas.microsoft.com/office/drawing/2014/main" id="{92A0768E-42FB-CF56-882C-72EF5CAB8F44}"/>
+              </a:ext>
+            </a:extLst>
+          </p:cNvPr>
+          <p:cNvSpPr>
+            <a:spLocks noGrp="1"/>
+          </p:cNvSpPr>
+          <p:nvPr>
+            <p:ph type="dt" sz="half" idx="10"/>
+          </p:nvPr>
+        </p:nvSpPr>
+        <p:spPr/>
+        <p:txBody>
+          <a:bodyPr/>
+          <a:lstStyle/>
+          <a:p>
+            <a:r>
+              <a:rPr lang="en-US" dirty="0"/>
+              <a:t>31/1/2023</a:t>
+            </a:r>
+          </a:p>
+        </p:txBody>
+      </p:sp>
+    </p:spTree>
+    <p:extLst>
+      <p:ext uri="{BB962C8B-B14F-4D97-AF65-F5344CB8AC3E}">
+        <p14:creationId xmlns:p14="http://schemas.microsoft.com/office/powerpoint/2010/main" val="2308610929"/>
+      </p:ext>
+    </p:extLst>
+  </p:cSld>
+  <p:clrMapOvr>
+    <a:masterClrMapping/>
+  </p:clrMapOvr>
+  <p:transition spd="slow">
+    <p:push dir="u"/>
+  </p:transition>
+</p:sld>
+</file>
+
+<file path=ppt/slides/slide20.xml><?xml version="1.0" encoding="utf-8"?>
+<p:sld xmlns:a="http://schemas.openxmlformats.org/drawingml/2006/main" xmlns:r="http://schemas.openxmlformats.org/officeDocument/2006/relationships" xmlns:p="http://schemas.openxmlformats.org/presentationml/2006/main">
+  <p:cSld>
+    <p:spTree>
+      <p:nvGrpSpPr>
+        <p:cNvPr id="1" name=""/>
+        <p:cNvGrpSpPr/>
+        <p:nvPr/>
+      </p:nvGrpSpPr>
+      <p:grpSpPr>
+        <a:xfrm>
+          <a:off x="0" y="0"/>
+          <a:ext cx="0" cy="0"/>
+          <a:chOff x="0" y="0"/>
+          <a:chExt cx="0" cy="0"/>
+        </a:xfrm>
+      </p:grpSpPr>
+      <p:sp>
+        <p:nvSpPr>
+          <p:cNvPr id="2" name="Title 1">
+            <a:extLst>
+              <a:ext uri="{FF2B5EF4-FFF2-40B4-BE49-F238E27FC236}">
+                <a16:creationId xmlns:a16="http://schemas.microsoft.com/office/drawing/2014/main" id="{5A7265BD-9D76-B2B4-E1E4-0AA01C3A3E1F}"/>
+              </a:ext>
+            </a:extLst>
+          </p:cNvPr>
+          <p:cNvSpPr>
+            <a:spLocks noGrp="1"/>
+          </p:cNvSpPr>
+          <p:nvPr>
+            <p:ph type="title"/>
+          </p:nvPr>
+        </p:nvSpPr>
+        <p:spPr/>
+        <p:txBody>
+          <a:bodyPr/>
+          <a:lstStyle/>
+          <a:p>
+            <a:r>
+              <a:rPr lang="nl-BE" dirty="0"/>
+              <a:t>3. De praktische proef</a:t>
+            </a:r>
+          </a:p>
+        </p:txBody>
+      </p:sp>
+      <p:sp>
+        <p:nvSpPr>
+          <p:cNvPr id="4" name="Slide Number Placeholder 3">
+            <a:extLst>
+              <a:ext uri="{FF2B5EF4-FFF2-40B4-BE49-F238E27FC236}">
+                <a16:creationId xmlns:a16="http://schemas.microsoft.com/office/drawing/2014/main" id="{BE21E36D-9ADE-B65E-255D-F7D686638201}"/>
+              </a:ext>
+            </a:extLst>
+          </p:cNvPr>
+          <p:cNvSpPr>
+            <a:spLocks noGrp="1"/>
+          </p:cNvSpPr>
+          <p:nvPr>
+            <p:ph type="sldNum" sz="quarter" idx="12"/>
+          </p:nvPr>
+        </p:nvSpPr>
+        <p:spPr/>
+        <p:txBody>
+          <a:bodyPr/>
+          <a:lstStyle/>
+          <a:p>
+            <a:fld id="{719D7796-F675-488F-AC46-C88938C80352}" type="slidenum">
+              <a:rPr lang="en-US" smtClean="0"/>
+              <a:t>20</a:t>
+            </a:fld>
+            <a:endParaRPr lang="en-US" dirty="0"/>
+          </a:p>
+        </p:txBody>
+      </p:sp>
+      <p:sp>
+        <p:nvSpPr>
+          <p:cNvPr id="5" name="Footer Placeholder 4">
+            <a:extLst>
+              <a:ext uri="{FF2B5EF4-FFF2-40B4-BE49-F238E27FC236}">
+                <a16:creationId xmlns:a16="http://schemas.microsoft.com/office/drawing/2014/main" id="{32D3AD75-5125-42F4-8C56-256B3E44A858}"/>
+              </a:ext>
+            </a:extLst>
+          </p:cNvPr>
+          <p:cNvSpPr>
+            <a:spLocks noGrp="1"/>
+          </p:cNvSpPr>
+          <p:nvPr>
+            <p:ph type="ftr" sz="quarter" idx="11"/>
+          </p:nvPr>
+        </p:nvSpPr>
+        <p:spPr/>
+        <p:txBody>
+          <a:bodyPr/>
+          <a:lstStyle/>
+          <a:p>
+            <a:r>
+              <a:rPr lang="nl-BE" dirty="0"/>
+              <a:t>Het onderhouden van kamerplanten automatiseren - Eduard Smet</a:t>
+            </a:r>
+            <a:endParaRPr lang="en-US" dirty="0"/>
+          </a:p>
+        </p:txBody>
+      </p:sp>
+      <p:sp>
+        <p:nvSpPr>
+          <p:cNvPr id="6" name="Date Placeholder 5">
+            <a:extLst>
+              <a:ext uri="{FF2B5EF4-FFF2-40B4-BE49-F238E27FC236}">
+                <a16:creationId xmlns:a16="http://schemas.microsoft.com/office/drawing/2014/main" id="{92A0768E-42FB-CF56-882C-72EF5CAB8F44}"/>
+              </a:ext>
+            </a:extLst>
+          </p:cNvPr>
+          <p:cNvSpPr>
+            <a:spLocks noGrp="1"/>
+          </p:cNvSpPr>
+          <p:nvPr>
+            <p:ph type="dt" sz="half" idx="10"/>
+          </p:nvPr>
+        </p:nvSpPr>
+        <p:spPr/>
+        <p:txBody>
+          <a:bodyPr/>
+          <a:lstStyle/>
+          <a:p>
+            <a:r>
+              <a:rPr lang="en-US" dirty="0"/>
+              <a:t>31/1/2023</a:t>
+            </a:r>
+          </a:p>
+        </p:txBody>
+      </p:sp>
+    </p:spTree>
+    <p:extLst>
+      <p:ext uri="{BB962C8B-B14F-4D97-AF65-F5344CB8AC3E}">
+        <p14:creationId xmlns:p14="http://schemas.microsoft.com/office/powerpoint/2010/main" val="1261481180"/>
+      </p:ext>
+    </p:extLst>
+  </p:cSld>
+  <p:clrMapOvr>
+    <a:masterClrMapping/>
+  </p:clrMapOvr>
+  <mc:AlternateContent xmlns:mc="http://schemas.openxmlformats.org/markup-compatibility/2006" xmlns:p14="http://schemas.microsoft.com/office/powerpoint/2010/main">
+    <mc:Choice Requires="p14">
+      <p:transition spd="med" p14:dur="700">
+        <p:fade/>
+      </p:transition>
+    </mc:Choice>
+    <mc:Fallback xmlns="">
+      <p:transition spd="med">
+        <p:fade/>
+      </p:transition>
+    </mc:Fallback>
+  </mc:AlternateContent>
+</p:sld>
+</file>
+
+<file path=ppt/slides/slide21.xml><?xml version="1.0" encoding="utf-8"?>
+<p:sld xmlns:a="http://schemas.openxmlformats.org/drawingml/2006/main" xmlns:r="http://schemas.openxmlformats.org/officeDocument/2006/relationships" xmlns:p="http://schemas.openxmlformats.org/presentationml/2006/main">
+  <p:cSld>
+    <p:spTree>
+      <p:nvGrpSpPr>
+        <p:cNvPr id="1" name=""/>
+        <p:cNvGrpSpPr/>
+        <p:nvPr/>
+      </p:nvGrpSpPr>
+      <p:grpSpPr>
+        <a:xfrm>
+          <a:off x="0" y="0"/>
+          <a:ext cx="0" cy="0"/>
+          <a:chOff x="0" y="0"/>
+          <a:chExt cx="0" cy="0"/>
+        </a:xfrm>
+      </p:grpSpPr>
+      <p:sp>
+        <p:nvSpPr>
+          <p:cNvPr id="2" name="Title 1">
+            <a:extLst>
+              <a:ext uri="{FF2B5EF4-FFF2-40B4-BE49-F238E27FC236}">
+                <a16:creationId xmlns:a16="http://schemas.microsoft.com/office/drawing/2014/main" id="{5A7265BD-9D76-B2B4-E1E4-0AA01C3A3E1F}"/>
+              </a:ext>
+            </a:extLst>
+          </p:cNvPr>
+          <p:cNvSpPr>
+            <a:spLocks noGrp="1"/>
+          </p:cNvSpPr>
+          <p:nvPr>
+            <p:ph type="title"/>
+          </p:nvPr>
+        </p:nvSpPr>
+        <p:spPr/>
+        <p:txBody>
+          <a:bodyPr/>
+          <a:lstStyle/>
+          <a:p>
+            <a:r>
+              <a:rPr lang="nl-BE" dirty="0"/>
+              <a:t>3. De praktische proef</a:t>
+            </a:r>
+          </a:p>
+        </p:txBody>
+      </p:sp>
+      <p:sp>
+        <p:nvSpPr>
+          <p:cNvPr id="4" name="Slide Number Placeholder 3">
+            <a:extLst>
+              <a:ext uri="{FF2B5EF4-FFF2-40B4-BE49-F238E27FC236}">
+                <a16:creationId xmlns:a16="http://schemas.microsoft.com/office/drawing/2014/main" id="{BE21E36D-9ADE-B65E-255D-F7D686638201}"/>
+              </a:ext>
+            </a:extLst>
+          </p:cNvPr>
+          <p:cNvSpPr>
+            <a:spLocks noGrp="1"/>
+          </p:cNvSpPr>
+          <p:nvPr>
+            <p:ph type="sldNum" sz="quarter" idx="12"/>
+          </p:nvPr>
+        </p:nvSpPr>
+        <p:spPr/>
+        <p:txBody>
+          <a:bodyPr/>
+          <a:lstStyle/>
+          <a:p>
+            <a:fld id="{719D7796-F675-488F-AC46-C88938C80352}" type="slidenum">
+              <a:rPr lang="en-US" smtClean="0"/>
+              <a:t>21</a:t>
             </a:fld>
             <a:endParaRPr lang="en-US" dirty="0"/>
           </a:p>
@@ -8965,13 +10370,13 @@
   <p:clrMapOvr>
     <a:masterClrMapping/>
   </p:clrMapOvr>
-  <mc:AlternateContent xmlns:mc="http://schemas.openxmlformats.org/markup-compatibility/2006">
-    <mc:Choice xmlns:p14="http://schemas.microsoft.com/office/powerpoint/2010/main" Requires="p14">
+  <mc:AlternateContent xmlns:mc="http://schemas.openxmlformats.org/markup-compatibility/2006" xmlns:p14="http://schemas.microsoft.com/office/powerpoint/2010/main">
+    <mc:Choice Requires="p14">
       <p:transition spd="med" p14:dur="700">
         <p:fade/>
       </p:transition>
     </mc:Choice>
-    <mc:Fallback>
+    <mc:Fallback xmlns="">
       <p:transition spd="med">
         <p:fade/>
       </p:transition>
@@ -8980,7 +10385,7 @@
 </p:sld>
 </file>
 
-<file path=ppt/slides/slide2.xml><?xml version="1.0" encoding="utf-8"?>
+<file path=ppt/slides/slide22.xml><?xml version="1.0" encoding="utf-8"?>
 <p:sld xmlns:a="http://schemas.openxmlformats.org/drawingml/2006/main" xmlns:r="http://schemas.openxmlformats.org/officeDocument/2006/relationships" xmlns:p="http://schemas.openxmlformats.org/presentationml/2006/main">
   <p:cSld>
     <p:spTree>
@@ -9020,7 +10425,7 @@
           <a:p>
             <a:r>
               <a:rPr lang="nl-BE" dirty="0"/>
-              <a:t>Inhoud</a:t>
+              <a:t>3. De praktische proef</a:t>
             </a:r>
           </a:p>
         </p:txBody>
@@ -9053,12 +10458,9 @@
           </a:bodyPr>
           <a:lstStyle/>
           <a:p>
-            <a:pPr marL="342900" indent="-342900">
-              <a:buAutoNum type="arabicPeriod"/>
-            </a:pPr>
-            <a:r>
-              <a:rPr lang="nl-BE" dirty="0"/>
-              <a:t>Het onderwerp</a:t>
+            <a:r>
+              <a:rPr lang="nl-BE" u="sng" dirty="0"/>
+              <a:t>Keuze van planten:</a:t>
             </a:r>
           </a:p>
           <a:p>
@@ -9068,227 +10470,6 @@
             </a:pPr>
             <a:r>
               <a:rPr lang="nl-BE" dirty="0"/>
-              <a:t>De theorie</a:t>
-            </a:r>
-          </a:p>
-          <a:p>
-            <a:pPr marL="342900" indent="-342900">
-              <a:buFont typeface="+mj-lt"/>
-              <a:buAutoNum type="arabicPeriod" startAt="3"/>
-            </a:pPr>
-            <a:r>
-              <a:rPr lang="nl-BE" dirty="0"/>
-              <a:t>De praktische proef</a:t>
-            </a:r>
-          </a:p>
-          <a:p>
-            <a:pPr marL="342900" indent="-342900">
-              <a:buFont typeface="+mj-lt"/>
-              <a:buAutoNum type="arabicPeriod" startAt="3"/>
-            </a:pPr>
-            <a:r>
-              <a:rPr lang="nl-BE" dirty="0"/>
-              <a:t>Voorlopige conclusies</a:t>
-            </a:r>
-          </a:p>
-        </p:txBody>
-      </p:sp>
-      <p:sp>
-        <p:nvSpPr>
-          <p:cNvPr id="4" name="Slide Number Placeholder 3">
-            <a:extLst>
-              <a:ext uri="{FF2B5EF4-FFF2-40B4-BE49-F238E27FC236}">
-                <a16:creationId xmlns:a16="http://schemas.microsoft.com/office/drawing/2014/main" id="{BE21E36D-9ADE-B65E-255D-F7D686638201}"/>
-              </a:ext>
-            </a:extLst>
-          </p:cNvPr>
-          <p:cNvSpPr>
-            <a:spLocks noGrp="1"/>
-          </p:cNvSpPr>
-          <p:nvPr>
-            <p:ph type="sldNum" sz="quarter" idx="12"/>
-          </p:nvPr>
-        </p:nvSpPr>
-        <p:spPr/>
-        <p:txBody>
-          <a:bodyPr/>
-          <a:lstStyle/>
-          <a:p>
-            <a:fld id="{719D7796-F675-488F-AC46-C88938C80352}" type="slidenum">
-              <a:rPr lang="en-US" smtClean="0"/>
-              <a:t>2</a:t>
-            </a:fld>
-            <a:endParaRPr lang="en-US" dirty="0"/>
-          </a:p>
-        </p:txBody>
-      </p:sp>
-      <p:sp>
-        <p:nvSpPr>
-          <p:cNvPr id="5" name="Footer Placeholder 4">
-            <a:extLst>
-              <a:ext uri="{FF2B5EF4-FFF2-40B4-BE49-F238E27FC236}">
-                <a16:creationId xmlns:a16="http://schemas.microsoft.com/office/drawing/2014/main" id="{32D3AD75-5125-42F4-8C56-256B3E44A858}"/>
-              </a:ext>
-            </a:extLst>
-          </p:cNvPr>
-          <p:cNvSpPr>
-            <a:spLocks noGrp="1"/>
-          </p:cNvSpPr>
-          <p:nvPr>
-            <p:ph type="ftr" sz="quarter" idx="11"/>
-          </p:nvPr>
-        </p:nvSpPr>
-        <p:spPr/>
-        <p:txBody>
-          <a:bodyPr/>
-          <a:lstStyle/>
-          <a:p>
-            <a:r>
-              <a:rPr lang="nl-BE" dirty="0"/>
-              <a:t>Het onderhouden van kamerplanten automatiseren - Eduard Smet</a:t>
-            </a:r>
-            <a:endParaRPr lang="en-US" dirty="0"/>
-          </a:p>
-        </p:txBody>
-      </p:sp>
-      <p:sp>
-        <p:nvSpPr>
-          <p:cNvPr id="6" name="Date Placeholder 5">
-            <a:extLst>
-              <a:ext uri="{FF2B5EF4-FFF2-40B4-BE49-F238E27FC236}">
-                <a16:creationId xmlns:a16="http://schemas.microsoft.com/office/drawing/2014/main" id="{92A0768E-42FB-CF56-882C-72EF5CAB8F44}"/>
-              </a:ext>
-            </a:extLst>
-          </p:cNvPr>
-          <p:cNvSpPr>
-            <a:spLocks noGrp="1"/>
-          </p:cNvSpPr>
-          <p:nvPr>
-            <p:ph type="dt" sz="half" idx="10"/>
-          </p:nvPr>
-        </p:nvSpPr>
-        <p:spPr/>
-        <p:txBody>
-          <a:bodyPr/>
-          <a:lstStyle/>
-          <a:p>
-            <a:r>
-              <a:rPr lang="en-US" dirty="0"/>
-              <a:t>31/1/2023</a:t>
-            </a:r>
-          </a:p>
-        </p:txBody>
-      </p:sp>
-    </p:spTree>
-    <p:extLst>
-      <p:ext uri="{BB962C8B-B14F-4D97-AF65-F5344CB8AC3E}">
-        <p14:creationId xmlns:p14="http://schemas.microsoft.com/office/powerpoint/2010/main" val="2308610929"/>
-      </p:ext>
-    </p:extLst>
-  </p:cSld>
-  <p:clrMapOvr>
-    <a:masterClrMapping/>
-  </p:clrMapOvr>
-  <mc:AlternateContent xmlns:mc="http://schemas.openxmlformats.org/markup-compatibility/2006" xmlns:p14="http://schemas.microsoft.com/office/powerpoint/2010/main">
-    <mc:Choice Requires="p14">
-      <p:transition spd="med" p14:dur="700">
-        <p:fade/>
-      </p:transition>
-    </mc:Choice>
-    <mc:Fallback xmlns="">
-      <p:transition spd="med">
-        <p:fade/>
-      </p:transition>
-    </mc:Fallback>
-  </mc:AlternateContent>
-</p:sld>
-</file>
-
-<file path=ppt/slides/slide20.xml><?xml version="1.0" encoding="utf-8"?>
-<p:sld xmlns:a="http://schemas.openxmlformats.org/drawingml/2006/main" xmlns:r="http://schemas.openxmlformats.org/officeDocument/2006/relationships" xmlns:p="http://schemas.openxmlformats.org/presentationml/2006/main">
-  <p:cSld>
-    <p:spTree>
-      <p:nvGrpSpPr>
-        <p:cNvPr id="1" name=""/>
-        <p:cNvGrpSpPr/>
-        <p:nvPr/>
-      </p:nvGrpSpPr>
-      <p:grpSpPr>
-        <a:xfrm>
-          <a:off x="0" y="0"/>
-          <a:ext cx="0" cy="0"/>
-          <a:chOff x="0" y="0"/>
-          <a:chExt cx="0" cy="0"/>
-        </a:xfrm>
-      </p:grpSpPr>
-      <p:sp>
-        <p:nvSpPr>
-          <p:cNvPr id="2" name="Title 1">
-            <a:extLst>
-              <a:ext uri="{FF2B5EF4-FFF2-40B4-BE49-F238E27FC236}">
-                <a16:creationId xmlns:a16="http://schemas.microsoft.com/office/drawing/2014/main" id="{5A7265BD-9D76-B2B4-E1E4-0AA01C3A3E1F}"/>
-              </a:ext>
-            </a:extLst>
-          </p:cNvPr>
-          <p:cNvSpPr>
-            <a:spLocks noGrp="1"/>
-          </p:cNvSpPr>
-          <p:nvPr>
-            <p:ph type="title"/>
-          </p:nvPr>
-        </p:nvSpPr>
-        <p:spPr/>
-        <p:txBody>
-          <a:bodyPr/>
-          <a:lstStyle/>
-          <a:p>
-            <a:r>
-              <a:rPr lang="nl-BE" dirty="0"/>
-              <a:t>3. De praktische proef</a:t>
-            </a:r>
-          </a:p>
-        </p:txBody>
-      </p:sp>
-      <p:sp>
-        <p:nvSpPr>
-          <p:cNvPr id="3" name="Content Placeholder 2">
-            <a:extLst>
-              <a:ext uri="{FF2B5EF4-FFF2-40B4-BE49-F238E27FC236}">
-                <a16:creationId xmlns:a16="http://schemas.microsoft.com/office/drawing/2014/main" id="{6E25F141-97FE-D4F8-A34E-A4989E36CF8A}"/>
-              </a:ext>
-            </a:extLst>
-          </p:cNvPr>
-          <p:cNvSpPr>
-            <a:spLocks noGrp="1"/>
-          </p:cNvSpPr>
-          <p:nvPr>
-            <p:ph idx="1"/>
-          </p:nvPr>
-        </p:nvSpPr>
-        <p:spPr>
-          <a:xfrm>
-            <a:off x="1088136" y="2062768"/>
-            <a:ext cx="9922764" cy="3838722"/>
-          </a:xfrm>
-        </p:spPr>
-        <p:txBody>
-          <a:bodyPr>
-            <a:normAutofit/>
-          </a:bodyPr>
-          <a:lstStyle/>
-          <a:p>
-            <a:r>
-              <a:rPr lang="nl-BE" u="sng" dirty="0"/>
-              <a:t>Keuze van planten:</a:t>
-            </a:r>
-          </a:p>
-          <a:p>
-            <a:pPr marL="342900" indent="-342900">
-              <a:buFont typeface="+mj-lt"/>
-              <a:buAutoNum type="arabicPeriod"/>
-            </a:pPr>
-            <a:r>
-              <a:rPr lang="nl-BE" dirty="0"/>
               <a:t>Een bladplant: </a:t>
             </a:r>
           </a:p>
@@ -9323,7 +10504,7 @@
           <a:p>
             <a:fld id="{719D7796-F675-488F-AC46-C88938C80352}" type="slidenum">
               <a:rPr lang="en-US" smtClean="0"/>
-              <a:t>20</a:t>
+              <a:t>22</a:t>
             </a:fld>
             <a:endParaRPr lang="en-US" dirty="0"/>
           </a:p>
@@ -9437,13 +10618,13 @@
   <p:clrMapOvr>
     <a:masterClrMapping/>
   </p:clrMapOvr>
-  <mc:AlternateContent xmlns:mc="http://schemas.openxmlformats.org/markup-compatibility/2006">
-    <mc:Choice xmlns:p14="http://schemas.microsoft.com/office/powerpoint/2010/main" Requires="p14">
+  <mc:AlternateContent xmlns:mc="http://schemas.openxmlformats.org/markup-compatibility/2006" xmlns:p14="http://schemas.microsoft.com/office/powerpoint/2010/main">
+    <mc:Choice Requires="p14">
       <p:transition spd="med" p14:dur="700">
         <p:fade/>
       </p:transition>
     </mc:Choice>
-    <mc:Fallback>
+    <mc:Fallback xmlns="">
       <p:transition spd="med">
         <p:fade/>
       </p:transition>
@@ -9452,7 +10633,7 @@
 </p:sld>
 </file>
 
-<file path=ppt/slides/slide21.xml><?xml version="1.0" encoding="utf-8"?>
+<file path=ppt/slides/slide23.xml><?xml version="1.0" encoding="utf-8"?>
 <p:sld xmlns:a="http://schemas.openxmlformats.org/drawingml/2006/main" xmlns:r="http://schemas.openxmlformats.org/officeDocument/2006/relationships" xmlns:p="http://schemas.openxmlformats.org/presentationml/2006/main">
   <p:cSld>
     <p:spTree>
@@ -9571,7 +10752,7 @@
           <a:p>
             <a:fld id="{719D7796-F675-488F-AC46-C88938C80352}" type="slidenum">
               <a:rPr lang="en-US" smtClean="0"/>
-              <a:t>21</a:t>
+              <a:t>23</a:t>
             </a:fld>
             <a:endParaRPr lang="en-US" dirty="0"/>
           </a:p>
@@ -9700,7 +10881,7 @@
 </p:sld>
 </file>
 
-<file path=ppt/slides/slide22.xml><?xml version="1.0" encoding="utf-8"?>
+<file path=ppt/slides/slide24.xml><?xml version="1.0" encoding="utf-8"?>
 <p:sld xmlns:a="http://schemas.openxmlformats.org/drawingml/2006/main" xmlns:r="http://schemas.openxmlformats.org/officeDocument/2006/relationships" xmlns:p="http://schemas.openxmlformats.org/presentationml/2006/main">
   <p:cSld>
     <p:spTree>
@@ -9819,7 +11000,7 @@
           <a:p>
             <a:fld id="{719D7796-F675-488F-AC46-C88938C80352}" type="slidenum">
               <a:rPr lang="en-US" smtClean="0"/>
-              <a:t>22</a:t>
+              <a:t>24</a:t>
             </a:fld>
             <a:endParaRPr lang="en-US" dirty="0"/>
           </a:p>
@@ -9948,7 +11129,7 @@
 </p:sld>
 </file>
 
-<file path=ppt/slides/slide23.xml><?xml version="1.0" encoding="utf-8"?>
+<file path=ppt/slides/slide25.xml><?xml version="1.0" encoding="utf-8"?>
 <p:sld xmlns:a="http://schemas.openxmlformats.org/drawingml/2006/main" xmlns:r="http://schemas.openxmlformats.org/officeDocument/2006/relationships" xmlns:p="http://schemas.openxmlformats.org/presentationml/2006/main">
   <p:cSld>
     <p:spTree>
@@ -10030,7 +11211,17 @@
             <a:pPr lvl="1"/>
             <a:r>
               <a:rPr lang="nl-BE" dirty="0"/>
-              <a:t>Bladplant -&gt; Bloeiende plant</a:t>
+              <a:t>Bladplant </a:t>
+            </a:r>
+            <a:r>
+              <a:rPr lang="nl-BE" dirty="0">
+                <a:sym typeface="Wingdings" panose="05000000000000000000" pitchFamily="2" charset="2"/>
+              </a:rPr>
+              <a:t> </a:t>
+            </a:r>
+            <a:r>
+              <a:rPr lang="nl-BE" dirty="0"/>
+              <a:t>Bloeiende plant</a:t>
             </a:r>
           </a:p>
         </p:txBody>
@@ -10058,7 +11249,7 @@
           <a:p>
             <a:fld id="{719D7796-F675-488F-AC46-C88938C80352}" type="slidenum">
               <a:rPr lang="en-US" smtClean="0"/>
-              <a:t>23</a:t>
+              <a:t>25</a:t>
             </a:fld>
             <a:endParaRPr lang="en-US" dirty="0"/>
           </a:p>
@@ -10178,13 +11369,13 @@
   <p:clrMapOvr>
     <a:masterClrMapping/>
   </p:clrMapOvr>
-  <mc:AlternateContent xmlns:mc="http://schemas.openxmlformats.org/markup-compatibility/2006">
-    <mc:Choice xmlns:p14="http://schemas.microsoft.com/office/powerpoint/2010/main" Requires="p14">
+  <mc:AlternateContent xmlns:mc="http://schemas.openxmlformats.org/markup-compatibility/2006" xmlns:p14="http://schemas.microsoft.com/office/powerpoint/2010/main">
+    <mc:Choice Requires="p14">
       <p:transition spd="med" p14:dur="700">
         <p:fade/>
       </p:transition>
     </mc:Choice>
-    <mc:Fallback>
+    <mc:Fallback xmlns="">
       <p:transition spd="med">
         <p:fade/>
       </p:transition>
@@ -10193,7 +11384,7 @@
 </p:sld>
 </file>
 
-<file path=ppt/slides/slide24.xml><?xml version="1.0" encoding="utf-8"?>
+<file path=ppt/slides/slide26.xml><?xml version="1.0" encoding="utf-8"?>
 <p:sld xmlns:a="http://schemas.openxmlformats.org/drawingml/2006/main" xmlns:r="http://schemas.openxmlformats.org/officeDocument/2006/relationships" xmlns:p="http://schemas.openxmlformats.org/presentationml/2006/main">
   <p:cSld>
     <p:spTree>
@@ -10273,7 +11464,7 @@
           <a:p>
             <a:fld id="{719D7796-F675-488F-AC46-C88938C80352}" type="slidenum">
               <a:rPr lang="en-US" smtClean="0"/>
-              <a:t>24</a:t>
+              <a:t>26</a:t>
             </a:fld>
             <a:endParaRPr lang="en-US" dirty="0"/>
           </a:p>
@@ -10390,459 +11581,6 @@
 </p:sld>
 </file>
 
-<file path=ppt/slides/slide25.xml><?xml version="1.0" encoding="utf-8"?>
-<p:sld xmlns:a="http://schemas.openxmlformats.org/drawingml/2006/main" xmlns:r="http://schemas.openxmlformats.org/officeDocument/2006/relationships" xmlns:p="http://schemas.openxmlformats.org/presentationml/2006/main">
-  <p:cSld>
-    <p:spTree>
-      <p:nvGrpSpPr>
-        <p:cNvPr id="1" name=""/>
-        <p:cNvGrpSpPr/>
-        <p:nvPr/>
-      </p:nvGrpSpPr>
-      <p:grpSpPr>
-        <a:xfrm>
-          <a:off x="0" y="0"/>
-          <a:ext cx="0" cy="0"/>
-          <a:chOff x="0" y="0"/>
-          <a:chExt cx="0" cy="0"/>
-        </a:xfrm>
-      </p:grpSpPr>
-      <p:sp>
-        <p:nvSpPr>
-          <p:cNvPr id="2" name="Title 1">
-            <a:extLst>
-              <a:ext uri="{FF2B5EF4-FFF2-40B4-BE49-F238E27FC236}">
-                <a16:creationId xmlns:a16="http://schemas.microsoft.com/office/drawing/2014/main" id="{5A7265BD-9D76-B2B4-E1E4-0AA01C3A3E1F}"/>
-              </a:ext>
-            </a:extLst>
-          </p:cNvPr>
-          <p:cNvSpPr>
-            <a:spLocks noGrp="1"/>
-          </p:cNvSpPr>
-          <p:nvPr>
-            <p:ph type="title"/>
-          </p:nvPr>
-        </p:nvSpPr>
-        <p:spPr/>
-        <p:txBody>
-          <a:bodyPr/>
-          <a:lstStyle/>
-          <a:p>
-            <a:r>
-              <a:rPr lang="en-US" dirty="0"/>
-              <a:t>3. De </a:t>
-            </a:r>
-            <a:r>
-              <a:rPr lang="nl-BE" dirty="0"/>
-              <a:t>praktische</a:t>
-            </a:r>
-            <a:r>
-              <a:rPr lang="en-US" dirty="0"/>
-              <a:t> </a:t>
-            </a:r>
-            <a:r>
-              <a:rPr lang="en-US" dirty="0" err="1"/>
-              <a:t>proef</a:t>
-            </a:r>
-            <a:endParaRPr lang="nl-BE" dirty="0"/>
-          </a:p>
-        </p:txBody>
-      </p:sp>
-      <p:sp>
-        <p:nvSpPr>
-          <p:cNvPr id="3" name="Content Placeholder 2">
-            <a:extLst>
-              <a:ext uri="{FF2B5EF4-FFF2-40B4-BE49-F238E27FC236}">
-                <a16:creationId xmlns:a16="http://schemas.microsoft.com/office/drawing/2014/main" id="{6E25F141-97FE-D4F8-A34E-A4989E36CF8A}"/>
-              </a:ext>
-            </a:extLst>
-          </p:cNvPr>
-          <p:cNvSpPr>
-            <a:spLocks noGrp="1"/>
-          </p:cNvSpPr>
-          <p:nvPr>
-            <p:ph idx="1"/>
-          </p:nvPr>
-        </p:nvSpPr>
-        <p:spPr>
-          <a:xfrm>
-            <a:off x="1088136" y="2062768"/>
-            <a:ext cx="9922764" cy="3838722"/>
-          </a:xfrm>
-        </p:spPr>
-        <p:txBody>
-          <a:bodyPr>
-            <a:normAutofit/>
-          </a:bodyPr>
-          <a:lstStyle/>
-          <a:p>
-            <a:r>
-              <a:rPr lang="nl-BE" u="sng" dirty="0"/>
-              <a:t>De </a:t>
-            </a:r>
-            <a:r>
-              <a:rPr lang="nl-BE" u="sng" dirty="0" err="1"/>
-              <a:t>Raspberry</a:t>
-            </a:r>
-            <a:r>
-              <a:rPr lang="nl-BE" u="sng" dirty="0"/>
-              <a:t> Pi 4 B:</a:t>
-            </a:r>
-          </a:p>
-          <a:p>
-            <a:pPr lvl="1"/>
-            <a:r>
-              <a:rPr lang="nl-BE" dirty="0"/>
-              <a:t>Een single-board computer.</a:t>
-            </a:r>
-          </a:p>
-          <a:p>
-            <a:pPr lvl="1"/>
-            <a:endParaRPr lang="nl-BE" u="sng" dirty="0"/>
-          </a:p>
-          <a:p>
-            <a:pPr marL="0" indent="0">
-              <a:buNone/>
-            </a:pPr>
-            <a:endParaRPr lang="nl-BE" u="sng" dirty="0"/>
-          </a:p>
-        </p:txBody>
-      </p:sp>
-      <p:sp>
-        <p:nvSpPr>
-          <p:cNvPr id="4" name="Slide Number Placeholder 3">
-            <a:extLst>
-              <a:ext uri="{FF2B5EF4-FFF2-40B4-BE49-F238E27FC236}">
-                <a16:creationId xmlns:a16="http://schemas.microsoft.com/office/drawing/2014/main" id="{BE21E36D-9ADE-B65E-255D-F7D686638201}"/>
-              </a:ext>
-            </a:extLst>
-          </p:cNvPr>
-          <p:cNvSpPr>
-            <a:spLocks noGrp="1"/>
-          </p:cNvSpPr>
-          <p:nvPr>
-            <p:ph type="sldNum" sz="quarter" idx="12"/>
-          </p:nvPr>
-        </p:nvSpPr>
-        <p:spPr/>
-        <p:txBody>
-          <a:bodyPr/>
-          <a:lstStyle/>
-          <a:p>
-            <a:fld id="{719D7796-F675-488F-AC46-C88938C80352}" type="slidenum">
-              <a:rPr lang="en-US" smtClean="0"/>
-              <a:t>25</a:t>
-            </a:fld>
-            <a:endParaRPr lang="en-US" dirty="0"/>
-          </a:p>
-        </p:txBody>
-      </p:sp>
-      <p:sp>
-        <p:nvSpPr>
-          <p:cNvPr id="5" name="Footer Placeholder 4">
-            <a:extLst>
-              <a:ext uri="{FF2B5EF4-FFF2-40B4-BE49-F238E27FC236}">
-                <a16:creationId xmlns:a16="http://schemas.microsoft.com/office/drawing/2014/main" id="{32D3AD75-5125-42F4-8C56-256B3E44A858}"/>
-              </a:ext>
-            </a:extLst>
-          </p:cNvPr>
-          <p:cNvSpPr>
-            <a:spLocks noGrp="1"/>
-          </p:cNvSpPr>
-          <p:nvPr>
-            <p:ph type="ftr" sz="quarter" idx="11"/>
-          </p:nvPr>
-        </p:nvSpPr>
-        <p:spPr/>
-        <p:txBody>
-          <a:bodyPr/>
-          <a:lstStyle/>
-          <a:p>
-            <a:r>
-              <a:rPr lang="nl-BE" dirty="0"/>
-              <a:t>Het onderhouden van kamerplanten automatiseren - Eduard Smet</a:t>
-            </a:r>
-            <a:endParaRPr lang="en-US" dirty="0"/>
-          </a:p>
-        </p:txBody>
-      </p:sp>
-      <p:sp>
-        <p:nvSpPr>
-          <p:cNvPr id="6" name="Date Placeholder 5">
-            <a:extLst>
-              <a:ext uri="{FF2B5EF4-FFF2-40B4-BE49-F238E27FC236}">
-                <a16:creationId xmlns:a16="http://schemas.microsoft.com/office/drawing/2014/main" id="{92A0768E-42FB-CF56-882C-72EF5CAB8F44}"/>
-              </a:ext>
-            </a:extLst>
-          </p:cNvPr>
-          <p:cNvSpPr>
-            <a:spLocks noGrp="1"/>
-          </p:cNvSpPr>
-          <p:nvPr>
-            <p:ph type="dt" sz="half" idx="10"/>
-          </p:nvPr>
-        </p:nvSpPr>
-        <p:spPr/>
-        <p:txBody>
-          <a:bodyPr/>
-          <a:lstStyle/>
-          <a:p>
-            <a:r>
-              <a:rPr lang="en-US" dirty="0"/>
-              <a:t>31/1/2023</a:t>
-            </a:r>
-          </a:p>
-        </p:txBody>
-      </p:sp>
-    </p:spTree>
-    <p:extLst>
-      <p:ext uri="{BB962C8B-B14F-4D97-AF65-F5344CB8AC3E}">
-        <p14:creationId xmlns:p14="http://schemas.microsoft.com/office/powerpoint/2010/main" val="258226983"/>
-      </p:ext>
-    </p:extLst>
-  </p:cSld>
-  <p:clrMapOvr>
-    <a:masterClrMapping/>
-  </p:clrMapOvr>
-  <mc:AlternateContent xmlns:mc="http://schemas.openxmlformats.org/markup-compatibility/2006">
-    <mc:Choice xmlns:p14="http://schemas.microsoft.com/office/powerpoint/2010/main" Requires="p14">
-      <p:transition spd="med" p14:dur="700">
-        <p:fade/>
-      </p:transition>
-    </mc:Choice>
-    <mc:Fallback>
-      <p:transition spd="med">
-        <p:fade/>
-      </p:transition>
-    </mc:Fallback>
-  </mc:AlternateContent>
-</p:sld>
-</file>
-
-<file path=ppt/slides/slide26.xml><?xml version="1.0" encoding="utf-8"?>
-<p:sld xmlns:a="http://schemas.openxmlformats.org/drawingml/2006/main" xmlns:r="http://schemas.openxmlformats.org/officeDocument/2006/relationships" xmlns:p="http://schemas.openxmlformats.org/presentationml/2006/main">
-  <p:cSld>
-    <p:spTree>
-      <p:nvGrpSpPr>
-        <p:cNvPr id="1" name=""/>
-        <p:cNvGrpSpPr/>
-        <p:nvPr/>
-      </p:nvGrpSpPr>
-      <p:grpSpPr>
-        <a:xfrm>
-          <a:off x="0" y="0"/>
-          <a:ext cx="0" cy="0"/>
-          <a:chOff x="0" y="0"/>
-          <a:chExt cx="0" cy="0"/>
-        </a:xfrm>
-      </p:grpSpPr>
-      <p:sp>
-        <p:nvSpPr>
-          <p:cNvPr id="2" name="Title 1">
-            <a:extLst>
-              <a:ext uri="{FF2B5EF4-FFF2-40B4-BE49-F238E27FC236}">
-                <a16:creationId xmlns:a16="http://schemas.microsoft.com/office/drawing/2014/main" id="{5A7265BD-9D76-B2B4-E1E4-0AA01C3A3E1F}"/>
-              </a:ext>
-            </a:extLst>
-          </p:cNvPr>
-          <p:cNvSpPr>
-            <a:spLocks noGrp="1"/>
-          </p:cNvSpPr>
-          <p:nvPr>
-            <p:ph type="title"/>
-          </p:nvPr>
-        </p:nvSpPr>
-        <p:spPr/>
-        <p:txBody>
-          <a:bodyPr/>
-          <a:lstStyle/>
-          <a:p>
-            <a:r>
-              <a:rPr lang="nl-BE" dirty="0"/>
-              <a:t>3. De praktische proef</a:t>
-            </a:r>
-          </a:p>
-        </p:txBody>
-      </p:sp>
-      <p:sp>
-        <p:nvSpPr>
-          <p:cNvPr id="3" name="Content Placeholder 2">
-            <a:extLst>
-              <a:ext uri="{FF2B5EF4-FFF2-40B4-BE49-F238E27FC236}">
-                <a16:creationId xmlns:a16="http://schemas.microsoft.com/office/drawing/2014/main" id="{6E25F141-97FE-D4F8-A34E-A4989E36CF8A}"/>
-              </a:ext>
-            </a:extLst>
-          </p:cNvPr>
-          <p:cNvSpPr>
-            <a:spLocks noGrp="1"/>
-          </p:cNvSpPr>
-          <p:nvPr>
-            <p:ph idx="1"/>
-          </p:nvPr>
-        </p:nvSpPr>
-        <p:spPr>
-          <a:xfrm>
-            <a:off x="1088136" y="2062768"/>
-            <a:ext cx="9922764" cy="3838722"/>
-          </a:xfrm>
-        </p:spPr>
-        <p:txBody>
-          <a:bodyPr>
-            <a:normAutofit/>
-          </a:bodyPr>
-          <a:lstStyle/>
-          <a:p>
-            <a:r>
-              <a:rPr lang="nl-BE" u="sng" dirty="0"/>
-              <a:t>De huidige voortgang:</a:t>
-            </a:r>
-          </a:p>
-          <a:p>
-            <a:r>
-              <a:rPr lang="nl-BE" dirty="0"/>
-              <a:t>Heb zo goed als alle componenten al.</a:t>
-            </a:r>
-          </a:p>
-          <a:p>
-            <a:r>
-              <a:rPr lang="nl-BE" dirty="0"/>
-              <a:t>Begonnen met testen en bouwen van het systeem.</a:t>
-            </a:r>
-          </a:p>
-          <a:p>
-            <a:endParaRPr lang="nl-BE" u="sng" dirty="0"/>
-          </a:p>
-          <a:p>
-            <a:r>
-              <a:rPr lang="nl-BE" u="sng" dirty="0"/>
-              <a:t>De moeilijkheden:</a:t>
-            </a:r>
-          </a:p>
-          <a:p>
-            <a:r>
-              <a:rPr lang="nl-BE" dirty="0"/>
-              <a:t>Weinig kennis met het werken met een Raspberry Pi en de sensoren.</a:t>
-            </a:r>
-          </a:p>
-          <a:p>
-            <a:r>
-              <a:rPr lang="nl-BE" dirty="0"/>
-              <a:t>Research doen in verband met de Raspberry Pi.</a:t>
-            </a:r>
-          </a:p>
-        </p:txBody>
-      </p:sp>
-      <p:sp>
-        <p:nvSpPr>
-          <p:cNvPr id="4" name="Slide Number Placeholder 3">
-            <a:extLst>
-              <a:ext uri="{FF2B5EF4-FFF2-40B4-BE49-F238E27FC236}">
-                <a16:creationId xmlns:a16="http://schemas.microsoft.com/office/drawing/2014/main" id="{BE21E36D-9ADE-B65E-255D-F7D686638201}"/>
-              </a:ext>
-            </a:extLst>
-          </p:cNvPr>
-          <p:cNvSpPr>
-            <a:spLocks noGrp="1"/>
-          </p:cNvSpPr>
-          <p:nvPr>
-            <p:ph type="sldNum" sz="quarter" idx="12"/>
-          </p:nvPr>
-        </p:nvSpPr>
-        <p:spPr/>
-        <p:txBody>
-          <a:bodyPr/>
-          <a:lstStyle/>
-          <a:p>
-            <a:fld id="{719D7796-F675-488F-AC46-C88938C80352}" type="slidenum">
-              <a:rPr lang="en-US" smtClean="0"/>
-              <a:t>26</a:t>
-            </a:fld>
-            <a:endParaRPr lang="en-US" dirty="0"/>
-          </a:p>
-        </p:txBody>
-      </p:sp>
-      <p:sp>
-        <p:nvSpPr>
-          <p:cNvPr id="5" name="Footer Placeholder 4">
-            <a:extLst>
-              <a:ext uri="{FF2B5EF4-FFF2-40B4-BE49-F238E27FC236}">
-                <a16:creationId xmlns:a16="http://schemas.microsoft.com/office/drawing/2014/main" id="{32D3AD75-5125-42F4-8C56-256B3E44A858}"/>
-              </a:ext>
-            </a:extLst>
-          </p:cNvPr>
-          <p:cNvSpPr>
-            <a:spLocks noGrp="1"/>
-          </p:cNvSpPr>
-          <p:nvPr>
-            <p:ph type="ftr" sz="quarter" idx="11"/>
-          </p:nvPr>
-        </p:nvSpPr>
-        <p:spPr/>
-        <p:txBody>
-          <a:bodyPr/>
-          <a:lstStyle/>
-          <a:p>
-            <a:r>
-              <a:rPr lang="nl-BE" dirty="0"/>
-              <a:t>Het onderhouden van kamerplanten automatiseren - Eduard Smet</a:t>
-            </a:r>
-            <a:endParaRPr lang="en-US" dirty="0"/>
-          </a:p>
-        </p:txBody>
-      </p:sp>
-      <p:sp>
-        <p:nvSpPr>
-          <p:cNvPr id="6" name="Date Placeholder 5">
-            <a:extLst>
-              <a:ext uri="{FF2B5EF4-FFF2-40B4-BE49-F238E27FC236}">
-                <a16:creationId xmlns:a16="http://schemas.microsoft.com/office/drawing/2014/main" id="{92A0768E-42FB-CF56-882C-72EF5CAB8F44}"/>
-              </a:ext>
-            </a:extLst>
-          </p:cNvPr>
-          <p:cNvSpPr>
-            <a:spLocks noGrp="1"/>
-          </p:cNvSpPr>
-          <p:nvPr>
-            <p:ph type="dt" sz="half" idx="10"/>
-          </p:nvPr>
-        </p:nvSpPr>
-        <p:spPr/>
-        <p:txBody>
-          <a:bodyPr/>
-          <a:lstStyle/>
-          <a:p>
-            <a:r>
-              <a:rPr lang="en-US" dirty="0"/>
-              <a:t>31/1/2023</a:t>
-            </a:r>
-          </a:p>
-        </p:txBody>
-      </p:sp>
-    </p:spTree>
-    <p:extLst>
-      <p:ext uri="{BB962C8B-B14F-4D97-AF65-F5344CB8AC3E}">
-        <p14:creationId xmlns:p14="http://schemas.microsoft.com/office/powerpoint/2010/main" val="33546057"/>
-      </p:ext>
-    </p:extLst>
-  </p:cSld>
-  <p:clrMapOvr>
-    <a:masterClrMapping/>
-  </p:clrMapOvr>
-  <mc:AlternateContent xmlns:mc="http://schemas.openxmlformats.org/markup-compatibility/2006" xmlns:p14="http://schemas.microsoft.com/office/powerpoint/2010/main">
-    <mc:Choice Requires="p14">
-      <p:transition spd="med" p14:dur="700">
-        <p:fade/>
-      </p:transition>
-    </mc:Choice>
-    <mc:Fallback xmlns="">
-      <p:transition spd="med">
-        <p:fade/>
-      </p:transition>
-    </mc:Fallback>
-  </mc:AlternateContent>
-</p:sld>
-</file>
-
 <file path=ppt/slides/slide27.xml><?xml version="1.0" encoding="utf-8"?>
 <p:sld xmlns:a="http://schemas.openxmlformats.org/drawingml/2006/main" xmlns:r="http://schemas.openxmlformats.org/officeDocument/2006/relationships" xmlns:p="http://schemas.openxmlformats.org/presentationml/2006/main">
   <p:cSld>
@@ -10882,9 +11620,22 @@
           <a:lstStyle/>
           <a:p>
             <a:r>
+              <a:rPr lang="en-US" dirty="0"/>
+              <a:t>3. De </a:t>
+            </a:r>
+            <a:r>
               <a:rPr lang="nl-BE" dirty="0"/>
-              <a:t>4. Voorlopige conclusie</a:t>
-            </a:r>
+              <a:t>praktische</a:t>
+            </a:r>
+            <a:r>
+              <a:rPr lang="en-US" dirty="0"/>
+              <a:t> </a:t>
+            </a:r>
+            <a:r>
+              <a:rPr lang="en-US" dirty="0" err="1"/>
+              <a:t>proef</a:t>
+            </a:r>
+            <a:endParaRPr lang="nl-BE" dirty="0"/>
           </a:p>
         </p:txBody>
       </p:sp>
@@ -10912,75 +11663,34 @@
         </p:spPr>
         <p:txBody>
           <a:bodyPr>
-            <a:normAutofit fontScale="70000" lnSpcReduction="20000"/>
+            <a:normAutofit/>
           </a:bodyPr>
           <a:lstStyle/>
           <a:p>
             <a:r>
               <a:rPr lang="nl-BE" u="sng" dirty="0"/>
-              <a:t>Wat ik al heb bijgeleerd:</a:t>
-            </a:r>
-          </a:p>
-          <a:p>
+              <a:t>De Raspberry Pi 4 B:</a:t>
+            </a:r>
+          </a:p>
+          <a:p>
+            <a:pPr lvl="1"/>
             <a:r>
               <a:rPr lang="nl-BE" dirty="0"/>
-              <a:t>Veel over Raspberry Pi en alles in verband met de </a:t>
-            </a:r>
-            <a:r>
-              <a:rPr lang="nl-BE" dirty="0" err="1"/>
-              <a:t>Raspberry</a:t>
-            </a:r>
+              <a:t>Een single-board computer.</a:t>
+            </a:r>
+          </a:p>
+          <a:p>
+            <a:pPr lvl="1"/>
             <a:r>
               <a:rPr lang="nl-BE" dirty="0"/>
-              <a:t> Pi .</a:t>
-            </a:r>
-          </a:p>
-          <a:p>
-            <a:endParaRPr lang="nl-BE" u="sng" dirty="0"/>
-          </a:p>
-          <a:p>
-            <a:r>
-              <a:rPr lang="nl-BE" u="sng" dirty="0"/>
-              <a:t>Wat ik nog moet doen:</a:t>
-            </a:r>
-          </a:p>
-          <a:p>
+              <a:t>Kunnen sensoren aan verbonden worden.</a:t>
+            </a:r>
+          </a:p>
+          <a:p>
+            <a:pPr lvl="1"/>
             <a:r>
               <a:rPr lang="nl-BE" dirty="0"/>
-              <a:t>Nog de theorie achter dit alles verder onderzoeken.</a:t>
-            </a:r>
-          </a:p>
-          <a:p>
-            <a:r>
-              <a:rPr lang="nl-BE" dirty="0"/>
-              <a:t>Een interview met een persoon/bedrijf.</a:t>
-            </a:r>
-          </a:p>
-          <a:p>
-            <a:r>
-              <a:rPr lang="nl-BE" dirty="0"/>
-              <a:t>Nog wat dingen oplossen met de Raspberry Pi.</a:t>
-            </a:r>
-          </a:p>
-          <a:p>
-            <a:r>
-              <a:rPr lang="nl-BE" dirty="0"/>
-              <a:t>De praktische proef zelf uitvoeren.</a:t>
-            </a:r>
-          </a:p>
-          <a:p>
-            <a:endParaRPr lang="nl-BE" u="sng" dirty="0"/>
-          </a:p>
-          <a:p>
-            <a:r>
-              <a:rPr lang="nl-BE" u="sng" dirty="0"/>
-              <a:t>Zelfreflectie:</a:t>
-            </a:r>
-          </a:p>
-          <a:p>
-            <a:r>
-              <a:rPr lang="nl-BE" dirty="0"/>
-              <a:t>Gaat in het algemeen wel vlot.</a:t>
+              <a:t>Ondersteund WIFI.</a:t>
             </a:r>
           </a:p>
         </p:txBody>
@@ -11074,7 +11784,7 @@
     </p:spTree>
     <p:extLst>
       <p:ext uri="{BB962C8B-B14F-4D97-AF65-F5344CB8AC3E}">
-        <p14:creationId xmlns:p14="http://schemas.microsoft.com/office/powerpoint/2010/main" val="3371319163"/>
+        <p14:creationId xmlns:p14="http://schemas.microsoft.com/office/powerpoint/2010/main" val="258226983"/>
       </p:ext>
     </p:extLst>
   </p:cSld>
@@ -11118,137 +11828,47 @@
           <p:cNvPr id="2" name="Title 1">
             <a:extLst>
               <a:ext uri="{FF2B5EF4-FFF2-40B4-BE49-F238E27FC236}">
-                <a16:creationId xmlns:a16="http://schemas.microsoft.com/office/drawing/2014/main" id="{8781BF17-D86E-5939-9D36-2374C185476C}"/>
-              </a:ext>
-            </a:extLst>
-          </p:cNvPr>
-          <p:cNvSpPr>
-            <a:spLocks noGrp="1"/>
-          </p:cNvSpPr>
-          <p:nvPr>
-            <p:ph type="ctrTitle"/>
-          </p:nvPr>
-        </p:nvSpPr>
-        <p:spPr>
-          <a:xfrm>
-            <a:off x="1451952" y="2659942"/>
-            <a:ext cx="9288096" cy="769058"/>
-          </a:xfrm>
-        </p:spPr>
-        <p:txBody>
-          <a:bodyPr/>
-          <a:lstStyle/>
-          <a:p>
-            <a:pPr algn="ctr"/>
+                <a16:creationId xmlns:a16="http://schemas.microsoft.com/office/drawing/2014/main" id="{5A7265BD-9D76-B2B4-E1E4-0AA01C3A3E1F}"/>
+              </a:ext>
+            </a:extLst>
+          </p:cNvPr>
+          <p:cNvSpPr>
+            <a:spLocks noGrp="1"/>
+          </p:cNvSpPr>
+          <p:nvPr>
+            <p:ph type="title"/>
+          </p:nvPr>
+        </p:nvSpPr>
+        <p:spPr/>
+        <p:txBody>
+          <a:bodyPr/>
+          <a:lstStyle/>
+          <a:p>
+            <a:r>
+              <a:rPr lang="en-US" dirty="0"/>
+              <a:t>3. De </a:t>
+            </a:r>
             <a:r>
               <a:rPr lang="nl-BE" dirty="0"/>
-              <a:t>Einde</a:t>
-            </a:r>
-          </a:p>
-        </p:txBody>
-      </p:sp>
-      <p:sp>
-        <p:nvSpPr>
-          <p:cNvPr id="3" name="Subtitle 2">
-            <a:extLst>
-              <a:ext uri="{FF2B5EF4-FFF2-40B4-BE49-F238E27FC236}">
-                <a16:creationId xmlns:a16="http://schemas.microsoft.com/office/drawing/2014/main" id="{66057CA6-4361-F212-916C-6162506E42C8}"/>
-              </a:ext>
-            </a:extLst>
-          </p:cNvPr>
-          <p:cNvSpPr>
-            <a:spLocks noGrp="1"/>
-          </p:cNvSpPr>
-          <p:nvPr>
-            <p:ph type="subTitle" idx="1"/>
-          </p:nvPr>
-        </p:nvSpPr>
-        <p:spPr>
-          <a:xfrm>
-            <a:off x="1451952" y="3852117"/>
-            <a:ext cx="9288096" cy="1435331"/>
-          </a:xfrm>
-        </p:spPr>
-        <p:txBody>
-          <a:bodyPr/>
-          <a:lstStyle/>
-          <a:p>
-            <a:pPr algn="ctr"/>
-            <a:r>
-              <a:rPr lang="nl-BE"/>
-              <a:t>Dank u </a:t>
+              <a:t>praktische</a:t>
+            </a:r>
+            <a:r>
+              <a:rPr lang="en-US" dirty="0"/>
+              <a:t> </a:t>
             </a:r>
             <a:r>
               <a:rPr lang="nl-BE" dirty="0"/>
-              <a:t>voor uw aandacht!</a:t>
-            </a:r>
-          </a:p>
-        </p:txBody>
-      </p:sp>
-      <p:sp>
-        <p:nvSpPr>
-          <p:cNvPr id="4" name="Date Placeholder 3">
-            <a:extLst>
-              <a:ext uri="{FF2B5EF4-FFF2-40B4-BE49-F238E27FC236}">
-                <a16:creationId xmlns:a16="http://schemas.microsoft.com/office/drawing/2014/main" id="{43CD1E27-E238-2AC8-E7AB-BDD75216EA64}"/>
-              </a:ext>
-            </a:extLst>
-          </p:cNvPr>
-          <p:cNvSpPr>
-            <a:spLocks noGrp="1"/>
-          </p:cNvSpPr>
-          <p:nvPr>
-            <p:ph type="dt" sz="half" idx="10"/>
-          </p:nvPr>
-        </p:nvSpPr>
-        <p:spPr/>
-        <p:txBody>
-          <a:bodyPr/>
-          <a:lstStyle/>
-          <a:p>
-            <a:r>
-              <a:rPr lang="en-US"/>
-              <a:t>31/1/2023</a:t>
-            </a:r>
-            <a:endParaRPr lang="en-US" dirty="0"/>
-          </a:p>
-        </p:txBody>
-      </p:sp>
-      <p:sp>
-        <p:nvSpPr>
-          <p:cNvPr id="5" name="Footer Placeholder 4">
-            <a:extLst>
-              <a:ext uri="{FF2B5EF4-FFF2-40B4-BE49-F238E27FC236}">
-                <a16:creationId xmlns:a16="http://schemas.microsoft.com/office/drawing/2014/main" id="{FAB2D28C-C005-428D-1A40-795DC3CBB459}"/>
-              </a:ext>
-            </a:extLst>
-          </p:cNvPr>
-          <p:cNvSpPr>
-            <a:spLocks noGrp="1"/>
-          </p:cNvSpPr>
-          <p:nvPr>
-            <p:ph type="ftr" sz="quarter" idx="11"/>
-          </p:nvPr>
-        </p:nvSpPr>
-        <p:spPr/>
-        <p:txBody>
-          <a:bodyPr/>
-          <a:lstStyle/>
-          <a:p>
-            <a:r>
-              <a:rPr lang="nl-BE"/>
-              <a:t>Het onderhouden van kamerplanten automatiseren - Eduard Smet</a:t>
-            </a:r>
-            <a:endParaRPr lang="en-US" dirty="0"/>
-          </a:p>
-        </p:txBody>
-      </p:sp>
-      <p:sp>
-        <p:nvSpPr>
-          <p:cNvPr id="6" name="Slide Number Placeholder 5">
-            <a:extLst>
-              <a:ext uri="{FF2B5EF4-FFF2-40B4-BE49-F238E27FC236}">
-                <a16:creationId xmlns:a16="http://schemas.microsoft.com/office/drawing/2014/main" id="{6F009B0F-EB2C-FA50-A529-4D8D72293199}"/>
+              <a:t>proef</a:t>
+            </a:r>
+          </a:p>
+        </p:txBody>
+      </p:sp>
+      <p:sp>
+        <p:nvSpPr>
+          <p:cNvPr id="4" name="Slide Number Placeholder 3">
+            <a:extLst>
+              <a:ext uri="{FF2B5EF4-FFF2-40B4-BE49-F238E27FC236}">
+                <a16:creationId xmlns:a16="http://schemas.microsoft.com/office/drawing/2014/main" id="{BE21E36D-9ADE-B65E-255D-F7D686638201}"/>
               </a:ext>
             </a:extLst>
           </p:cNvPr>
@@ -11272,16 +11892,325 @@
           </a:p>
         </p:txBody>
       </p:sp>
+      <p:sp>
+        <p:nvSpPr>
+          <p:cNvPr id="5" name="Footer Placeholder 4">
+            <a:extLst>
+              <a:ext uri="{FF2B5EF4-FFF2-40B4-BE49-F238E27FC236}">
+                <a16:creationId xmlns:a16="http://schemas.microsoft.com/office/drawing/2014/main" id="{32D3AD75-5125-42F4-8C56-256B3E44A858}"/>
+              </a:ext>
+            </a:extLst>
+          </p:cNvPr>
+          <p:cNvSpPr>
+            <a:spLocks noGrp="1"/>
+          </p:cNvSpPr>
+          <p:nvPr>
+            <p:ph type="ftr" sz="quarter" idx="11"/>
+          </p:nvPr>
+        </p:nvSpPr>
+        <p:spPr/>
+        <p:txBody>
+          <a:bodyPr/>
+          <a:lstStyle/>
+          <a:p>
+            <a:r>
+              <a:rPr lang="nl-BE" dirty="0"/>
+              <a:t>Het onderhouden van kamerplanten automatiseren - Eduard Smet</a:t>
+            </a:r>
+            <a:endParaRPr lang="en-US" dirty="0"/>
+          </a:p>
+        </p:txBody>
+      </p:sp>
+      <p:sp>
+        <p:nvSpPr>
+          <p:cNvPr id="6" name="Date Placeholder 5">
+            <a:extLst>
+              <a:ext uri="{FF2B5EF4-FFF2-40B4-BE49-F238E27FC236}">
+                <a16:creationId xmlns:a16="http://schemas.microsoft.com/office/drawing/2014/main" id="{92A0768E-42FB-CF56-882C-72EF5CAB8F44}"/>
+              </a:ext>
+            </a:extLst>
+          </p:cNvPr>
+          <p:cNvSpPr>
+            <a:spLocks noGrp="1"/>
+          </p:cNvSpPr>
+          <p:nvPr>
+            <p:ph type="dt" sz="half" idx="10"/>
+          </p:nvPr>
+        </p:nvSpPr>
+        <p:spPr/>
+        <p:txBody>
+          <a:bodyPr/>
+          <a:lstStyle/>
+          <a:p>
+            <a:r>
+              <a:rPr lang="en-US" dirty="0"/>
+              <a:t>31/1/2023</a:t>
+            </a:r>
+          </a:p>
+        </p:txBody>
+      </p:sp>
+      <p:pic>
+        <p:nvPicPr>
+          <p:cNvPr id="3" name="Picture 2">
+            <a:extLst>
+              <a:ext uri="{FF2B5EF4-FFF2-40B4-BE49-F238E27FC236}">
+                <a16:creationId xmlns:a16="http://schemas.microsoft.com/office/drawing/2014/main" id="{1AB5A180-28B6-CAA4-B0EE-6F643D58F1CB}"/>
+              </a:ext>
+            </a:extLst>
+          </p:cNvPr>
+          <p:cNvPicPr>
+            <a:picLocks noChangeAspect="1"/>
+          </p:cNvPicPr>
+          <p:nvPr/>
+        </p:nvPicPr>
+        <p:blipFill rotWithShape="1">
+          <a:blip r:embed="rId2"/>
+          <a:srcRect l="36145" t="24593" b="54080"/>
+          <a:stretch/>
+        </p:blipFill>
+        <p:spPr>
+          <a:xfrm>
+            <a:off x="2085294" y="2384473"/>
+            <a:ext cx="7928447" cy="3493008"/>
+          </a:xfrm>
+          <a:prstGeom prst="rect">
+            <a:avLst/>
+          </a:prstGeom>
+        </p:spPr>
+      </p:pic>
     </p:spTree>
     <p:extLst>
       <p:ext uri="{BB962C8B-B14F-4D97-AF65-F5344CB8AC3E}">
-        <p14:creationId xmlns:p14="http://schemas.microsoft.com/office/powerpoint/2010/main" val="3957673451"/>
+        <p14:creationId xmlns:p14="http://schemas.microsoft.com/office/powerpoint/2010/main" val="1504613972"/>
       </p:ext>
     </p:extLst>
   </p:cSld>
   <p:clrMapOvr>
     <a:masterClrMapping/>
   </p:clrMapOvr>
+  <mc:AlternateContent xmlns:mc="http://schemas.openxmlformats.org/markup-compatibility/2006" xmlns:p14="http://schemas.microsoft.com/office/powerpoint/2010/main">
+    <mc:Choice Requires="p14">
+      <p:transition spd="med" p14:dur="700">
+        <p:fade/>
+      </p:transition>
+    </mc:Choice>
+    <mc:Fallback xmlns="">
+      <p:transition spd="med">
+        <p:fade/>
+      </p:transition>
+    </mc:Fallback>
+  </mc:AlternateContent>
+</p:sld>
+</file>
+
+<file path=ppt/slides/slide29.xml><?xml version="1.0" encoding="utf-8"?>
+<p:sld xmlns:a="http://schemas.openxmlformats.org/drawingml/2006/main" xmlns:r="http://schemas.openxmlformats.org/officeDocument/2006/relationships" xmlns:p="http://schemas.openxmlformats.org/presentationml/2006/main">
+  <p:cSld>
+    <p:spTree>
+      <p:nvGrpSpPr>
+        <p:cNvPr id="1" name=""/>
+        <p:cNvGrpSpPr/>
+        <p:nvPr/>
+      </p:nvGrpSpPr>
+      <p:grpSpPr>
+        <a:xfrm>
+          <a:off x="0" y="0"/>
+          <a:ext cx="0" cy="0"/>
+          <a:chOff x="0" y="0"/>
+          <a:chExt cx="0" cy="0"/>
+        </a:xfrm>
+      </p:grpSpPr>
+      <p:sp>
+        <p:nvSpPr>
+          <p:cNvPr id="2" name="Title 1">
+            <a:extLst>
+              <a:ext uri="{FF2B5EF4-FFF2-40B4-BE49-F238E27FC236}">
+                <a16:creationId xmlns:a16="http://schemas.microsoft.com/office/drawing/2014/main" id="{5A7265BD-9D76-B2B4-E1E4-0AA01C3A3E1F}"/>
+              </a:ext>
+            </a:extLst>
+          </p:cNvPr>
+          <p:cNvSpPr>
+            <a:spLocks noGrp="1"/>
+          </p:cNvSpPr>
+          <p:nvPr>
+            <p:ph type="title"/>
+          </p:nvPr>
+        </p:nvSpPr>
+        <p:spPr/>
+        <p:txBody>
+          <a:bodyPr/>
+          <a:lstStyle/>
+          <a:p>
+            <a:r>
+              <a:rPr lang="en-US" dirty="0"/>
+              <a:t>3. De </a:t>
+            </a:r>
+            <a:r>
+              <a:rPr lang="nl-BE" dirty="0"/>
+              <a:t>praktische</a:t>
+            </a:r>
+            <a:r>
+              <a:rPr lang="en-US" dirty="0"/>
+              <a:t> </a:t>
+            </a:r>
+            <a:r>
+              <a:rPr lang="en-US" dirty="0" err="1"/>
+              <a:t>proef</a:t>
+            </a:r>
+            <a:endParaRPr lang="nl-BE" dirty="0"/>
+          </a:p>
+        </p:txBody>
+      </p:sp>
+      <p:sp>
+        <p:nvSpPr>
+          <p:cNvPr id="3" name="Content Placeholder 2">
+            <a:extLst>
+              <a:ext uri="{FF2B5EF4-FFF2-40B4-BE49-F238E27FC236}">
+                <a16:creationId xmlns:a16="http://schemas.microsoft.com/office/drawing/2014/main" id="{6E25F141-97FE-D4F8-A34E-A4989E36CF8A}"/>
+              </a:ext>
+            </a:extLst>
+          </p:cNvPr>
+          <p:cNvSpPr>
+            <a:spLocks noGrp="1"/>
+          </p:cNvSpPr>
+          <p:nvPr>
+            <p:ph idx="1"/>
+          </p:nvPr>
+        </p:nvSpPr>
+        <p:spPr>
+          <a:xfrm>
+            <a:off x="1088136" y="2062768"/>
+            <a:ext cx="9922764" cy="3838722"/>
+          </a:xfrm>
+        </p:spPr>
+        <p:txBody>
+          <a:bodyPr>
+            <a:normAutofit/>
+          </a:bodyPr>
+          <a:lstStyle/>
+          <a:p>
+            <a:r>
+              <a:rPr lang="nl-BE" u="sng" dirty="0"/>
+              <a:t>De sensoren:</a:t>
+            </a:r>
+          </a:p>
+          <a:p>
+            <a:pPr lvl="1"/>
+            <a:r>
+              <a:rPr lang="nl-BE" u="sng" dirty="0"/>
+              <a:t>3 Bodemvochtigheidssensoren:</a:t>
+            </a:r>
+          </a:p>
+        </p:txBody>
+      </p:sp>
+      <p:sp>
+        <p:nvSpPr>
+          <p:cNvPr id="4" name="Slide Number Placeholder 3">
+            <a:extLst>
+              <a:ext uri="{FF2B5EF4-FFF2-40B4-BE49-F238E27FC236}">
+                <a16:creationId xmlns:a16="http://schemas.microsoft.com/office/drawing/2014/main" id="{BE21E36D-9ADE-B65E-255D-F7D686638201}"/>
+              </a:ext>
+            </a:extLst>
+          </p:cNvPr>
+          <p:cNvSpPr>
+            <a:spLocks noGrp="1"/>
+          </p:cNvSpPr>
+          <p:nvPr>
+            <p:ph type="sldNum" sz="quarter" idx="12"/>
+          </p:nvPr>
+        </p:nvSpPr>
+        <p:spPr/>
+        <p:txBody>
+          <a:bodyPr/>
+          <a:lstStyle/>
+          <a:p>
+            <a:fld id="{719D7796-F675-488F-AC46-C88938C80352}" type="slidenum">
+              <a:rPr lang="en-US" smtClean="0"/>
+              <a:t>29</a:t>
+            </a:fld>
+            <a:endParaRPr lang="en-US" dirty="0"/>
+          </a:p>
+        </p:txBody>
+      </p:sp>
+      <p:sp>
+        <p:nvSpPr>
+          <p:cNvPr id="5" name="Footer Placeholder 4">
+            <a:extLst>
+              <a:ext uri="{FF2B5EF4-FFF2-40B4-BE49-F238E27FC236}">
+                <a16:creationId xmlns:a16="http://schemas.microsoft.com/office/drawing/2014/main" id="{32D3AD75-5125-42F4-8C56-256B3E44A858}"/>
+              </a:ext>
+            </a:extLst>
+          </p:cNvPr>
+          <p:cNvSpPr>
+            <a:spLocks noGrp="1"/>
+          </p:cNvSpPr>
+          <p:nvPr>
+            <p:ph type="ftr" sz="quarter" idx="11"/>
+          </p:nvPr>
+        </p:nvSpPr>
+        <p:spPr/>
+        <p:txBody>
+          <a:bodyPr/>
+          <a:lstStyle/>
+          <a:p>
+            <a:r>
+              <a:rPr lang="nl-BE" dirty="0"/>
+              <a:t>Het onderhouden van kamerplanten automatiseren - Eduard Smet</a:t>
+            </a:r>
+            <a:endParaRPr lang="en-US" dirty="0"/>
+          </a:p>
+        </p:txBody>
+      </p:sp>
+      <p:sp>
+        <p:nvSpPr>
+          <p:cNvPr id="6" name="Date Placeholder 5">
+            <a:extLst>
+              <a:ext uri="{FF2B5EF4-FFF2-40B4-BE49-F238E27FC236}">
+                <a16:creationId xmlns:a16="http://schemas.microsoft.com/office/drawing/2014/main" id="{92A0768E-42FB-CF56-882C-72EF5CAB8F44}"/>
+              </a:ext>
+            </a:extLst>
+          </p:cNvPr>
+          <p:cNvSpPr>
+            <a:spLocks noGrp="1"/>
+          </p:cNvSpPr>
+          <p:nvPr>
+            <p:ph type="dt" sz="half" idx="10"/>
+          </p:nvPr>
+        </p:nvSpPr>
+        <p:spPr/>
+        <p:txBody>
+          <a:bodyPr/>
+          <a:lstStyle/>
+          <a:p>
+            <a:r>
+              <a:rPr lang="en-US" dirty="0"/>
+              <a:t>31/1/2023</a:t>
+            </a:r>
+          </a:p>
+        </p:txBody>
+      </p:sp>
+    </p:spTree>
+    <p:extLst>
+      <p:ext uri="{BB962C8B-B14F-4D97-AF65-F5344CB8AC3E}">
+        <p14:creationId xmlns:p14="http://schemas.microsoft.com/office/powerpoint/2010/main" val="235842315"/>
+      </p:ext>
+    </p:extLst>
+  </p:cSld>
+  <p:clrMapOvr>
+    <a:masterClrMapping/>
+  </p:clrMapOvr>
+  <mc:AlternateContent xmlns:mc="http://schemas.openxmlformats.org/markup-compatibility/2006" xmlns:p14="http://schemas.microsoft.com/office/powerpoint/2010/main">
+    <mc:Choice Requires="p14">
+      <p:transition spd="med" p14:dur="700">
+        <p:fade/>
+      </p:transition>
+    </mc:Choice>
+    <mc:Fallback xmlns="">
+      <p:transition spd="med">
+        <p:fade/>
+      </p:transition>
+    </mc:Fallback>
+  </mc:AlternateContent>
 </p:sld>
 </file>
 
@@ -11371,7 +12300,7 @@
             <a:pPr lvl="1"/>
             <a:r>
               <a:rPr lang="nl-BE" dirty="0"/>
-              <a:t>Iedereen heeft wel kamerplanten.</a:t>
+              <a:t>Bijna iedereen heeft kamerplanten.</a:t>
             </a:r>
           </a:p>
           <a:p>
@@ -11527,6 +12456,1408 @@
       </p:transition>
     </mc:Choice>
     <mc:Fallback xmlns="">
+      <p:transition spd="med">
+        <p:fade/>
+      </p:transition>
+    </mc:Fallback>
+  </mc:AlternateContent>
+</p:sld>
+</file>
+
+<file path=ppt/slides/slide30.xml><?xml version="1.0" encoding="utf-8"?>
+<p:sld xmlns:a="http://schemas.openxmlformats.org/drawingml/2006/main" xmlns:r="http://schemas.openxmlformats.org/officeDocument/2006/relationships" xmlns:p="http://schemas.openxmlformats.org/presentationml/2006/main">
+  <p:cSld>
+    <p:spTree>
+      <p:nvGrpSpPr>
+        <p:cNvPr id="1" name=""/>
+        <p:cNvGrpSpPr/>
+        <p:nvPr/>
+      </p:nvGrpSpPr>
+      <p:grpSpPr>
+        <a:xfrm>
+          <a:off x="0" y="0"/>
+          <a:ext cx="0" cy="0"/>
+          <a:chOff x="0" y="0"/>
+          <a:chExt cx="0" cy="0"/>
+        </a:xfrm>
+      </p:grpSpPr>
+      <p:sp>
+        <p:nvSpPr>
+          <p:cNvPr id="2" name="Title 1">
+            <a:extLst>
+              <a:ext uri="{FF2B5EF4-FFF2-40B4-BE49-F238E27FC236}">
+                <a16:creationId xmlns:a16="http://schemas.microsoft.com/office/drawing/2014/main" id="{5A7265BD-9D76-B2B4-E1E4-0AA01C3A3E1F}"/>
+              </a:ext>
+            </a:extLst>
+          </p:cNvPr>
+          <p:cNvSpPr>
+            <a:spLocks noGrp="1"/>
+          </p:cNvSpPr>
+          <p:nvPr>
+            <p:ph type="title"/>
+          </p:nvPr>
+        </p:nvSpPr>
+        <p:spPr/>
+        <p:txBody>
+          <a:bodyPr/>
+          <a:lstStyle/>
+          <a:p>
+            <a:r>
+              <a:rPr lang="en-US" dirty="0"/>
+              <a:t>3. De </a:t>
+            </a:r>
+            <a:r>
+              <a:rPr lang="nl-BE" dirty="0"/>
+              <a:t>praktische</a:t>
+            </a:r>
+            <a:r>
+              <a:rPr lang="en-US" dirty="0"/>
+              <a:t> </a:t>
+            </a:r>
+            <a:r>
+              <a:rPr lang="en-US" dirty="0" err="1"/>
+              <a:t>proef</a:t>
+            </a:r>
+            <a:endParaRPr lang="nl-BE" dirty="0"/>
+          </a:p>
+        </p:txBody>
+      </p:sp>
+      <p:sp>
+        <p:nvSpPr>
+          <p:cNvPr id="3" name="Content Placeholder 2">
+            <a:extLst>
+              <a:ext uri="{FF2B5EF4-FFF2-40B4-BE49-F238E27FC236}">
+                <a16:creationId xmlns:a16="http://schemas.microsoft.com/office/drawing/2014/main" id="{6E25F141-97FE-D4F8-A34E-A4989E36CF8A}"/>
+              </a:ext>
+            </a:extLst>
+          </p:cNvPr>
+          <p:cNvSpPr>
+            <a:spLocks noGrp="1"/>
+          </p:cNvSpPr>
+          <p:nvPr>
+            <p:ph idx="1"/>
+          </p:nvPr>
+        </p:nvSpPr>
+        <p:spPr>
+          <a:xfrm>
+            <a:off x="1088136" y="2062768"/>
+            <a:ext cx="9922764" cy="3838722"/>
+          </a:xfrm>
+        </p:spPr>
+        <p:txBody>
+          <a:bodyPr>
+            <a:normAutofit/>
+          </a:bodyPr>
+          <a:lstStyle/>
+          <a:p>
+            <a:r>
+              <a:rPr lang="nl-BE" u="sng" dirty="0"/>
+              <a:t>De sensoren:</a:t>
+            </a:r>
+          </a:p>
+          <a:p>
+            <a:pPr lvl="1"/>
+            <a:r>
+              <a:rPr lang="nl-BE" u="sng" dirty="0"/>
+              <a:t>1 WPSE342:</a:t>
+            </a:r>
+          </a:p>
+          <a:p>
+            <a:pPr lvl="2"/>
+            <a:r>
+              <a:rPr lang="nl-BE" u="sng" dirty="0"/>
+              <a:t>Temperatuur</a:t>
+            </a:r>
+          </a:p>
+          <a:p>
+            <a:pPr lvl="2"/>
+            <a:r>
+              <a:rPr lang="nl-BE" u="sng" dirty="0"/>
+              <a:t>Luchtvochtigheid</a:t>
+            </a:r>
+          </a:p>
+          <a:p>
+            <a:pPr lvl="2"/>
+            <a:r>
+              <a:rPr lang="nl-BE" u="sng" dirty="0"/>
+              <a:t>CO</a:t>
+            </a:r>
+            <a:r>
+              <a:rPr lang="nl-BE" u="sng" baseline="-25000" dirty="0"/>
+              <a:t>2</a:t>
+            </a:r>
+          </a:p>
+          <a:p>
+            <a:pPr lvl="2"/>
+            <a:r>
+              <a:rPr lang="nl-BE" u="sng" dirty="0"/>
+              <a:t>TVOC</a:t>
+            </a:r>
+          </a:p>
+        </p:txBody>
+      </p:sp>
+      <p:sp>
+        <p:nvSpPr>
+          <p:cNvPr id="4" name="Slide Number Placeholder 3">
+            <a:extLst>
+              <a:ext uri="{FF2B5EF4-FFF2-40B4-BE49-F238E27FC236}">
+                <a16:creationId xmlns:a16="http://schemas.microsoft.com/office/drawing/2014/main" id="{BE21E36D-9ADE-B65E-255D-F7D686638201}"/>
+              </a:ext>
+            </a:extLst>
+          </p:cNvPr>
+          <p:cNvSpPr>
+            <a:spLocks noGrp="1"/>
+          </p:cNvSpPr>
+          <p:nvPr>
+            <p:ph type="sldNum" sz="quarter" idx="12"/>
+          </p:nvPr>
+        </p:nvSpPr>
+        <p:spPr/>
+        <p:txBody>
+          <a:bodyPr/>
+          <a:lstStyle/>
+          <a:p>
+            <a:fld id="{719D7796-F675-488F-AC46-C88938C80352}" type="slidenum">
+              <a:rPr lang="en-US" smtClean="0"/>
+              <a:t>30</a:t>
+            </a:fld>
+            <a:endParaRPr lang="en-US" dirty="0"/>
+          </a:p>
+        </p:txBody>
+      </p:sp>
+      <p:sp>
+        <p:nvSpPr>
+          <p:cNvPr id="5" name="Footer Placeholder 4">
+            <a:extLst>
+              <a:ext uri="{FF2B5EF4-FFF2-40B4-BE49-F238E27FC236}">
+                <a16:creationId xmlns:a16="http://schemas.microsoft.com/office/drawing/2014/main" id="{32D3AD75-5125-42F4-8C56-256B3E44A858}"/>
+              </a:ext>
+            </a:extLst>
+          </p:cNvPr>
+          <p:cNvSpPr>
+            <a:spLocks noGrp="1"/>
+          </p:cNvSpPr>
+          <p:nvPr>
+            <p:ph type="ftr" sz="quarter" idx="11"/>
+          </p:nvPr>
+        </p:nvSpPr>
+        <p:spPr/>
+        <p:txBody>
+          <a:bodyPr/>
+          <a:lstStyle/>
+          <a:p>
+            <a:r>
+              <a:rPr lang="nl-BE" dirty="0"/>
+              <a:t>Het onderhouden van kamerplanten automatiseren - Eduard Smet</a:t>
+            </a:r>
+            <a:endParaRPr lang="en-US" dirty="0"/>
+          </a:p>
+        </p:txBody>
+      </p:sp>
+      <p:sp>
+        <p:nvSpPr>
+          <p:cNvPr id="6" name="Date Placeholder 5">
+            <a:extLst>
+              <a:ext uri="{FF2B5EF4-FFF2-40B4-BE49-F238E27FC236}">
+                <a16:creationId xmlns:a16="http://schemas.microsoft.com/office/drawing/2014/main" id="{92A0768E-42FB-CF56-882C-72EF5CAB8F44}"/>
+              </a:ext>
+            </a:extLst>
+          </p:cNvPr>
+          <p:cNvSpPr>
+            <a:spLocks noGrp="1"/>
+          </p:cNvSpPr>
+          <p:nvPr>
+            <p:ph type="dt" sz="half" idx="10"/>
+          </p:nvPr>
+        </p:nvSpPr>
+        <p:spPr/>
+        <p:txBody>
+          <a:bodyPr/>
+          <a:lstStyle/>
+          <a:p>
+            <a:r>
+              <a:rPr lang="en-US" dirty="0"/>
+              <a:t>31/1/2023</a:t>
+            </a:r>
+          </a:p>
+        </p:txBody>
+      </p:sp>
+    </p:spTree>
+    <p:extLst>
+      <p:ext uri="{BB962C8B-B14F-4D97-AF65-F5344CB8AC3E}">
+        <p14:creationId xmlns:p14="http://schemas.microsoft.com/office/powerpoint/2010/main" val="1188369149"/>
+      </p:ext>
+    </p:extLst>
+  </p:cSld>
+  <p:clrMapOvr>
+    <a:masterClrMapping/>
+  </p:clrMapOvr>
+  <mc:AlternateContent xmlns:mc="http://schemas.openxmlformats.org/markup-compatibility/2006" xmlns:p14="http://schemas.microsoft.com/office/powerpoint/2010/main">
+    <mc:Choice Requires="p14">
+      <p:transition spd="med" p14:dur="700">
+        <p:fade/>
+      </p:transition>
+    </mc:Choice>
+    <mc:Fallback xmlns="">
+      <p:transition spd="med">
+        <p:fade/>
+      </p:transition>
+    </mc:Fallback>
+  </mc:AlternateContent>
+</p:sld>
+</file>
+
+<file path=ppt/slides/slide31.xml><?xml version="1.0" encoding="utf-8"?>
+<p:sld xmlns:a="http://schemas.openxmlformats.org/drawingml/2006/main" xmlns:r="http://schemas.openxmlformats.org/officeDocument/2006/relationships" xmlns:p="http://schemas.openxmlformats.org/presentationml/2006/main">
+  <p:cSld>
+    <p:spTree>
+      <p:nvGrpSpPr>
+        <p:cNvPr id="1" name=""/>
+        <p:cNvGrpSpPr/>
+        <p:nvPr/>
+      </p:nvGrpSpPr>
+      <p:grpSpPr>
+        <a:xfrm>
+          <a:off x="0" y="0"/>
+          <a:ext cx="0" cy="0"/>
+          <a:chOff x="0" y="0"/>
+          <a:chExt cx="0" cy="0"/>
+        </a:xfrm>
+      </p:grpSpPr>
+      <p:sp>
+        <p:nvSpPr>
+          <p:cNvPr id="2" name="Title 1">
+            <a:extLst>
+              <a:ext uri="{FF2B5EF4-FFF2-40B4-BE49-F238E27FC236}">
+                <a16:creationId xmlns:a16="http://schemas.microsoft.com/office/drawing/2014/main" id="{5A7265BD-9D76-B2B4-E1E4-0AA01C3A3E1F}"/>
+              </a:ext>
+            </a:extLst>
+          </p:cNvPr>
+          <p:cNvSpPr>
+            <a:spLocks noGrp="1"/>
+          </p:cNvSpPr>
+          <p:nvPr>
+            <p:ph type="title"/>
+          </p:nvPr>
+        </p:nvSpPr>
+        <p:spPr/>
+        <p:txBody>
+          <a:bodyPr/>
+          <a:lstStyle/>
+          <a:p>
+            <a:r>
+              <a:rPr lang="en-US" dirty="0"/>
+              <a:t>3. De </a:t>
+            </a:r>
+            <a:r>
+              <a:rPr lang="nl-BE" dirty="0"/>
+              <a:t>praktische</a:t>
+            </a:r>
+            <a:r>
+              <a:rPr lang="en-US" dirty="0"/>
+              <a:t> </a:t>
+            </a:r>
+            <a:r>
+              <a:rPr lang="en-US" dirty="0" err="1"/>
+              <a:t>proef</a:t>
+            </a:r>
+            <a:endParaRPr lang="nl-BE" dirty="0"/>
+          </a:p>
+        </p:txBody>
+      </p:sp>
+      <p:sp>
+        <p:nvSpPr>
+          <p:cNvPr id="3" name="Content Placeholder 2">
+            <a:extLst>
+              <a:ext uri="{FF2B5EF4-FFF2-40B4-BE49-F238E27FC236}">
+                <a16:creationId xmlns:a16="http://schemas.microsoft.com/office/drawing/2014/main" id="{6E25F141-97FE-D4F8-A34E-A4989E36CF8A}"/>
+              </a:ext>
+            </a:extLst>
+          </p:cNvPr>
+          <p:cNvSpPr>
+            <a:spLocks noGrp="1"/>
+          </p:cNvSpPr>
+          <p:nvPr>
+            <p:ph idx="1"/>
+          </p:nvPr>
+        </p:nvSpPr>
+        <p:spPr>
+          <a:xfrm>
+            <a:off x="1088136" y="2062768"/>
+            <a:ext cx="9922764" cy="3838722"/>
+          </a:xfrm>
+        </p:spPr>
+        <p:txBody>
+          <a:bodyPr>
+            <a:normAutofit/>
+          </a:bodyPr>
+          <a:lstStyle/>
+          <a:p>
+            <a:r>
+              <a:rPr lang="nl-BE" u="sng" dirty="0"/>
+              <a:t>De data</a:t>
+            </a:r>
+          </a:p>
+          <a:p>
+            <a:pPr lvl="1"/>
+            <a:r>
+              <a:rPr lang="nl-BE" dirty="0"/>
+              <a:t>Aan de hand van JSON files.</a:t>
+            </a:r>
+          </a:p>
+          <a:p>
+            <a:pPr lvl="2"/>
+            <a:r>
+              <a:rPr lang="nl-BE" dirty="0"/>
+              <a:t>Verstuurd over WIFI.</a:t>
+            </a:r>
+          </a:p>
+        </p:txBody>
+      </p:sp>
+      <p:sp>
+        <p:nvSpPr>
+          <p:cNvPr id="4" name="Slide Number Placeholder 3">
+            <a:extLst>
+              <a:ext uri="{FF2B5EF4-FFF2-40B4-BE49-F238E27FC236}">
+                <a16:creationId xmlns:a16="http://schemas.microsoft.com/office/drawing/2014/main" id="{BE21E36D-9ADE-B65E-255D-F7D686638201}"/>
+              </a:ext>
+            </a:extLst>
+          </p:cNvPr>
+          <p:cNvSpPr>
+            <a:spLocks noGrp="1"/>
+          </p:cNvSpPr>
+          <p:nvPr>
+            <p:ph type="sldNum" sz="quarter" idx="12"/>
+          </p:nvPr>
+        </p:nvSpPr>
+        <p:spPr/>
+        <p:txBody>
+          <a:bodyPr/>
+          <a:lstStyle/>
+          <a:p>
+            <a:fld id="{719D7796-F675-488F-AC46-C88938C80352}" type="slidenum">
+              <a:rPr lang="en-US" smtClean="0"/>
+              <a:t>31</a:t>
+            </a:fld>
+            <a:endParaRPr lang="en-US" dirty="0"/>
+          </a:p>
+        </p:txBody>
+      </p:sp>
+      <p:sp>
+        <p:nvSpPr>
+          <p:cNvPr id="5" name="Footer Placeholder 4">
+            <a:extLst>
+              <a:ext uri="{FF2B5EF4-FFF2-40B4-BE49-F238E27FC236}">
+                <a16:creationId xmlns:a16="http://schemas.microsoft.com/office/drawing/2014/main" id="{32D3AD75-5125-42F4-8C56-256B3E44A858}"/>
+              </a:ext>
+            </a:extLst>
+          </p:cNvPr>
+          <p:cNvSpPr>
+            <a:spLocks noGrp="1"/>
+          </p:cNvSpPr>
+          <p:nvPr>
+            <p:ph type="ftr" sz="quarter" idx="11"/>
+          </p:nvPr>
+        </p:nvSpPr>
+        <p:spPr/>
+        <p:txBody>
+          <a:bodyPr/>
+          <a:lstStyle/>
+          <a:p>
+            <a:r>
+              <a:rPr lang="nl-BE" dirty="0"/>
+              <a:t>Het onderhouden van kamerplanten automatiseren - Eduard Smet</a:t>
+            </a:r>
+            <a:endParaRPr lang="en-US" dirty="0"/>
+          </a:p>
+        </p:txBody>
+      </p:sp>
+      <p:sp>
+        <p:nvSpPr>
+          <p:cNvPr id="6" name="Date Placeholder 5">
+            <a:extLst>
+              <a:ext uri="{FF2B5EF4-FFF2-40B4-BE49-F238E27FC236}">
+                <a16:creationId xmlns:a16="http://schemas.microsoft.com/office/drawing/2014/main" id="{92A0768E-42FB-CF56-882C-72EF5CAB8F44}"/>
+              </a:ext>
+            </a:extLst>
+          </p:cNvPr>
+          <p:cNvSpPr>
+            <a:spLocks noGrp="1"/>
+          </p:cNvSpPr>
+          <p:nvPr>
+            <p:ph type="dt" sz="half" idx="10"/>
+          </p:nvPr>
+        </p:nvSpPr>
+        <p:spPr/>
+        <p:txBody>
+          <a:bodyPr/>
+          <a:lstStyle/>
+          <a:p>
+            <a:r>
+              <a:rPr lang="en-US" dirty="0"/>
+              <a:t>31/1/2023</a:t>
+            </a:r>
+          </a:p>
+        </p:txBody>
+      </p:sp>
+    </p:spTree>
+    <p:extLst>
+      <p:ext uri="{BB962C8B-B14F-4D97-AF65-F5344CB8AC3E}">
+        <p14:creationId xmlns:p14="http://schemas.microsoft.com/office/powerpoint/2010/main" val="1511420662"/>
+      </p:ext>
+    </p:extLst>
+  </p:cSld>
+  <p:clrMapOvr>
+    <a:masterClrMapping/>
+  </p:clrMapOvr>
+  <mc:AlternateContent xmlns:mc="http://schemas.openxmlformats.org/markup-compatibility/2006" xmlns:p14="http://schemas.microsoft.com/office/powerpoint/2010/main">
+    <mc:Choice Requires="p14">
+      <p:transition spd="med" p14:dur="700">
+        <p:fade/>
+      </p:transition>
+    </mc:Choice>
+    <mc:Fallback xmlns="">
+      <p:transition spd="med">
+        <p:fade/>
+      </p:transition>
+    </mc:Fallback>
+  </mc:AlternateContent>
+</p:sld>
+</file>
+
+<file path=ppt/slides/slide32.xml><?xml version="1.0" encoding="utf-8"?>
+<p:sld xmlns:a="http://schemas.openxmlformats.org/drawingml/2006/main" xmlns:r="http://schemas.openxmlformats.org/officeDocument/2006/relationships" xmlns:p="http://schemas.openxmlformats.org/presentationml/2006/main">
+  <p:cSld>
+    <p:spTree>
+      <p:nvGrpSpPr>
+        <p:cNvPr id="1" name=""/>
+        <p:cNvGrpSpPr/>
+        <p:nvPr/>
+      </p:nvGrpSpPr>
+      <p:grpSpPr>
+        <a:xfrm>
+          <a:off x="0" y="0"/>
+          <a:ext cx="0" cy="0"/>
+          <a:chOff x="0" y="0"/>
+          <a:chExt cx="0" cy="0"/>
+        </a:xfrm>
+      </p:grpSpPr>
+      <p:sp>
+        <p:nvSpPr>
+          <p:cNvPr id="2" name="Title 1">
+            <a:extLst>
+              <a:ext uri="{FF2B5EF4-FFF2-40B4-BE49-F238E27FC236}">
+                <a16:creationId xmlns:a16="http://schemas.microsoft.com/office/drawing/2014/main" id="{5A7265BD-9D76-B2B4-E1E4-0AA01C3A3E1F}"/>
+              </a:ext>
+            </a:extLst>
+          </p:cNvPr>
+          <p:cNvSpPr>
+            <a:spLocks noGrp="1"/>
+          </p:cNvSpPr>
+          <p:nvPr>
+            <p:ph type="title"/>
+          </p:nvPr>
+        </p:nvSpPr>
+        <p:spPr/>
+        <p:txBody>
+          <a:bodyPr/>
+          <a:lstStyle/>
+          <a:p>
+            <a:r>
+              <a:rPr lang="en-US" dirty="0"/>
+              <a:t>3. De </a:t>
+            </a:r>
+            <a:r>
+              <a:rPr lang="nl-BE" dirty="0"/>
+              <a:t>praktische</a:t>
+            </a:r>
+            <a:r>
+              <a:rPr lang="en-US" dirty="0"/>
+              <a:t> </a:t>
+            </a:r>
+            <a:r>
+              <a:rPr lang="en-US" dirty="0" err="1"/>
+              <a:t>proef</a:t>
+            </a:r>
+            <a:endParaRPr lang="nl-BE" dirty="0"/>
+          </a:p>
+        </p:txBody>
+      </p:sp>
+      <p:sp>
+        <p:nvSpPr>
+          <p:cNvPr id="3" name="Content Placeholder 2">
+            <a:extLst>
+              <a:ext uri="{FF2B5EF4-FFF2-40B4-BE49-F238E27FC236}">
+                <a16:creationId xmlns:a16="http://schemas.microsoft.com/office/drawing/2014/main" id="{6E25F141-97FE-D4F8-A34E-A4989E36CF8A}"/>
+              </a:ext>
+            </a:extLst>
+          </p:cNvPr>
+          <p:cNvSpPr>
+            <a:spLocks noGrp="1"/>
+          </p:cNvSpPr>
+          <p:nvPr>
+            <p:ph idx="1"/>
+          </p:nvPr>
+        </p:nvSpPr>
+        <p:spPr>
+          <a:xfrm>
+            <a:off x="1088136" y="2062768"/>
+            <a:ext cx="9922764" cy="3838722"/>
+          </a:xfrm>
+        </p:spPr>
+        <p:txBody>
+          <a:bodyPr>
+            <a:normAutofit/>
+          </a:bodyPr>
+          <a:lstStyle/>
+          <a:p>
+            <a:r>
+              <a:rPr lang="nl-BE" u="sng" dirty="0"/>
+              <a:t>De website</a:t>
+            </a:r>
+          </a:p>
+          <a:p>
+            <a:pPr lvl="1"/>
+            <a:r>
+              <a:rPr lang="nl-BE" dirty="0"/>
+              <a:t>Geschreven met de </a:t>
+            </a:r>
+            <a:r>
+              <a:rPr lang="nl-BE" dirty="0" err="1"/>
+              <a:t>Reactjs</a:t>
+            </a:r>
+            <a:r>
+              <a:rPr lang="nl-BE" dirty="0"/>
+              <a:t> bibliotheek.</a:t>
+            </a:r>
+          </a:p>
+          <a:p>
+            <a:pPr lvl="1"/>
+            <a:r>
+              <a:rPr lang="nl-BE" dirty="0" err="1"/>
+              <a:t>Interpreteerd</a:t>
+            </a:r>
+            <a:r>
+              <a:rPr lang="nl-BE" dirty="0"/>
+              <a:t> de data uit de JSON.</a:t>
+            </a:r>
+          </a:p>
+          <a:p>
+            <a:pPr lvl="2"/>
+            <a:r>
+              <a:rPr lang="nl-BE" dirty="0"/>
+              <a:t>Toont deze aan de gebruiker.</a:t>
+            </a:r>
+          </a:p>
+          <a:p>
+            <a:pPr lvl="2"/>
+            <a:r>
+              <a:rPr lang="nl-BE" dirty="0"/>
+              <a:t>Reageert er </a:t>
+            </a:r>
+            <a:r>
+              <a:rPr lang="nl-BE" dirty="0" err="1"/>
+              <a:t>uitomatisch</a:t>
+            </a:r>
+            <a:r>
+              <a:rPr lang="nl-BE" dirty="0"/>
+              <a:t> op.</a:t>
+            </a:r>
+          </a:p>
+          <a:p>
+            <a:pPr lvl="2"/>
+            <a:r>
+              <a:rPr lang="nl-BE" dirty="0"/>
+              <a:t>Geeft de gebruiker de kans om ook manueel te reageren</a:t>
+            </a:r>
+          </a:p>
+          <a:p>
+            <a:pPr lvl="2"/>
+            <a:endParaRPr lang="nl-BE" dirty="0"/>
+          </a:p>
+        </p:txBody>
+      </p:sp>
+      <p:sp>
+        <p:nvSpPr>
+          <p:cNvPr id="4" name="Slide Number Placeholder 3">
+            <a:extLst>
+              <a:ext uri="{FF2B5EF4-FFF2-40B4-BE49-F238E27FC236}">
+                <a16:creationId xmlns:a16="http://schemas.microsoft.com/office/drawing/2014/main" id="{BE21E36D-9ADE-B65E-255D-F7D686638201}"/>
+              </a:ext>
+            </a:extLst>
+          </p:cNvPr>
+          <p:cNvSpPr>
+            <a:spLocks noGrp="1"/>
+          </p:cNvSpPr>
+          <p:nvPr>
+            <p:ph type="sldNum" sz="quarter" idx="12"/>
+          </p:nvPr>
+        </p:nvSpPr>
+        <p:spPr/>
+        <p:txBody>
+          <a:bodyPr/>
+          <a:lstStyle/>
+          <a:p>
+            <a:fld id="{719D7796-F675-488F-AC46-C88938C80352}" type="slidenum">
+              <a:rPr lang="en-US" smtClean="0"/>
+              <a:t>32</a:t>
+            </a:fld>
+            <a:endParaRPr lang="en-US" dirty="0"/>
+          </a:p>
+        </p:txBody>
+      </p:sp>
+      <p:sp>
+        <p:nvSpPr>
+          <p:cNvPr id="5" name="Footer Placeholder 4">
+            <a:extLst>
+              <a:ext uri="{FF2B5EF4-FFF2-40B4-BE49-F238E27FC236}">
+                <a16:creationId xmlns:a16="http://schemas.microsoft.com/office/drawing/2014/main" id="{32D3AD75-5125-42F4-8C56-256B3E44A858}"/>
+              </a:ext>
+            </a:extLst>
+          </p:cNvPr>
+          <p:cNvSpPr>
+            <a:spLocks noGrp="1"/>
+          </p:cNvSpPr>
+          <p:nvPr>
+            <p:ph type="ftr" sz="quarter" idx="11"/>
+          </p:nvPr>
+        </p:nvSpPr>
+        <p:spPr/>
+        <p:txBody>
+          <a:bodyPr/>
+          <a:lstStyle/>
+          <a:p>
+            <a:r>
+              <a:rPr lang="nl-BE" dirty="0"/>
+              <a:t>Het onderhouden van kamerplanten automatiseren - Eduard Smet</a:t>
+            </a:r>
+            <a:endParaRPr lang="en-US" dirty="0"/>
+          </a:p>
+        </p:txBody>
+      </p:sp>
+      <p:sp>
+        <p:nvSpPr>
+          <p:cNvPr id="6" name="Date Placeholder 5">
+            <a:extLst>
+              <a:ext uri="{FF2B5EF4-FFF2-40B4-BE49-F238E27FC236}">
+                <a16:creationId xmlns:a16="http://schemas.microsoft.com/office/drawing/2014/main" id="{92A0768E-42FB-CF56-882C-72EF5CAB8F44}"/>
+              </a:ext>
+            </a:extLst>
+          </p:cNvPr>
+          <p:cNvSpPr>
+            <a:spLocks noGrp="1"/>
+          </p:cNvSpPr>
+          <p:nvPr>
+            <p:ph type="dt" sz="half" idx="10"/>
+          </p:nvPr>
+        </p:nvSpPr>
+        <p:spPr/>
+        <p:txBody>
+          <a:bodyPr/>
+          <a:lstStyle/>
+          <a:p>
+            <a:r>
+              <a:rPr lang="en-US" dirty="0"/>
+              <a:t>31/1/2023</a:t>
+            </a:r>
+          </a:p>
+        </p:txBody>
+      </p:sp>
+    </p:spTree>
+    <p:extLst>
+      <p:ext uri="{BB962C8B-B14F-4D97-AF65-F5344CB8AC3E}">
+        <p14:creationId xmlns:p14="http://schemas.microsoft.com/office/powerpoint/2010/main" val="834815396"/>
+      </p:ext>
+    </p:extLst>
+  </p:cSld>
+  <p:clrMapOvr>
+    <a:masterClrMapping/>
+  </p:clrMapOvr>
+  <mc:AlternateContent xmlns:mc="http://schemas.openxmlformats.org/markup-compatibility/2006" xmlns:p14="http://schemas.microsoft.com/office/powerpoint/2010/main">
+    <mc:Choice Requires="p14">
+      <p:transition spd="med" p14:dur="700">
+        <p:fade/>
+      </p:transition>
+    </mc:Choice>
+    <mc:Fallback xmlns="">
+      <p:transition spd="med">
+        <p:fade/>
+      </p:transition>
+    </mc:Fallback>
+  </mc:AlternateContent>
+</p:sld>
+</file>
+
+<file path=ppt/slides/slide33.xml><?xml version="1.0" encoding="utf-8"?>
+<p:sld xmlns:a="http://schemas.openxmlformats.org/drawingml/2006/main" xmlns:r="http://schemas.openxmlformats.org/officeDocument/2006/relationships" xmlns:p="http://schemas.openxmlformats.org/presentationml/2006/main">
+  <p:cSld>
+    <p:spTree>
+      <p:nvGrpSpPr>
+        <p:cNvPr id="1" name=""/>
+        <p:cNvGrpSpPr/>
+        <p:nvPr/>
+      </p:nvGrpSpPr>
+      <p:grpSpPr>
+        <a:xfrm>
+          <a:off x="0" y="0"/>
+          <a:ext cx="0" cy="0"/>
+          <a:chOff x="0" y="0"/>
+          <a:chExt cx="0" cy="0"/>
+        </a:xfrm>
+      </p:grpSpPr>
+      <p:sp>
+        <p:nvSpPr>
+          <p:cNvPr id="2" name="Title 1">
+            <a:extLst>
+              <a:ext uri="{FF2B5EF4-FFF2-40B4-BE49-F238E27FC236}">
+                <a16:creationId xmlns:a16="http://schemas.microsoft.com/office/drawing/2014/main" id="{5A7265BD-9D76-B2B4-E1E4-0AA01C3A3E1F}"/>
+              </a:ext>
+            </a:extLst>
+          </p:cNvPr>
+          <p:cNvSpPr>
+            <a:spLocks noGrp="1"/>
+          </p:cNvSpPr>
+          <p:nvPr>
+            <p:ph type="title"/>
+          </p:nvPr>
+        </p:nvSpPr>
+        <p:spPr/>
+        <p:txBody>
+          <a:bodyPr/>
+          <a:lstStyle/>
+          <a:p>
+            <a:r>
+              <a:rPr lang="nl-BE" dirty="0"/>
+              <a:t>3. De praktische proef</a:t>
+            </a:r>
+          </a:p>
+        </p:txBody>
+      </p:sp>
+      <p:sp>
+        <p:nvSpPr>
+          <p:cNvPr id="3" name="Content Placeholder 2">
+            <a:extLst>
+              <a:ext uri="{FF2B5EF4-FFF2-40B4-BE49-F238E27FC236}">
+                <a16:creationId xmlns:a16="http://schemas.microsoft.com/office/drawing/2014/main" id="{6E25F141-97FE-D4F8-A34E-A4989E36CF8A}"/>
+              </a:ext>
+            </a:extLst>
+          </p:cNvPr>
+          <p:cNvSpPr>
+            <a:spLocks noGrp="1"/>
+          </p:cNvSpPr>
+          <p:nvPr>
+            <p:ph idx="1"/>
+          </p:nvPr>
+        </p:nvSpPr>
+        <p:spPr>
+          <a:xfrm>
+            <a:off x="1088136" y="2062768"/>
+            <a:ext cx="9922764" cy="3838722"/>
+          </a:xfrm>
+        </p:spPr>
+        <p:txBody>
+          <a:bodyPr>
+            <a:normAutofit/>
+          </a:bodyPr>
+          <a:lstStyle/>
+          <a:p>
+            <a:r>
+              <a:rPr lang="nl-BE" u="sng" dirty="0"/>
+              <a:t>De huidige voortgang:</a:t>
+            </a:r>
+          </a:p>
+          <a:p>
+            <a:r>
+              <a:rPr lang="nl-BE" dirty="0"/>
+              <a:t>Heb zo goed als alle componenten al.</a:t>
+            </a:r>
+          </a:p>
+          <a:p>
+            <a:r>
+              <a:rPr lang="nl-BE" dirty="0"/>
+              <a:t>Begonnen met testen en bouwen van het systeem.</a:t>
+            </a:r>
+          </a:p>
+          <a:p>
+            <a:endParaRPr lang="nl-BE" u="sng" dirty="0"/>
+          </a:p>
+          <a:p>
+            <a:r>
+              <a:rPr lang="nl-BE" u="sng" dirty="0"/>
+              <a:t>De moeilijkheden:</a:t>
+            </a:r>
+          </a:p>
+          <a:p>
+            <a:r>
+              <a:rPr lang="nl-BE" dirty="0"/>
+              <a:t>Weinig kennis met het werken met een Raspberry Pi en de sensoren.</a:t>
+            </a:r>
+          </a:p>
+          <a:p>
+            <a:r>
+              <a:rPr lang="nl-BE" dirty="0"/>
+              <a:t>Research doen in verband met de Raspberry Pi.</a:t>
+            </a:r>
+          </a:p>
+        </p:txBody>
+      </p:sp>
+      <p:sp>
+        <p:nvSpPr>
+          <p:cNvPr id="4" name="Slide Number Placeholder 3">
+            <a:extLst>
+              <a:ext uri="{FF2B5EF4-FFF2-40B4-BE49-F238E27FC236}">
+                <a16:creationId xmlns:a16="http://schemas.microsoft.com/office/drawing/2014/main" id="{BE21E36D-9ADE-B65E-255D-F7D686638201}"/>
+              </a:ext>
+            </a:extLst>
+          </p:cNvPr>
+          <p:cNvSpPr>
+            <a:spLocks noGrp="1"/>
+          </p:cNvSpPr>
+          <p:nvPr>
+            <p:ph type="sldNum" sz="quarter" idx="12"/>
+          </p:nvPr>
+        </p:nvSpPr>
+        <p:spPr/>
+        <p:txBody>
+          <a:bodyPr/>
+          <a:lstStyle/>
+          <a:p>
+            <a:fld id="{719D7796-F675-488F-AC46-C88938C80352}" type="slidenum">
+              <a:rPr lang="en-US" smtClean="0"/>
+              <a:t>33</a:t>
+            </a:fld>
+            <a:endParaRPr lang="en-US" dirty="0"/>
+          </a:p>
+        </p:txBody>
+      </p:sp>
+      <p:sp>
+        <p:nvSpPr>
+          <p:cNvPr id="5" name="Footer Placeholder 4">
+            <a:extLst>
+              <a:ext uri="{FF2B5EF4-FFF2-40B4-BE49-F238E27FC236}">
+                <a16:creationId xmlns:a16="http://schemas.microsoft.com/office/drawing/2014/main" id="{32D3AD75-5125-42F4-8C56-256B3E44A858}"/>
+              </a:ext>
+            </a:extLst>
+          </p:cNvPr>
+          <p:cNvSpPr>
+            <a:spLocks noGrp="1"/>
+          </p:cNvSpPr>
+          <p:nvPr>
+            <p:ph type="ftr" sz="quarter" idx="11"/>
+          </p:nvPr>
+        </p:nvSpPr>
+        <p:spPr/>
+        <p:txBody>
+          <a:bodyPr/>
+          <a:lstStyle/>
+          <a:p>
+            <a:r>
+              <a:rPr lang="nl-BE" dirty="0"/>
+              <a:t>Het onderhouden van kamerplanten automatiseren - Eduard Smet</a:t>
+            </a:r>
+            <a:endParaRPr lang="en-US" dirty="0"/>
+          </a:p>
+        </p:txBody>
+      </p:sp>
+      <p:sp>
+        <p:nvSpPr>
+          <p:cNvPr id="6" name="Date Placeholder 5">
+            <a:extLst>
+              <a:ext uri="{FF2B5EF4-FFF2-40B4-BE49-F238E27FC236}">
+                <a16:creationId xmlns:a16="http://schemas.microsoft.com/office/drawing/2014/main" id="{92A0768E-42FB-CF56-882C-72EF5CAB8F44}"/>
+              </a:ext>
+            </a:extLst>
+          </p:cNvPr>
+          <p:cNvSpPr>
+            <a:spLocks noGrp="1"/>
+          </p:cNvSpPr>
+          <p:nvPr>
+            <p:ph type="dt" sz="half" idx="10"/>
+          </p:nvPr>
+        </p:nvSpPr>
+        <p:spPr/>
+        <p:txBody>
+          <a:bodyPr/>
+          <a:lstStyle/>
+          <a:p>
+            <a:r>
+              <a:rPr lang="en-US" dirty="0"/>
+              <a:t>31/1/2023</a:t>
+            </a:r>
+          </a:p>
+        </p:txBody>
+      </p:sp>
+    </p:spTree>
+    <p:extLst>
+      <p:ext uri="{BB962C8B-B14F-4D97-AF65-F5344CB8AC3E}">
+        <p14:creationId xmlns:p14="http://schemas.microsoft.com/office/powerpoint/2010/main" val="33546057"/>
+      </p:ext>
+    </p:extLst>
+  </p:cSld>
+  <p:clrMapOvr>
+    <a:masterClrMapping/>
+  </p:clrMapOvr>
+  <mc:AlternateContent xmlns:mc="http://schemas.openxmlformats.org/markup-compatibility/2006" xmlns:p14="http://schemas.microsoft.com/office/powerpoint/2010/main">
+    <mc:Choice Requires="p14">
+      <p:transition spd="med" p14:dur="700">
+        <p:fade/>
+      </p:transition>
+    </mc:Choice>
+    <mc:Fallback xmlns="">
+      <p:transition spd="med">
+        <p:fade/>
+      </p:transition>
+    </mc:Fallback>
+  </mc:AlternateContent>
+</p:sld>
+</file>
+
+<file path=ppt/slides/slide34.xml><?xml version="1.0" encoding="utf-8"?>
+<p:sld xmlns:a="http://schemas.openxmlformats.org/drawingml/2006/main" xmlns:r="http://schemas.openxmlformats.org/officeDocument/2006/relationships" xmlns:p="http://schemas.openxmlformats.org/presentationml/2006/main">
+  <p:cSld>
+    <p:spTree>
+      <p:nvGrpSpPr>
+        <p:cNvPr id="1" name=""/>
+        <p:cNvGrpSpPr/>
+        <p:nvPr/>
+      </p:nvGrpSpPr>
+      <p:grpSpPr>
+        <a:xfrm>
+          <a:off x="0" y="0"/>
+          <a:ext cx="0" cy="0"/>
+          <a:chOff x="0" y="0"/>
+          <a:chExt cx="0" cy="0"/>
+        </a:xfrm>
+      </p:grpSpPr>
+      <p:sp>
+        <p:nvSpPr>
+          <p:cNvPr id="2" name="Title 1">
+            <a:extLst>
+              <a:ext uri="{FF2B5EF4-FFF2-40B4-BE49-F238E27FC236}">
+                <a16:creationId xmlns:a16="http://schemas.microsoft.com/office/drawing/2014/main" id="{5A7265BD-9D76-B2B4-E1E4-0AA01C3A3E1F}"/>
+              </a:ext>
+            </a:extLst>
+          </p:cNvPr>
+          <p:cNvSpPr>
+            <a:spLocks noGrp="1"/>
+          </p:cNvSpPr>
+          <p:nvPr>
+            <p:ph type="title"/>
+          </p:nvPr>
+        </p:nvSpPr>
+        <p:spPr/>
+        <p:txBody>
+          <a:bodyPr/>
+          <a:lstStyle/>
+          <a:p>
+            <a:r>
+              <a:rPr lang="nl-BE" dirty="0"/>
+              <a:t>4. Voorlopige conclusie</a:t>
+            </a:r>
+          </a:p>
+        </p:txBody>
+      </p:sp>
+      <p:sp>
+        <p:nvSpPr>
+          <p:cNvPr id="3" name="Content Placeholder 2">
+            <a:extLst>
+              <a:ext uri="{FF2B5EF4-FFF2-40B4-BE49-F238E27FC236}">
+                <a16:creationId xmlns:a16="http://schemas.microsoft.com/office/drawing/2014/main" id="{6E25F141-97FE-D4F8-A34E-A4989E36CF8A}"/>
+              </a:ext>
+            </a:extLst>
+          </p:cNvPr>
+          <p:cNvSpPr>
+            <a:spLocks noGrp="1"/>
+          </p:cNvSpPr>
+          <p:nvPr>
+            <p:ph idx="1"/>
+          </p:nvPr>
+        </p:nvSpPr>
+        <p:spPr>
+          <a:xfrm>
+            <a:off x="1088136" y="2062768"/>
+            <a:ext cx="9922764" cy="3838722"/>
+          </a:xfrm>
+        </p:spPr>
+        <p:txBody>
+          <a:bodyPr>
+            <a:normAutofit fontScale="70000" lnSpcReduction="20000"/>
+          </a:bodyPr>
+          <a:lstStyle/>
+          <a:p>
+            <a:r>
+              <a:rPr lang="nl-BE" u="sng" dirty="0"/>
+              <a:t>Wat ik al heb bijgeleerd:</a:t>
+            </a:r>
+          </a:p>
+          <a:p>
+            <a:r>
+              <a:rPr lang="nl-BE" dirty="0"/>
+              <a:t>Veel over Raspberry Pi en alles in verband met de </a:t>
+            </a:r>
+            <a:r>
+              <a:rPr lang="nl-BE" dirty="0" err="1"/>
+              <a:t>Raspberry</a:t>
+            </a:r>
+            <a:r>
+              <a:rPr lang="nl-BE" dirty="0"/>
+              <a:t> Pi .</a:t>
+            </a:r>
+          </a:p>
+          <a:p>
+            <a:endParaRPr lang="nl-BE" u="sng" dirty="0"/>
+          </a:p>
+          <a:p>
+            <a:r>
+              <a:rPr lang="nl-BE" u="sng" dirty="0"/>
+              <a:t>Wat ik nog moet doen:</a:t>
+            </a:r>
+          </a:p>
+          <a:p>
+            <a:r>
+              <a:rPr lang="nl-BE" dirty="0"/>
+              <a:t>Nog de theorie achter dit alles verder onderzoeken.</a:t>
+            </a:r>
+          </a:p>
+          <a:p>
+            <a:r>
+              <a:rPr lang="nl-BE" dirty="0"/>
+              <a:t>Een interview met een persoon/bedrijf.</a:t>
+            </a:r>
+          </a:p>
+          <a:p>
+            <a:r>
+              <a:rPr lang="nl-BE" dirty="0"/>
+              <a:t>Nog wat dingen oplossen met de Raspberry Pi.</a:t>
+            </a:r>
+          </a:p>
+          <a:p>
+            <a:r>
+              <a:rPr lang="nl-BE" dirty="0"/>
+              <a:t>De praktische proef zelf uitvoeren.</a:t>
+            </a:r>
+          </a:p>
+          <a:p>
+            <a:endParaRPr lang="nl-BE" u="sng" dirty="0"/>
+          </a:p>
+          <a:p>
+            <a:r>
+              <a:rPr lang="nl-BE" u="sng" dirty="0"/>
+              <a:t>Zelfreflectie:</a:t>
+            </a:r>
+          </a:p>
+          <a:p>
+            <a:r>
+              <a:rPr lang="nl-BE" dirty="0"/>
+              <a:t>Gaat in het algemeen wel vlot.</a:t>
+            </a:r>
+          </a:p>
+        </p:txBody>
+      </p:sp>
+      <p:sp>
+        <p:nvSpPr>
+          <p:cNvPr id="4" name="Slide Number Placeholder 3">
+            <a:extLst>
+              <a:ext uri="{FF2B5EF4-FFF2-40B4-BE49-F238E27FC236}">
+                <a16:creationId xmlns:a16="http://schemas.microsoft.com/office/drawing/2014/main" id="{BE21E36D-9ADE-B65E-255D-F7D686638201}"/>
+              </a:ext>
+            </a:extLst>
+          </p:cNvPr>
+          <p:cNvSpPr>
+            <a:spLocks noGrp="1"/>
+          </p:cNvSpPr>
+          <p:nvPr>
+            <p:ph type="sldNum" sz="quarter" idx="12"/>
+          </p:nvPr>
+        </p:nvSpPr>
+        <p:spPr/>
+        <p:txBody>
+          <a:bodyPr/>
+          <a:lstStyle/>
+          <a:p>
+            <a:fld id="{719D7796-F675-488F-AC46-C88938C80352}" type="slidenum">
+              <a:rPr lang="en-US" smtClean="0"/>
+              <a:t>34</a:t>
+            </a:fld>
+            <a:endParaRPr lang="en-US" dirty="0"/>
+          </a:p>
+        </p:txBody>
+      </p:sp>
+      <p:sp>
+        <p:nvSpPr>
+          <p:cNvPr id="5" name="Footer Placeholder 4">
+            <a:extLst>
+              <a:ext uri="{FF2B5EF4-FFF2-40B4-BE49-F238E27FC236}">
+                <a16:creationId xmlns:a16="http://schemas.microsoft.com/office/drawing/2014/main" id="{32D3AD75-5125-42F4-8C56-256B3E44A858}"/>
+              </a:ext>
+            </a:extLst>
+          </p:cNvPr>
+          <p:cNvSpPr>
+            <a:spLocks noGrp="1"/>
+          </p:cNvSpPr>
+          <p:nvPr>
+            <p:ph type="ftr" sz="quarter" idx="11"/>
+          </p:nvPr>
+        </p:nvSpPr>
+        <p:spPr/>
+        <p:txBody>
+          <a:bodyPr/>
+          <a:lstStyle/>
+          <a:p>
+            <a:r>
+              <a:rPr lang="nl-BE" dirty="0"/>
+              <a:t>Het onderhouden van kamerplanten automatiseren - Eduard Smet</a:t>
+            </a:r>
+            <a:endParaRPr lang="en-US" dirty="0"/>
+          </a:p>
+        </p:txBody>
+      </p:sp>
+      <p:sp>
+        <p:nvSpPr>
+          <p:cNvPr id="6" name="Date Placeholder 5">
+            <a:extLst>
+              <a:ext uri="{FF2B5EF4-FFF2-40B4-BE49-F238E27FC236}">
+                <a16:creationId xmlns:a16="http://schemas.microsoft.com/office/drawing/2014/main" id="{92A0768E-42FB-CF56-882C-72EF5CAB8F44}"/>
+              </a:ext>
+            </a:extLst>
+          </p:cNvPr>
+          <p:cNvSpPr>
+            <a:spLocks noGrp="1"/>
+          </p:cNvSpPr>
+          <p:nvPr>
+            <p:ph type="dt" sz="half" idx="10"/>
+          </p:nvPr>
+        </p:nvSpPr>
+        <p:spPr/>
+        <p:txBody>
+          <a:bodyPr/>
+          <a:lstStyle/>
+          <a:p>
+            <a:r>
+              <a:rPr lang="en-US" dirty="0"/>
+              <a:t>31/1/2023</a:t>
+            </a:r>
+          </a:p>
+        </p:txBody>
+      </p:sp>
+    </p:spTree>
+    <p:extLst>
+      <p:ext uri="{BB962C8B-B14F-4D97-AF65-F5344CB8AC3E}">
+        <p14:creationId xmlns:p14="http://schemas.microsoft.com/office/powerpoint/2010/main" val="3371319163"/>
+      </p:ext>
+    </p:extLst>
+  </p:cSld>
+  <p:clrMapOvr>
+    <a:masterClrMapping/>
+  </p:clrMapOvr>
+  <mc:AlternateContent xmlns:mc="http://schemas.openxmlformats.org/markup-compatibility/2006" xmlns:p14="http://schemas.microsoft.com/office/powerpoint/2010/main">
+    <mc:Choice Requires="p14">
+      <p:transition spd="med" p14:dur="700">
+        <p:fade/>
+      </p:transition>
+    </mc:Choice>
+    <mc:Fallback xmlns="">
+      <p:transition spd="med">
+        <p:fade/>
+      </p:transition>
+    </mc:Fallback>
+  </mc:AlternateContent>
+</p:sld>
+</file>
+
+<file path=ppt/slides/slide35.xml><?xml version="1.0" encoding="utf-8"?>
+<p:sld xmlns:a="http://schemas.openxmlformats.org/drawingml/2006/main" xmlns:r="http://schemas.openxmlformats.org/officeDocument/2006/relationships" xmlns:p="http://schemas.openxmlformats.org/presentationml/2006/main">
+  <p:cSld>
+    <p:spTree>
+      <p:nvGrpSpPr>
+        <p:cNvPr id="1" name=""/>
+        <p:cNvGrpSpPr/>
+        <p:nvPr/>
+      </p:nvGrpSpPr>
+      <p:grpSpPr>
+        <a:xfrm>
+          <a:off x="0" y="0"/>
+          <a:ext cx="0" cy="0"/>
+          <a:chOff x="0" y="0"/>
+          <a:chExt cx="0" cy="0"/>
+        </a:xfrm>
+      </p:grpSpPr>
+      <p:sp>
+        <p:nvSpPr>
+          <p:cNvPr id="2" name="Title 1">
+            <a:extLst>
+              <a:ext uri="{FF2B5EF4-FFF2-40B4-BE49-F238E27FC236}">
+                <a16:creationId xmlns:a16="http://schemas.microsoft.com/office/drawing/2014/main" id="{8781BF17-D86E-5939-9D36-2374C185476C}"/>
+              </a:ext>
+            </a:extLst>
+          </p:cNvPr>
+          <p:cNvSpPr>
+            <a:spLocks noGrp="1"/>
+          </p:cNvSpPr>
+          <p:nvPr>
+            <p:ph type="ctrTitle"/>
+          </p:nvPr>
+        </p:nvSpPr>
+        <p:spPr>
+          <a:xfrm>
+            <a:off x="1451952" y="2659942"/>
+            <a:ext cx="9288096" cy="769058"/>
+          </a:xfrm>
+        </p:spPr>
+        <p:txBody>
+          <a:bodyPr/>
+          <a:lstStyle/>
+          <a:p>
+            <a:pPr algn="ctr"/>
+            <a:r>
+              <a:rPr lang="nl-BE" dirty="0"/>
+              <a:t>Einde</a:t>
+            </a:r>
+          </a:p>
+        </p:txBody>
+      </p:sp>
+      <p:sp>
+        <p:nvSpPr>
+          <p:cNvPr id="3" name="Subtitle 2">
+            <a:extLst>
+              <a:ext uri="{FF2B5EF4-FFF2-40B4-BE49-F238E27FC236}">
+                <a16:creationId xmlns:a16="http://schemas.microsoft.com/office/drawing/2014/main" id="{66057CA6-4361-F212-916C-6162506E42C8}"/>
+              </a:ext>
+            </a:extLst>
+          </p:cNvPr>
+          <p:cNvSpPr>
+            <a:spLocks noGrp="1"/>
+          </p:cNvSpPr>
+          <p:nvPr>
+            <p:ph type="subTitle" idx="1"/>
+          </p:nvPr>
+        </p:nvSpPr>
+        <p:spPr>
+          <a:xfrm>
+            <a:off x="1451952" y="3852117"/>
+            <a:ext cx="9288096" cy="1435331"/>
+          </a:xfrm>
+        </p:spPr>
+        <p:txBody>
+          <a:bodyPr/>
+          <a:lstStyle/>
+          <a:p>
+            <a:pPr algn="ctr"/>
+            <a:r>
+              <a:rPr lang="nl-BE"/>
+              <a:t>Dank u </a:t>
+            </a:r>
+            <a:r>
+              <a:rPr lang="nl-BE" dirty="0"/>
+              <a:t>voor uw aandacht!</a:t>
+            </a:r>
+          </a:p>
+        </p:txBody>
+      </p:sp>
+      <p:sp>
+        <p:nvSpPr>
+          <p:cNvPr id="4" name="Date Placeholder 3">
+            <a:extLst>
+              <a:ext uri="{FF2B5EF4-FFF2-40B4-BE49-F238E27FC236}">
+                <a16:creationId xmlns:a16="http://schemas.microsoft.com/office/drawing/2014/main" id="{43CD1E27-E238-2AC8-E7AB-BDD75216EA64}"/>
+              </a:ext>
+            </a:extLst>
+          </p:cNvPr>
+          <p:cNvSpPr>
+            <a:spLocks noGrp="1"/>
+          </p:cNvSpPr>
+          <p:nvPr>
+            <p:ph type="dt" sz="half" idx="10"/>
+          </p:nvPr>
+        </p:nvSpPr>
+        <p:spPr/>
+        <p:txBody>
+          <a:bodyPr/>
+          <a:lstStyle/>
+          <a:p>
+            <a:r>
+              <a:rPr lang="en-US"/>
+              <a:t>31/1/2023</a:t>
+            </a:r>
+            <a:endParaRPr lang="en-US" dirty="0"/>
+          </a:p>
+        </p:txBody>
+      </p:sp>
+      <p:sp>
+        <p:nvSpPr>
+          <p:cNvPr id="5" name="Footer Placeholder 4">
+            <a:extLst>
+              <a:ext uri="{FF2B5EF4-FFF2-40B4-BE49-F238E27FC236}">
+                <a16:creationId xmlns:a16="http://schemas.microsoft.com/office/drawing/2014/main" id="{FAB2D28C-C005-428D-1A40-795DC3CBB459}"/>
+              </a:ext>
+            </a:extLst>
+          </p:cNvPr>
+          <p:cNvSpPr>
+            <a:spLocks noGrp="1"/>
+          </p:cNvSpPr>
+          <p:nvPr>
+            <p:ph type="ftr" sz="quarter" idx="11"/>
+          </p:nvPr>
+        </p:nvSpPr>
+        <p:spPr/>
+        <p:txBody>
+          <a:bodyPr/>
+          <a:lstStyle/>
+          <a:p>
+            <a:r>
+              <a:rPr lang="nl-BE"/>
+              <a:t>Het onderhouden van kamerplanten automatiseren - Eduard Smet</a:t>
+            </a:r>
+            <a:endParaRPr lang="en-US" dirty="0"/>
+          </a:p>
+        </p:txBody>
+      </p:sp>
+      <p:sp>
+        <p:nvSpPr>
+          <p:cNvPr id="6" name="Slide Number Placeholder 5">
+            <a:extLst>
+              <a:ext uri="{FF2B5EF4-FFF2-40B4-BE49-F238E27FC236}">
+                <a16:creationId xmlns:a16="http://schemas.microsoft.com/office/drawing/2014/main" id="{6F009B0F-EB2C-FA50-A529-4D8D72293199}"/>
+              </a:ext>
+            </a:extLst>
+          </p:cNvPr>
+          <p:cNvSpPr>
+            <a:spLocks noGrp="1"/>
+          </p:cNvSpPr>
+          <p:nvPr>
+            <p:ph type="sldNum" sz="quarter" idx="12"/>
+          </p:nvPr>
+        </p:nvSpPr>
+        <p:spPr/>
+        <p:txBody>
+          <a:bodyPr/>
+          <a:lstStyle/>
+          <a:p>
+            <a:fld id="{719D7796-F675-488F-AC46-C88938C80352}" type="slidenum">
+              <a:rPr lang="en-US" smtClean="0"/>
+              <a:t>35</a:t>
+            </a:fld>
+            <a:endParaRPr lang="en-US" dirty="0"/>
+          </a:p>
+        </p:txBody>
+      </p:sp>
+    </p:spTree>
+    <p:extLst>
+      <p:ext uri="{BB962C8B-B14F-4D97-AF65-F5344CB8AC3E}">
+        <p14:creationId xmlns:p14="http://schemas.microsoft.com/office/powerpoint/2010/main" val="3957673451"/>
+      </p:ext>
+    </p:extLst>
+  </p:cSld>
+  <p:clrMapOvr>
+    <a:masterClrMapping/>
+  </p:clrMapOvr>
+  <mc:AlternateContent xmlns:mc="http://schemas.openxmlformats.org/markup-compatibility/2006">
+    <mc:Choice xmlns:p14="http://schemas.microsoft.com/office/powerpoint/2010/main" Requires="p14">
+      <p:transition spd="med" p14:dur="700">
+        <p:fade/>
+      </p:transition>
+    </mc:Choice>
+    <mc:Fallback>
       <p:transition spd="med">
         <p:fade/>
       </p:transition>
@@ -13448,6 +15779,21 @@
             <a:pPr lvl="4"/>
             <a:endParaRPr lang="nl-BE" dirty="0"/>
           </a:p>
+          <a:p>
+            <a:pPr lvl="4"/>
+            <a:endParaRPr lang="nl-BE" dirty="0"/>
+          </a:p>
+          <a:p>
+            <a:pPr lvl="4"/>
+            <a:r>
+              <a:rPr lang="nl-BE" dirty="0"/>
+              <a:t>Belangrijk voor celademhaling.</a:t>
+            </a:r>
+          </a:p>
+          <a:p>
+            <a:pPr lvl="4"/>
+            <a:endParaRPr lang="nl-BE" dirty="0"/>
+          </a:p>
         </p:txBody>
       </p:sp>
       <p:sp>
@@ -13599,7 +15945,10 @@
           </a:prstGeom>
           <a:ln w="28575">
             <a:solidFill>
-              <a:schemeClr val="tx1"/>
+              <a:schemeClr val="tx1">
+                <a:lumMod val="50000"/>
+                <a:lumOff val="50000"/>
+              </a:schemeClr>
             </a:solidFill>
             <a:tailEnd type="triangle"/>
           </a:ln>
@@ -13676,7 +16025,7 @@
         <p:spPr>
           <a:xfrm>
             <a:off x="2454040" y="3533892"/>
-            <a:ext cx="2928085" cy="800219"/>
+            <a:ext cx="2928085" cy="1877437"/>
           </a:xfrm>
           <a:prstGeom prst="rect">
             <a:avLst/>
@@ -13695,7 +16044,38 @@
             </a:pPr>
             <a:r>
               <a:rPr lang="nl-BE" sz="1400" dirty="0"/>
-              <a:t>Aan de hand van fotosynthese</a:t>
+              <a:t>Aan de hand van fotosynthese.</a:t>
+            </a:r>
+          </a:p>
+          <a:p>
+            <a:pPr marL="285750" indent="-285750">
+              <a:buFont typeface="Neue Haas Grotesk Text Pro" panose="020B0504020202020204" pitchFamily="34" charset="0"/>
+              <a:buChar char="-"/>
+            </a:pPr>
+            <a:endParaRPr lang="nl-BE" sz="1400" dirty="0"/>
+          </a:p>
+          <a:p>
+            <a:pPr marL="285750" indent="-285750">
+              <a:buFont typeface="Neue Haas Grotesk Text Pro" panose="020B0504020202020204" pitchFamily="34" charset="0"/>
+              <a:buChar char="-"/>
+            </a:pPr>
+            <a:endParaRPr lang="nl-BE" sz="1400" dirty="0"/>
+          </a:p>
+          <a:p>
+            <a:pPr marL="285750" indent="-285750">
+              <a:buFont typeface="Neue Haas Grotesk Text Pro" panose="020B0504020202020204" pitchFamily="34" charset="0"/>
+              <a:buChar char="-"/>
+            </a:pPr>
+            <a:endParaRPr lang="nl-BE" sz="1400" dirty="0"/>
+          </a:p>
+          <a:p>
+            <a:pPr marL="285750" indent="-285750">
+              <a:buFont typeface="Neue Haas Grotesk Text Pro" panose="020B0504020202020204" pitchFamily="34" charset="0"/>
+              <a:buChar char="-"/>
+            </a:pPr>
+            <a:r>
+              <a:rPr lang="nl-BE" sz="1400" dirty="0"/>
+              <a:t>Tegengestelde van fotosynthese.</a:t>
             </a:r>
           </a:p>
           <a:p>
